--- a/PPT/Standard Cell Do Matter.pptx
+++ b/PPT/Standard Cell Do Matter.pptx
@@ -4388,7 +4388,7 @@
                 <a:ea typeface="新細明體" panose="02020500000000000000" pitchFamily="18" charset="-120"/>
                 <a:cs typeface="Times New Roman" panose="02020603050405020304" pitchFamily="18" charset="0"/>
               </a:rPr>
-              <a:t>In [5], optimized data path layout was generated by </a:t>
+              <a:t>In [5], optimized data path layout was generated by utilizing</a:t>
             </a:r>
             <a:r>
               <a:rPr lang="en-US" altLang="zh-TW" sz="2400" dirty="0">
@@ -4402,7 +4402,7 @@
                 <a:ea typeface="新細明體" panose="02020500000000000000" pitchFamily="18" charset="-120"/>
                 <a:cs typeface="Times New Roman" panose="02020603050405020304" pitchFamily="18" charset="0"/>
               </a:rPr>
-              <a:t>utilizing rule information </a:t>
+              <a:t> rule information </a:t>
             </a:r>
             <a:r>
               <a:rPr lang="en-US" altLang="zh-TW" sz="2400" dirty="0">
@@ -4707,7 +4707,7 @@
                 <a:ea typeface="新細明體" panose="02020500000000000000" pitchFamily="18" charset="-120"/>
                 <a:cs typeface="Times New Roman" panose="02020603050405020304" pitchFamily="18" charset="0"/>
               </a:rPr>
-              <a:t>virtual or direct connections among macros </a:t>
+              <a:t>macro-macro connections</a:t>
             </a:r>
             <a:r>
               <a:rPr lang="en-US" altLang="zh-TW" sz="2400" dirty="0">
@@ -4716,7 +4716,7 @@
                 <a:ea typeface="新細明體" panose="02020500000000000000" pitchFamily="18" charset="-120"/>
                 <a:cs typeface="Times New Roman" panose="02020603050405020304" pitchFamily="18" charset="0"/>
               </a:rPr>
-              <a:t>(i.e. macro-macro connections).</a:t>
+              <a:t>.</a:t>
             </a:r>
           </a:p>
           <a:p>
@@ -4774,7 +4774,7 @@
       </p:sp>
       <p:pic>
         <p:nvPicPr>
-          <p:cNvPr id="7" name="圖片 6">
+          <p:cNvPr id="4" name="圖片 6">
             <a:extLst>
               <a:ext uri="{FF2B5EF4-FFF2-40B4-BE49-F238E27FC236}">
                 <a16:creationId xmlns:a16="http://schemas.microsoft.com/office/drawing/2014/main" id="{E9EE2CD4-2E7B-B42D-562B-35F1B18B850D}"/>
@@ -4794,8 +4794,8 @@
         </p:blipFill>
         <p:spPr>
           <a:xfrm>
-            <a:off x="2871372" y="4547281"/>
-            <a:ext cx="6630325" cy="2181529"/>
+            <a:off x="2997047" y="4404089"/>
+            <a:ext cx="6827126" cy="2246281"/>
           </a:xfrm>
           <a:prstGeom prst="rect">
             <a:avLst/>
@@ -4937,11 +4937,65 @@
                 <a:latin typeface="Times New Roman" panose="02020603050405020304" pitchFamily="18" charset="0"/>
                 <a:cs typeface="Times New Roman" panose="02020603050405020304" pitchFamily="18" charset="0"/>
               </a:rPr>
-              <a:t> among macro clusters and cell clusters, and use them as an important guidance for macro placement.</a:t>
-            </a:r>
-          </a:p>
-        </p:txBody>
-      </p:sp>
+              <a:t> among </a:t>
+            </a:r>
+            <a:r>
+              <a:rPr lang="en-US" altLang="zh-TW" sz="2400" i="0" dirty="0">
+                <a:solidFill>
+                  <a:schemeClr val="accent5">
+                    <a:lumMod val="75000"/>
+                  </a:schemeClr>
+                </a:solidFill>
+                <a:effectLst/>
+                <a:latin typeface="Times New Roman" panose="02020603050405020304" pitchFamily="18" charset="0"/>
+                <a:cs typeface="Times New Roman" panose="02020603050405020304" pitchFamily="18" charset="0"/>
+              </a:rPr>
+              <a:t>macro clusters and cell clusters</a:t>
+            </a:r>
+            <a:r>
+              <a:rPr lang="en-US" altLang="zh-TW" sz="2400" i="0" dirty="0">
+                <a:solidFill>
+                  <a:srgbClr val="333333"/>
+                </a:solidFill>
+                <a:effectLst/>
+                <a:latin typeface="Times New Roman" panose="02020603050405020304" pitchFamily="18" charset="0"/>
+                <a:cs typeface="Times New Roman" panose="02020603050405020304" pitchFamily="18" charset="0"/>
+              </a:rPr>
+              <a:t>, and use them as an important guidance for macro placement.</a:t>
+            </a:r>
+          </a:p>
+        </p:txBody>
+      </p:sp>
+      <p:pic>
+        <p:nvPicPr>
+          <p:cNvPr id="4" name="Picture 3">
+            <a:extLst>
+              <a:ext uri="{FF2B5EF4-FFF2-40B4-BE49-F238E27FC236}">
+                <a16:creationId xmlns:a16="http://schemas.microsoft.com/office/drawing/2014/main" id="{D5DA28B8-190B-47DC-1B5A-AEBADEB7E602}"/>
+              </a:ext>
+            </a:extLst>
+          </p:cNvPr>
+          <p:cNvPicPr>
+            <a:picLocks noChangeAspect="1"/>
+          </p:cNvPicPr>
+          <p:nvPr/>
+        </p:nvPicPr>
+        <p:blipFill>
+          <a:blip r:embed="rId2"/>
+          <a:stretch>
+            <a:fillRect/>
+          </a:stretch>
+        </p:blipFill>
+        <p:spPr>
+          <a:xfrm>
+            <a:off x="1548546" y="3667997"/>
+            <a:ext cx="3084823" cy="2221395"/>
+          </a:xfrm>
+          <a:prstGeom prst="rect">
+            <a:avLst/>
+          </a:prstGeom>
+        </p:spPr>
+      </p:pic>
     </p:spTree>
     <p:extLst>
       <p:ext uri="{BB962C8B-B14F-4D97-AF65-F5344CB8AC3E}">
@@ -5017,7 +5071,7 @@
       </p:sp>
       <p:pic>
         <p:nvPicPr>
-          <p:cNvPr id="8" name="Picture 7">
+          <p:cNvPr id="8" name="Content Placeholder 7">
             <a:extLst>
               <a:ext uri="{FF2B5EF4-FFF2-40B4-BE49-F238E27FC236}">
                 <a16:creationId xmlns:a16="http://schemas.microsoft.com/office/drawing/2014/main" id="{FC500C6D-B6D0-00F5-0833-FEECCBF9445A}"/>
@@ -5038,7 +5092,7 @@
         </p:blipFill>
         <p:spPr>
           <a:xfrm>
-            <a:off x="566594" y="1509621"/>
+            <a:off x="560457" y="1534169"/>
             <a:ext cx="5187257" cy="4544682"/>
           </a:xfrm>
           <a:prstGeom prst="rect">

--- a/PPT/Standard Cell Do Matter.pptx
+++ b/PPT/Standard Cell Do Matter.pptx
@@ -5,15 +5,19 @@
     <p:sldMasterId id="2147483648" r:id="rId1"/>
   </p:sldMasterIdLst>
   <p:sldIdLst>
-    <p:sldId id="295" r:id="rId2"/>
-    <p:sldId id="256" r:id="rId3"/>
-    <p:sldId id="290" r:id="rId4"/>
-    <p:sldId id="279" r:id="rId5"/>
-    <p:sldId id="292" r:id="rId6"/>
-    <p:sldId id="293" r:id="rId7"/>
-    <p:sldId id="294" r:id="rId8"/>
-    <p:sldId id="296" r:id="rId9"/>
-    <p:sldId id="289" r:id="rId10"/>
+    <p:sldId id="256" r:id="rId2"/>
+    <p:sldId id="290" r:id="rId3"/>
+    <p:sldId id="279" r:id="rId4"/>
+    <p:sldId id="292" r:id="rId5"/>
+    <p:sldId id="293" r:id="rId6"/>
+    <p:sldId id="294" r:id="rId7"/>
+    <p:sldId id="296" r:id="rId8"/>
+    <p:sldId id="297" r:id="rId9"/>
+    <p:sldId id="298" r:id="rId10"/>
+    <p:sldId id="299" r:id="rId11"/>
+    <p:sldId id="300" r:id="rId12"/>
+    <p:sldId id="289" r:id="rId13"/>
+    <p:sldId id="301" r:id="rId14"/>
   </p:sldIdLst>
   <p:sldSz cx="12192000" cy="6858000"/>
   <p:notesSz cx="6858000" cy="9144000"/>
@@ -269,7 +273,7 @@
           <a:p>
             <a:fld id="{F547F32C-DE88-4C9A-A2DD-403CE3997C9A}" type="datetimeFigureOut">
               <a:rPr lang="zh-TW" altLang="en-US" smtClean="0"/>
-              <a:t>2025/2/20</a:t>
+              <a:t>2025/2/21</a:t>
             </a:fld>
             <a:endParaRPr lang="zh-TW" altLang="en-US"/>
           </a:p>
@@ -469,7 +473,7 @@
           <a:p>
             <a:fld id="{F547F32C-DE88-4C9A-A2DD-403CE3997C9A}" type="datetimeFigureOut">
               <a:rPr lang="zh-TW" altLang="en-US" smtClean="0"/>
-              <a:t>2025/2/20</a:t>
+              <a:t>2025/2/21</a:t>
             </a:fld>
             <a:endParaRPr lang="zh-TW" altLang="en-US"/>
           </a:p>
@@ -679,7 +683,7 @@
           <a:p>
             <a:fld id="{F547F32C-DE88-4C9A-A2DD-403CE3997C9A}" type="datetimeFigureOut">
               <a:rPr lang="zh-TW" altLang="en-US" smtClean="0"/>
-              <a:t>2025/2/20</a:t>
+              <a:t>2025/2/21</a:t>
             </a:fld>
             <a:endParaRPr lang="zh-TW" altLang="en-US"/>
           </a:p>
@@ -879,7 +883,7 @@
           <a:p>
             <a:fld id="{F547F32C-DE88-4C9A-A2DD-403CE3997C9A}" type="datetimeFigureOut">
               <a:rPr lang="zh-TW" altLang="en-US" smtClean="0"/>
-              <a:t>2025/2/20</a:t>
+              <a:t>2025/2/21</a:t>
             </a:fld>
             <a:endParaRPr lang="zh-TW" altLang="en-US"/>
           </a:p>
@@ -1155,7 +1159,7 @@
           <a:p>
             <a:fld id="{F547F32C-DE88-4C9A-A2DD-403CE3997C9A}" type="datetimeFigureOut">
               <a:rPr lang="zh-TW" altLang="en-US" smtClean="0"/>
-              <a:t>2025/2/20</a:t>
+              <a:t>2025/2/21</a:t>
             </a:fld>
             <a:endParaRPr lang="zh-TW" altLang="en-US"/>
           </a:p>
@@ -1423,7 +1427,7 @@
           <a:p>
             <a:fld id="{F547F32C-DE88-4C9A-A2DD-403CE3997C9A}" type="datetimeFigureOut">
               <a:rPr lang="zh-TW" altLang="en-US" smtClean="0"/>
-              <a:t>2025/2/20</a:t>
+              <a:t>2025/2/21</a:t>
             </a:fld>
             <a:endParaRPr lang="zh-TW" altLang="en-US"/>
           </a:p>
@@ -1838,7 +1842,7 @@
           <a:p>
             <a:fld id="{F547F32C-DE88-4C9A-A2DD-403CE3997C9A}" type="datetimeFigureOut">
               <a:rPr lang="zh-TW" altLang="en-US" smtClean="0"/>
-              <a:t>2025/2/20</a:t>
+              <a:t>2025/2/21</a:t>
             </a:fld>
             <a:endParaRPr lang="zh-TW" altLang="en-US"/>
           </a:p>
@@ -1980,7 +1984,7 @@
           <a:p>
             <a:fld id="{F547F32C-DE88-4C9A-A2DD-403CE3997C9A}" type="datetimeFigureOut">
               <a:rPr lang="zh-TW" altLang="en-US" smtClean="0"/>
-              <a:t>2025/2/20</a:t>
+              <a:t>2025/2/21</a:t>
             </a:fld>
             <a:endParaRPr lang="zh-TW" altLang="en-US"/>
           </a:p>
@@ -2093,7 +2097,7 @@
           <a:p>
             <a:fld id="{F547F32C-DE88-4C9A-A2DD-403CE3997C9A}" type="datetimeFigureOut">
               <a:rPr lang="zh-TW" altLang="en-US" smtClean="0"/>
-              <a:t>2025/2/20</a:t>
+              <a:t>2025/2/21</a:t>
             </a:fld>
             <a:endParaRPr lang="zh-TW" altLang="en-US"/>
           </a:p>
@@ -2406,7 +2410,7 @@
           <a:p>
             <a:fld id="{F547F32C-DE88-4C9A-A2DD-403CE3997C9A}" type="datetimeFigureOut">
               <a:rPr lang="zh-TW" altLang="en-US" smtClean="0"/>
-              <a:t>2025/2/20</a:t>
+              <a:t>2025/2/21</a:t>
             </a:fld>
             <a:endParaRPr lang="zh-TW" altLang="en-US"/>
           </a:p>
@@ -2695,7 +2699,7 @@
           <a:p>
             <a:fld id="{F547F32C-DE88-4C9A-A2DD-403CE3997C9A}" type="datetimeFigureOut">
               <a:rPr lang="zh-TW" altLang="en-US" smtClean="0"/>
-              <a:t>2025/2/20</a:t>
+              <a:t>2025/2/21</a:t>
             </a:fld>
             <a:endParaRPr lang="zh-TW" altLang="en-US"/>
           </a:p>
@@ -2938,7 +2942,7 @@
           <a:p>
             <a:fld id="{F547F32C-DE88-4C9A-A2DD-403CE3997C9A}" type="datetimeFigureOut">
               <a:rPr lang="zh-TW" altLang="en-US" smtClean="0"/>
-              <a:t>2025/2/20</a:t>
+              <a:t>2025/2/21</a:t>
             </a:fld>
             <a:endParaRPr lang="zh-TW" altLang="en-US"/>
           </a:p>
@@ -3357,120 +3361,6 @@
       </p:grpSpPr>
       <p:sp>
         <p:nvSpPr>
-          <p:cNvPr id="2" name="標題 1">
-            <a:extLst>
-              <a:ext uri="{FF2B5EF4-FFF2-40B4-BE49-F238E27FC236}">
-                <a16:creationId xmlns:a16="http://schemas.microsoft.com/office/drawing/2014/main" id="{7916F683-646A-8CC2-0694-AA3A49A32AC2}"/>
-              </a:ext>
-            </a:extLst>
-          </p:cNvPr>
-          <p:cNvSpPr>
-            <a:spLocks noGrp="1"/>
-          </p:cNvSpPr>
-          <p:nvPr>
-            <p:ph type="title"/>
-          </p:nvPr>
-        </p:nvSpPr>
-        <p:spPr/>
-        <p:txBody>
-          <a:bodyPr/>
-          <a:lstStyle/>
-          <a:p>
-            <a:endParaRPr lang="zh-TW" altLang="en-US" dirty="0"/>
-          </a:p>
-        </p:txBody>
-      </p:sp>
-      <p:sp>
-        <p:nvSpPr>
-          <p:cNvPr id="3" name="內容版面配置區 2">
-            <a:extLst>
-              <a:ext uri="{FF2B5EF4-FFF2-40B4-BE49-F238E27FC236}">
-                <a16:creationId xmlns:a16="http://schemas.microsoft.com/office/drawing/2014/main" id="{BE9336CC-2444-E0AD-58FD-42B97A986AA4}"/>
-              </a:ext>
-            </a:extLst>
-          </p:cNvPr>
-          <p:cNvSpPr>
-            <a:spLocks noGrp="1"/>
-          </p:cNvSpPr>
-          <p:nvPr>
-            <p:ph idx="1"/>
-          </p:nvPr>
-        </p:nvSpPr>
-        <p:spPr/>
-        <p:txBody>
-          <a:bodyPr/>
-          <a:lstStyle/>
-          <a:p>
-            <a:r>
-              <a:rPr lang="en-US" altLang="zh-TW" dirty="0"/>
-              <a:t>634</a:t>
-            </a:r>
-          </a:p>
-          <a:p>
-            <a:pPr marL="0" indent="0">
-              <a:buNone/>
-            </a:pPr>
-            <a:endParaRPr lang="en-US" altLang="zh-TW" dirty="0"/>
-          </a:p>
-          <a:p>
-            <a:r>
-              <a:rPr lang="en-US" altLang="zh-TW" dirty="0"/>
-              <a:t>586</a:t>
-            </a:r>
-          </a:p>
-          <a:p>
-            <a:r>
-              <a:rPr lang="zh-TW" altLang="en-US" dirty="0"/>
-              <a:t>  </a:t>
-            </a:r>
-            <a:r>
-              <a:rPr lang="en-US" altLang="zh-TW" dirty="0"/>
-              <a:t>562</a:t>
-            </a:r>
-          </a:p>
-          <a:p>
-            <a:r>
-              <a:rPr lang="en-US" altLang="zh-TW" dirty="0"/>
-              <a:t>538</a:t>
-            </a:r>
-          </a:p>
-          <a:p>
-            <a:endParaRPr lang="zh-TW" altLang="en-US" dirty="0"/>
-          </a:p>
-        </p:txBody>
-      </p:sp>
-    </p:spTree>
-    <p:extLst>
-      <p:ext uri="{BB962C8B-B14F-4D97-AF65-F5344CB8AC3E}">
-        <p14:creationId xmlns:p14="http://schemas.microsoft.com/office/powerpoint/2010/main" val="4165451515"/>
-      </p:ext>
-    </p:extLst>
-  </p:cSld>
-  <p:clrMapOvr>
-    <a:masterClrMapping/>
-  </p:clrMapOvr>
-</p:sld>
-</file>
-
-<file path=ppt/slides/slide2.xml><?xml version="1.0" encoding="utf-8"?>
-<p:sld xmlns:a="http://schemas.openxmlformats.org/drawingml/2006/main" xmlns:r="http://schemas.openxmlformats.org/officeDocument/2006/relationships" xmlns:p="http://schemas.openxmlformats.org/presentationml/2006/main">
-  <p:cSld>
-    <p:spTree>
-      <p:nvGrpSpPr>
-        <p:cNvPr id="1" name=""/>
-        <p:cNvGrpSpPr/>
-        <p:nvPr/>
-      </p:nvGrpSpPr>
-      <p:grpSpPr>
-        <a:xfrm>
-          <a:off x="0" y="0"/>
-          <a:ext cx="0" cy="0"/>
-          <a:chOff x="0" y="0"/>
-          <a:chExt cx="0" cy="0"/>
-        </a:xfrm>
-      </p:grpSpPr>
-      <p:sp>
-        <p:nvSpPr>
           <p:cNvPr id="2" name="Title 1">
             <a:extLst>
               <a:ext uri="{FF2B5EF4-FFF2-40B4-BE49-F238E27FC236}">
@@ -3573,7 +3463,300 @@
 </p:sld>
 </file>
 
-<file path=ppt/slides/slide3.xml><?xml version="1.0" encoding="utf-8"?>
+<file path=ppt/slides/slide10.xml><?xml version="1.0" encoding="utf-8"?>
+<p:sld xmlns:a="http://schemas.openxmlformats.org/drawingml/2006/main" xmlns:r="http://schemas.openxmlformats.org/officeDocument/2006/relationships" xmlns:p="http://schemas.openxmlformats.org/presentationml/2006/main">
+  <p:cSld>
+    <p:spTree>
+      <p:nvGrpSpPr>
+        <p:cNvPr id="1" name="">
+          <a:extLst>
+            <a:ext uri="{FF2B5EF4-FFF2-40B4-BE49-F238E27FC236}">
+              <a16:creationId xmlns:a16="http://schemas.microsoft.com/office/drawing/2014/main" id="{E6AD81E1-1542-AD50-1910-B7C8A3F41A73}"/>
+            </a:ext>
+          </a:extLst>
+        </p:cNvPr>
+        <p:cNvGrpSpPr/>
+        <p:nvPr/>
+      </p:nvGrpSpPr>
+      <p:grpSpPr>
+        <a:xfrm>
+          <a:off x="0" y="0"/>
+          <a:ext cx="0" cy="0"/>
+          <a:chOff x="0" y="0"/>
+          <a:chExt cx="0" cy="0"/>
+        </a:xfrm>
+      </p:grpSpPr>
+      <p:pic>
+        <p:nvPicPr>
+          <p:cNvPr id="6" name="圖片 5">
+            <a:extLst>
+              <a:ext uri="{FF2B5EF4-FFF2-40B4-BE49-F238E27FC236}">
+                <a16:creationId xmlns:a16="http://schemas.microsoft.com/office/drawing/2014/main" id="{4418E0EB-6887-DBD2-7C8F-71AD25F56D7B}"/>
+              </a:ext>
+            </a:extLst>
+          </p:cNvPr>
+          <p:cNvPicPr>
+            <a:picLocks noChangeAspect="1"/>
+          </p:cNvPicPr>
+          <p:nvPr/>
+        </p:nvPicPr>
+        <p:blipFill>
+          <a:blip r:embed="rId2"/>
+          <a:stretch>
+            <a:fillRect/>
+          </a:stretch>
+        </p:blipFill>
+        <p:spPr>
+          <a:xfrm>
+            <a:off x="439441" y="1854824"/>
+            <a:ext cx="11313118" cy="3480959"/>
+          </a:xfrm>
+          <a:prstGeom prst="rect">
+            <a:avLst/>
+          </a:prstGeom>
+        </p:spPr>
+      </p:pic>
+    </p:spTree>
+    <p:extLst>
+      <p:ext uri="{BB962C8B-B14F-4D97-AF65-F5344CB8AC3E}">
+        <p14:creationId xmlns:p14="http://schemas.microsoft.com/office/powerpoint/2010/main" val="860447597"/>
+      </p:ext>
+    </p:extLst>
+  </p:cSld>
+  <p:clrMapOvr>
+    <a:masterClrMapping/>
+  </p:clrMapOvr>
+</p:sld>
+</file>
+
+<file path=ppt/slides/slide11.xml><?xml version="1.0" encoding="utf-8"?>
+<p:sld xmlns:a="http://schemas.openxmlformats.org/drawingml/2006/main" xmlns:r="http://schemas.openxmlformats.org/officeDocument/2006/relationships" xmlns:p="http://schemas.openxmlformats.org/presentationml/2006/main">
+  <p:cSld>
+    <p:spTree>
+      <p:nvGrpSpPr>
+        <p:cNvPr id="1" name="">
+          <a:extLst>
+            <a:ext uri="{FF2B5EF4-FFF2-40B4-BE49-F238E27FC236}">
+              <a16:creationId xmlns:a16="http://schemas.microsoft.com/office/drawing/2014/main" id="{E6AD81E1-1542-AD50-1910-B7C8A3F41A73}"/>
+            </a:ext>
+          </a:extLst>
+        </p:cNvPr>
+        <p:cNvGrpSpPr/>
+        <p:nvPr/>
+      </p:nvGrpSpPr>
+      <p:grpSpPr>
+        <a:xfrm>
+          <a:off x="0" y="0"/>
+          <a:ext cx="0" cy="0"/>
+          <a:chOff x="0" y="0"/>
+          <a:chExt cx="0" cy="0"/>
+        </a:xfrm>
+      </p:grpSpPr>
+      <p:pic>
+        <p:nvPicPr>
+          <p:cNvPr id="8" name="圖片 7">
+            <a:extLst>
+              <a:ext uri="{FF2B5EF4-FFF2-40B4-BE49-F238E27FC236}">
+                <a16:creationId xmlns:a16="http://schemas.microsoft.com/office/drawing/2014/main" id="{31C9276D-536C-F6FB-B293-04640BA0C5E0}"/>
+              </a:ext>
+            </a:extLst>
+          </p:cNvPr>
+          <p:cNvPicPr>
+            <a:picLocks noChangeAspect="1"/>
+          </p:cNvPicPr>
+          <p:nvPr/>
+        </p:nvPicPr>
+        <p:blipFill>
+          <a:blip r:embed="rId2"/>
+          <a:stretch>
+            <a:fillRect/>
+          </a:stretch>
+        </p:blipFill>
+        <p:spPr>
+          <a:xfrm>
+            <a:off x="616303" y="2088554"/>
+            <a:ext cx="11159344" cy="3379738"/>
+          </a:xfrm>
+          <a:prstGeom prst="rect">
+            <a:avLst/>
+          </a:prstGeom>
+        </p:spPr>
+      </p:pic>
+    </p:spTree>
+    <p:extLst>
+      <p:ext uri="{BB962C8B-B14F-4D97-AF65-F5344CB8AC3E}">
+        <p14:creationId xmlns:p14="http://schemas.microsoft.com/office/powerpoint/2010/main" val="1276841027"/>
+      </p:ext>
+    </p:extLst>
+  </p:cSld>
+  <p:clrMapOvr>
+    <a:masterClrMapping/>
+  </p:clrMapOvr>
+</p:sld>
+</file>
+
+<file path=ppt/slides/slide12.xml><?xml version="1.0" encoding="utf-8"?>
+<p:sld xmlns:a="http://schemas.openxmlformats.org/drawingml/2006/main" xmlns:r="http://schemas.openxmlformats.org/officeDocument/2006/relationships" xmlns:p="http://schemas.openxmlformats.org/presentationml/2006/main">
+  <p:cSld>
+    <p:spTree>
+      <p:nvGrpSpPr>
+        <p:cNvPr id="1" name="">
+          <a:extLst>
+            <a:ext uri="{FF2B5EF4-FFF2-40B4-BE49-F238E27FC236}">
+              <a16:creationId xmlns:a16="http://schemas.microsoft.com/office/drawing/2014/main" id="{F64D6D41-0B2E-6BA4-5388-DEA9AAD83E80}"/>
+            </a:ext>
+          </a:extLst>
+        </p:cNvPr>
+        <p:cNvGrpSpPr/>
+        <p:nvPr/>
+      </p:nvGrpSpPr>
+      <p:grpSpPr>
+        <a:xfrm>
+          <a:off x="0" y="0"/>
+          <a:ext cx="0" cy="0"/>
+          <a:chOff x="0" y="0"/>
+          <a:chExt cx="0" cy="0"/>
+        </a:xfrm>
+      </p:grpSpPr>
+      <p:pic>
+        <p:nvPicPr>
+          <p:cNvPr id="3" name="圖片 2">
+            <a:extLst>
+              <a:ext uri="{FF2B5EF4-FFF2-40B4-BE49-F238E27FC236}">
+                <a16:creationId xmlns:a16="http://schemas.microsoft.com/office/drawing/2014/main" id="{60B45515-E4AD-CAEE-A4DC-6FDB30D6D2EA}"/>
+              </a:ext>
+            </a:extLst>
+          </p:cNvPr>
+          <p:cNvPicPr>
+            <a:picLocks noChangeAspect="1"/>
+          </p:cNvPicPr>
+          <p:nvPr/>
+        </p:nvPicPr>
+        <p:blipFill>
+          <a:blip r:embed="rId2"/>
+          <a:srcRect b="539"/>
+          <a:stretch/>
+        </p:blipFill>
+        <p:spPr>
+          <a:xfrm>
+            <a:off x="1759350" y="496742"/>
+            <a:ext cx="8213413" cy="3341927"/>
+          </a:xfrm>
+          <a:prstGeom prst="rect">
+            <a:avLst/>
+          </a:prstGeom>
+        </p:spPr>
+      </p:pic>
+      <p:pic>
+        <p:nvPicPr>
+          <p:cNvPr id="7" name="圖片 6">
+            <a:extLst>
+              <a:ext uri="{FF2B5EF4-FFF2-40B4-BE49-F238E27FC236}">
+                <a16:creationId xmlns:a16="http://schemas.microsoft.com/office/drawing/2014/main" id="{1650E188-FAAA-5C58-D2FC-CC6988090AE6}"/>
+              </a:ext>
+            </a:extLst>
+          </p:cNvPr>
+          <p:cNvPicPr>
+            <a:picLocks noChangeAspect="1"/>
+          </p:cNvPicPr>
+          <p:nvPr/>
+        </p:nvPicPr>
+        <p:blipFill>
+          <a:blip r:embed="rId3"/>
+          <a:stretch>
+            <a:fillRect/>
+          </a:stretch>
+        </p:blipFill>
+        <p:spPr>
+          <a:xfrm>
+            <a:off x="1875339" y="4108007"/>
+            <a:ext cx="8441322" cy="2437647"/>
+          </a:xfrm>
+          <a:prstGeom prst="rect">
+            <a:avLst/>
+          </a:prstGeom>
+        </p:spPr>
+      </p:pic>
+    </p:spTree>
+    <p:extLst>
+      <p:ext uri="{BB962C8B-B14F-4D97-AF65-F5344CB8AC3E}">
+        <p14:creationId xmlns:p14="http://schemas.microsoft.com/office/powerpoint/2010/main" val="1365940002"/>
+      </p:ext>
+    </p:extLst>
+  </p:cSld>
+  <p:clrMapOvr>
+    <a:masterClrMapping/>
+  </p:clrMapOvr>
+</p:sld>
+</file>
+
+<file path=ppt/slides/slide13.xml><?xml version="1.0" encoding="utf-8"?>
+<p:sld xmlns:a="http://schemas.openxmlformats.org/drawingml/2006/main" xmlns:r="http://schemas.openxmlformats.org/officeDocument/2006/relationships" xmlns:p="http://schemas.openxmlformats.org/presentationml/2006/main">
+  <p:cSld>
+    <p:spTree>
+      <p:nvGrpSpPr>
+        <p:cNvPr id="1" name="">
+          <a:extLst>
+            <a:ext uri="{FF2B5EF4-FFF2-40B4-BE49-F238E27FC236}">
+              <a16:creationId xmlns:a16="http://schemas.microsoft.com/office/drawing/2014/main" id="{F64D6D41-0B2E-6BA4-5388-DEA9AAD83E80}"/>
+            </a:ext>
+          </a:extLst>
+        </p:cNvPr>
+        <p:cNvGrpSpPr/>
+        <p:nvPr/>
+      </p:nvGrpSpPr>
+      <p:grpSpPr>
+        <a:xfrm>
+          <a:off x="0" y="0"/>
+          <a:ext cx="0" cy="0"/>
+          <a:chOff x="0" y="0"/>
+          <a:chExt cx="0" cy="0"/>
+        </a:xfrm>
+      </p:grpSpPr>
+      <p:pic>
+        <p:nvPicPr>
+          <p:cNvPr id="4" name="圖片 3">
+            <a:extLst>
+              <a:ext uri="{FF2B5EF4-FFF2-40B4-BE49-F238E27FC236}">
+                <a16:creationId xmlns:a16="http://schemas.microsoft.com/office/drawing/2014/main" id="{EF79DB8D-037D-619E-3A89-FA9009F12CE1}"/>
+              </a:ext>
+            </a:extLst>
+          </p:cNvPr>
+          <p:cNvPicPr>
+            <a:picLocks noChangeAspect="1"/>
+          </p:cNvPicPr>
+          <p:nvPr/>
+        </p:nvPicPr>
+        <p:blipFill>
+          <a:blip r:embed="rId2"/>
+          <a:stretch>
+            <a:fillRect/>
+          </a:stretch>
+        </p:blipFill>
+        <p:spPr>
+          <a:xfrm>
+            <a:off x="1056537" y="1388277"/>
+            <a:ext cx="10231730" cy="4280622"/>
+          </a:xfrm>
+          <a:prstGeom prst="rect">
+            <a:avLst/>
+          </a:prstGeom>
+        </p:spPr>
+      </p:pic>
+    </p:spTree>
+    <p:extLst>
+      <p:ext uri="{BB962C8B-B14F-4D97-AF65-F5344CB8AC3E}">
+        <p14:creationId xmlns:p14="http://schemas.microsoft.com/office/powerpoint/2010/main" val="3221311687"/>
+      </p:ext>
+    </p:extLst>
+  </p:cSld>
+  <p:clrMapOvr>
+    <a:masterClrMapping/>
+  </p:clrMapOvr>
+</p:sld>
+</file>
+
+<file path=ppt/slides/slide2.xml><?xml version="1.0" encoding="utf-8"?>
 <p:sld xmlns:a="http://schemas.openxmlformats.org/drawingml/2006/main" xmlns:r="http://schemas.openxmlformats.org/officeDocument/2006/relationships" xmlns:p="http://schemas.openxmlformats.org/presentationml/2006/main">
   <p:cSld>
     <p:spTree>
@@ -3913,6 +4096,385 @@
 </p:sld>
 </file>
 
+<file path=ppt/slides/slide3.xml><?xml version="1.0" encoding="utf-8"?>
+<p:sld xmlns:a="http://schemas.openxmlformats.org/drawingml/2006/main" xmlns:r="http://schemas.openxmlformats.org/officeDocument/2006/relationships" xmlns:p="http://schemas.openxmlformats.org/presentationml/2006/main">
+  <p:cSld>
+    <p:spTree>
+      <p:nvGrpSpPr>
+        <p:cNvPr id="1" name="">
+          <a:extLst>
+            <a:ext uri="{FF2B5EF4-FFF2-40B4-BE49-F238E27FC236}">
+              <a16:creationId xmlns:a16="http://schemas.microsoft.com/office/drawing/2014/main" id="{E6AD81E1-1542-AD50-1910-B7C8A3F41A73}"/>
+            </a:ext>
+          </a:extLst>
+        </p:cNvPr>
+        <p:cNvGrpSpPr/>
+        <p:nvPr/>
+      </p:nvGrpSpPr>
+      <p:grpSpPr>
+        <a:xfrm>
+          <a:off x="0" y="0"/>
+          <a:ext cx="0" cy="0"/>
+          <a:chOff x="0" y="0"/>
+          <a:chExt cx="0" cy="0"/>
+        </a:xfrm>
+      </p:grpSpPr>
+      <p:sp>
+        <p:nvSpPr>
+          <p:cNvPr id="2" name="Title 1">
+            <a:extLst>
+              <a:ext uri="{FF2B5EF4-FFF2-40B4-BE49-F238E27FC236}">
+                <a16:creationId xmlns:a16="http://schemas.microsoft.com/office/drawing/2014/main" id="{6302F401-D296-CBBA-762B-C37F025E0250}"/>
+              </a:ext>
+            </a:extLst>
+          </p:cNvPr>
+          <p:cNvSpPr>
+            <a:spLocks noGrp="1"/>
+          </p:cNvSpPr>
+          <p:nvPr>
+            <p:ph type="title"/>
+          </p:nvPr>
+        </p:nvSpPr>
+        <p:spPr/>
+        <p:txBody>
+          <a:bodyPr>
+            <a:normAutofit/>
+          </a:bodyPr>
+          <a:lstStyle/>
+          <a:p>
+            <a:r>
+              <a:rPr lang="en-US" altLang="zh-TW" sz="4000" dirty="0">
+                <a:latin typeface="Times New Roman" panose="02020603050405020304" pitchFamily="18" charset="0"/>
+                <a:cs typeface="Times New Roman" panose="02020603050405020304" pitchFamily="18" charset="0"/>
+              </a:rPr>
+              <a:t>Introduction</a:t>
+            </a:r>
+            <a:endParaRPr lang="zh-TW" altLang="en-US" sz="4000" dirty="0">
+              <a:latin typeface="Times New Roman" panose="02020603050405020304" pitchFamily="18" charset="0"/>
+              <a:cs typeface="Times New Roman" panose="02020603050405020304" pitchFamily="18" charset="0"/>
+            </a:endParaRPr>
+          </a:p>
+        </p:txBody>
+      </p:sp>
+      <p:sp>
+        <p:nvSpPr>
+          <p:cNvPr id="3" name="Content Placeholder 2">
+            <a:extLst>
+              <a:ext uri="{FF2B5EF4-FFF2-40B4-BE49-F238E27FC236}">
+                <a16:creationId xmlns:a16="http://schemas.microsoft.com/office/drawing/2014/main" id="{E4765876-8CB5-A670-3937-FF2A51600DAC}"/>
+              </a:ext>
+            </a:extLst>
+          </p:cNvPr>
+          <p:cNvSpPr>
+            <a:spLocks noGrp="1"/>
+          </p:cNvSpPr>
+          <p:nvPr>
+            <p:ph idx="1"/>
+          </p:nvPr>
+        </p:nvSpPr>
+        <p:spPr>
+          <a:xfrm>
+            <a:off x="838200" y="1825624"/>
+            <a:ext cx="10515600" cy="3724149"/>
+          </a:xfrm>
+        </p:spPr>
+        <p:txBody>
+          <a:bodyPr>
+            <a:noAutofit/>
+          </a:bodyPr>
+          <a:lstStyle/>
+          <a:p>
+            <a:pPr algn="l">
+              <a:lnSpc>
+                <a:spcPct val="100000"/>
+              </a:lnSpc>
+            </a:pPr>
+            <a:r>
+              <a:rPr lang="en-US" altLang="zh-TW" sz="2400" dirty="0">
+                <a:effectLst/>
+                <a:latin typeface="Times New Roman" panose="02020603050405020304" pitchFamily="18" charset="0"/>
+                <a:ea typeface="新細明體" panose="02020500000000000000" pitchFamily="18" charset="-120"/>
+                <a:cs typeface="Times New Roman" panose="02020603050405020304" pitchFamily="18" charset="0"/>
+              </a:rPr>
+              <a:t>Though</a:t>
+            </a:r>
+            <a:r>
+              <a:rPr lang="zh-TW" altLang="en-US" sz="2400" dirty="0">
+                <a:effectLst/>
+                <a:latin typeface="Times New Roman" panose="02020603050405020304" pitchFamily="18" charset="0"/>
+                <a:ea typeface="新細明體" panose="02020500000000000000" pitchFamily="18" charset="-120"/>
+                <a:cs typeface="Times New Roman" panose="02020603050405020304" pitchFamily="18" charset="0"/>
+              </a:rPr>
+              <a:t> </a:t>
+            </a:r>
+            <a:r>
+              <a:rPr lang="en-US" altLang="zh-TW" sz="2400" dirty="0">
+                <a:effectLst/>
+                <a:latin typeface="Times New Roman" panose="02020603050405020304" pitchFamily="18" charset="0"/>
+                <a:ea typeface="新細明體" panose="02020500000000000000" pitchFamily="18" charset="-120"/>
+                <a:cs typeface="Times New Roman" panose="02020603050405020304" pitchFamily="18" charset="0"/>
+              </a:rPr>
+              <a:t>Reinforcement Learning (RL) or Deep Learning (DL)-based</a:t>
+            </a:r>
+            <a:r>
+              <a:rPr lang="zh-TW" altLang="en-US" sz="2400" dirty="0">
+                <a:effectLst/>
+                <a:latin typeface="Times New Roman" panose="02020603050405020304" pitchFamily="18" charset="0"/>
+                <a:ea typeface="新細明體" panose="02020500000000000000" pitchFamily="18" charset="-120"/>
+                <a:cs typeface="Times New Roman" panose="02020603050405020304" pitchFamily="18" charset="0"/>
+              </a:rPr>
+              <a:t> </a:t>
+            </a:r>
+            <a:r>
+              <a:rPr lang="en-US" altLang="zh-TW" sz="2400" dirty="0">
+                <a:effectLst/>
+                <a:latin typeface="Times New Roman" panose="02020603050405020304" pitchFamily="18" charset="0"/>
+                <a:ea typeface="新細明體" panose="02020500000000000000" pitchFamily="18" charset="-120"/>
+                <a:cs typeface="Times New Roman" panose="02020603050405020304" pitchFamily="18" charset="0"/>
+              </a:rPr>
+              <a:t>methods such as [1]–[4] have been proposed to offer benefit</a:t>
+            </a:r>
+            <a:r>
+              <a:rPr lang="zh-TW" altLang="en-US" sz="2400" dirty="0">
+                <a:effectLst/>
+                <a:latin typeface="Times New Roman" panose="02020603050405020304" pitchFamily="18" charset="0"/>
+                <a:ea typeface="新細明體" panose="02020500000000000000" pitchFamily="18" charset="-120"/>
+                <a:cs typeface="Times New Roman" panose="02020603050405020304" pitchFamily="18" charset="0"/>
+              </a:rPr>
+              <a:t> </a:t>
+            </a:r>
+            <a:r>
+              <a:rPr lang="en-US" altLang="zh-TW" sz="2400" dirty="0">
+                <a:effectLst/>
+                <a:latin typeface="Times New Roman" panose="02020603050405020304" pitchFamily="18" charset="0"/>
+                <a:ea typeface="新細明體" panose="02020500000000000000" pitchFamily="18" charset="-120"/>
+                <a:cs typeface="Times New Roman" panose="02020603050405020304" pitchFamily="18" charset="0"/>
+              </a:rPr>
+              <a:t>of automating the macro placement actions, they incurred</a:t>
+            </a:r>
+            <a:r>
+              <a:rPr lang="zh-TW" altLang="en-US" sz="2400" dirty="0">
+                <a:effectLst/>
+                <a:latin typeface="Times New Roman" panose="02020603050405020304" pitchFamily="18" charset="0"/>
+                <a:ea typeface="新細明體" panose="02020500000000000000" pitchFamily="18" charset="-120"/>
+                <a:cs typeface="Times New Roman" panose="02020603050405020304" pitchFamily="18" charset="0"/>
+              </a:rPr>
+              <a:t> </a:t>
+            </a:r>
+            <a:r>
+              <a:rPr lang="en-US" altLang="zh-TW" sz="2400" dirty="0">
+                <a:solidFill>
+                  <a:schemeClr val="accent5">
+                    <a:lumMod val="75000"/>
+                  </a:schemeClr>
+                </a:solidFill>
+                <a:effectLst/>
+                <a:latin typeface="Times New Roman" panose="02020603050405020304" pitchFamily="18" charset="0"/>
+                <a:ea typeface="新細明體" panose="02020500000000000000" pitchFamily="18" charset="-120"/>
+                <a:cs typeface="Times New Roman" panose="02020603050405020304" pitchFamily="18" charset="0"/>
+              </a:rPr>
+              <a:t>legalization problems</a:t>
+            </a:r>
+            <a:r>
+              <a:rPr lang="en-US" altLang="zh-TW" sz="2400" dirty="0">
+                <a:effectLst/>
+                <a:latin typeface="Times New Roman" panose="02020603050405020304" pitchFamily="18" charset="0"/>
+                <a:ea typeface="新細明體" panose="02020500000000000000" pitchFamily="18" charset="-120"/>
+                <a:cs typeface="Times New Roman" panose="02020603050405020304" pitchFamily="18" charset="0"/>
+              </a:rPr>
+              <a:t>, </a:t>
+            </a:r>
+            <a:r>
+              <a:rPr lang="en-US" altLang="zh-TW" sz="2400" dirty="0">
+                <a:solidFill>
+                  <a:schemeClr val="accent5">
+                    <a:lumMod val="75000"/>
+                  </a:schemeClr>
+                </a:solidFill>
+                <a:effectLst/>
+                <a:latin typeface="Times New Roman" panose="02020603050405020304" pitchFamily="18" charset="0"/>
+                <a:ea typeface="新細明體" panose="02020500000000000000" pitchFamily="18" charset="-120"/>
+                <a:cs typeface="Times New Roman" panose="02020603050405020304" pitchFamily="18" charset="0"/>
+              </a:rPr>
+              <a:t>huge computational</a:t>
+            </a:r>
+            <a:r>
+              <a:rPr lang="en-US" altLang="zh-TW" sz="2400" dirty="0">
+                <a:effectLst/>
+                <a:latin typeface="Times New Roman" panose="02020603050405020304" pitchFamily="18" charset="0"/>
+                <a:ea typeface="新細明體" panose="02020500000000000000" pitchFamily="18" charset="-120"/>
+                <a:cs typeface="Times New Roman" panose="02020603050405020304" pitchFamily="18" charset="0"/>
+              </a:rPr>
+              <a:t>, and the </a:t>
+            </a:r>
+            <a:r>
+              <a:rPr lang="en-US" altLang="zh-TW" sz="2400" dirty="0">
+                <a:solidFill>
+                  <a:schemeClr val="accent5">
+                    <a:lumMod val="75000"/>
+                  </a:schemeClr>
+                </a:solidFill>
+                <a:effectLst/>
+                <a:latin typeface="Times New Roman" panose="02020603050405020304" pitchFamily="18" charset="0"/>
+                <a:ea typeface="新細明體" panose="02020500000000000000" pitchFamily="18" charset="-120"/>
+                <a:cs typeface="Times New Roman" panose="02020603050405020304" pitchFamily="18" charset="0"/>
+              </a:rPr>
+              <a:t>training</a:t>
+            </a:r>
+            <a:r>
+              <a:rPr lang="zh-TW" altLang="en-US" sz="2400" dirty="0">
+                <a:solidFill>
+                  <a:schemeClr val="accent5">
+                    <a:lumMod val="75000"/>
+                  </a:schemeClr>
+                </a:solidFill>
+                <a:effectLst/>
+                <a:latin typeface="Times New Roman" panose="02020603050405020304" pitchFamily="18" charset="0"/>
+                <a:ea typeface="新細明體" panose="02020500000000000000" pitchFamily="18" charset="-120"/>
+                <a:cs typeface="Times New Roman" panose="02020603050405020304" pitchFamily="18" charset="0"/>
+              </a:rPr>
+              <a:t> </a:t>
+            </a:r>
+            <a:r>
+              <a:rPr lang="en-US" altLang="zh-TW" sz="2400" dirty="0">
+                <a:solidFill>
+                  <a:schemeClr val="accent5">
+                    <a:lumMod val="75000"/>
+                  </a:schemeClr>
+                </a:solidFill>
+                <a:effectLst/>
+                <a:latin typeface="Times New Roman" panose="02020603050405020304" pitchFamily="18" charset="0"/>
+                <a:ea typeface="新細明體" panose="02020500000000000000" pitchFamily="18" charset="-120"/>
+                <a:cs typeface="Times New Roman" panose="02020603050405020304" pitchFamily="18" charset="0"/>
+              </a:rPr>
+              <a:t>design dataset is not easy to access</a:t>
+            </a:r>
+            <a:r>
+              <a:rPr lang="en-US" altLang="zh-TW" sz="2400" dirty="0">
+                <a:effectLst/>
+                <a:latin typeface="Times New Roman" panose="02020603050405020304" pitchFamily="18" charset="0"/>
+                <a:ea typeface="新細明體" panose="02020500000000000000" pitchFamily="18" charset="-120"/>
+                <a:cs typeface="Times New Roman" panose="02020603050405020304" pitchFamily="18" charset="0"/>
+              </a:rPr>
+              <a:t>.</a:t>
+            </a:r>
+          </a:p>
+          <a:p>
+            <a:pPr algn="l">
+              <a:lnSpc>
+                <a:spcPct val="100000"/>
+              </a:lnSpc>
+            </a:pPr>
+            <a:endParaRPr lang="en-US" altLang="zh-TW" sz="2400" dirty="0">
+              <a:latin typeface="Times New Roman" panose="02020603050405020304" pitchFamily="18" charset="0"/>
+              <a:ea typeface="新細明體" panose="02020500000000000000" pitchFamily="18" charset="-120"/>
+              <a:cs typeface="Times New Roman" panose="02020603050405020304" pitchFamily="18" charset="0"/>
+            </a:endParaRPr>
+          </a:p>
+          <a:p>
+            <a:pPr>
+              <a:lnSpc>
+                <a:spcPct val="100000"/>
+              </a:lnSpc>
+            </a:pPr>
+            <a:r>
+              <a:rPr lang="en-US" altLang="zh-TW" sz="2400" dirty="0">
+                <a:solidFill>
+                  <a:schemeClr val="accent5">
+                    <a:lumMod val="75000"/>
+                  </a:schemeClr>
+                </a:solidFill>
+                <a:latin typeface="Times New Roman" panose="02020603050405020304" pitchFamily="18" charset="0"/>
+                <a:ea typeface="新細明體" panose="02020500000000000000" pitchFamily="18" charset="-120"/>
+                <a:cs typeface="Times New Roman" panose="02020603050405020304" pitchFamily="18" charset="0"/>
+              </a:rPr>
+              <a:t>D</a:t>
+            </a:r>
+            <a:r>
+              <a:rPr lang="en-US" altLang="zh-TW" sz="2400" dirty="0">
+                <a:solidFill>
+                  <a:schemeClr val="accent5">
+                    <a:lumMod val="75000"/>
+                  </a:schemeClr>
+                </a:solidFill>
+                <a:effectLst/>
+                <a:latin typeface="Times New Roman" panose="02020603050405020304" pitchFamily="18" charset="0"/>
+                <a:ea typeface="新細明體" panose="02020500000000000000" pitchFamily="18" charset="-120"/>
+                <a:cs typeface="Times New Roman" panose="02020603050405020304" pitchFamily="18" charset="0"/>
+              </a:rPr>
+              <a:t>ataflow-aware</a:t>
+            </a:r>
+            <a:r>
+              <a:rPr lang="en-US" altLang="zh-TW" sz="2400" dirty="0">
+                <a:effectLst/>
+                <a:latin typeface="Times New Roman" panose="02020603050405020304" pitchFamily="18" charset="0"/>
+                <a:ea typeface="新細明體" panose="02020500000000000000" pitchFamily="18" charset="-120"/>
+                <a:cs typeface="Times New Roman" panose="02020603050405020304" pitchFamily="18" charset="0"/>
+              </a:rPr>
+              <a:t> macro placers [5]–[10], where the dataflow is analyzed and used as constraints for further placement of the macros.</a:t>
+            </a:r>
+          </a:p>
+          <a:p>
+            <a:pPr algn="l">
+              <a:lnSpc>
+                <a:spcPct val="100000"/>
+              </a:lnSpc>
+            </a:pPr>
+            <a:endParaRPr lang="en-US" altLang="zh-TW" sz="2400" dirty="0">
+              <a:effectLst/>
+              <a:latin typeface="Times New Roman" panose="02020603050405020304" pitchFamily="18" charset="0"/>
+              <a:ea typeface="新細明體" panose="02020500000000000000" pitchFamily="18" charset="-120"/>
+              <a:cs typeface="Times New Roman" panose="02020603050405020304" pitchFamily="18" charset="0"/>
+            </a:endParaRPr>
+          </a:p>
+          <a:p>
+            <a:pPr algn="l"/>
+            <a:endParaRPr lang="en-US" altLang="zh-TW" sz="2400" dirty="0">
+              <a:latin typeface="Times New Roman" panose="02020603050405020304" pitchFamily="18" charset="0"/>
+              <a:ea typeface="新細明體" panose="02020500000000000000" pitchFamily="18" charset="-120"/>
+              <a:cs typeface="Times New Roman" panose="02020603050405020304" pitchFamily="18" charset="0"/>
+            </a:endParaRPr>
+          </a:p>
+          <a:p>
+            <a:pPr lvl="1"/>
+            <a:endParaRPr lang="en-US" altLang="zh-TW" sz="2000" dirty="0">
+              <a:latin typeface="Times New Roman" panose="02020603050405020304" pitchFamily="18" charset="0"/>
+              <a:cs typeface="Times New Roman" panose="02020603050405020304" pitchFamily="18" charset="0"/>
+            </a:endParaRPr>
+          </a:p>
+          <a:p>
+            <a:pPr algn="l"/>
+            <a:endParaRPr lang="en-US" altLang="zh-TW" sz="2400" dirty="0">
+              <a:latin typeface="Times New Roman" panose="02020603050405020304" pitchFamily="18" charset="0"/>
+              <a:cs typeface="Times New Roman" panose="02020603050405020304" pitchFamily="18" charset="0"/>
+            </a:endParaRPr>
+          </a:p>
+          <a:p>
+            <a:pPr algn="l"/>
+            <a:endParaRPr lang="en-US" altLang="zh-TW" sz="2400" i="0" dirty="0">
+              <a:solidFill>
+                <a:srgbClr val="333333"/>
+              </a:solidFill>
+              <a:effectLst/>
+              <a:latin typeface="Times New Roman" panose="02020603050405020304" pitchFamily="18" charset="0"/>
+              <a:cs typeface="Times New Roman" panose="02020603050405020304" pitchFamily="18" charset="0"/>
+            </a:endParaRPr>
+          </a:p>
+        </p:txBody>
+      </p:sp>
+    </p:spTree>
+    <p:extLst>
+      <p:ext uri="{BB962C8B-B14F-4D97-AF65-F5344CB8AC3E}">
+        <p14:creationId xmlns:p14="http://schemas.microsoft.com/office/powerpoint/2010/main" val="739361380"/>
+      </p:ext>
+    </p:extLst>
+  </p:cSld>
+  <p:clrMapOvr>
+    <a:masterClrMapping/>
+  </p:clrMapOvr>
+</p:sld>
+</file>
+
 <file path=ppt/slides/slide4.xml><?xml version="1.0" encoding="utf-8"?>
 <p:sld xmlns:a="http://schemas.openxmlformats.org/drawingml/2006/main" xmlns:r="http://schemas.openxmlformats.org/officeDocument/2006/relationships" xmlns:p="http://schemas.openxmlformats.org/presentationml/2006/main">
   <p:cSld>
@@ -3992,7 +4554,7 @@
         <p:spPr>
           <a:xfrm>
             <a:off x="838200" y="1825624"/>
-            <a:ext cx="10515600" cy="3724149"/>
+            <a:ext cx="10515600" cy="4430321"/>
           </a:xfrm>
         </p:spPr>
         <p:txBody>
@@ -4001,11 +4563,7 @@
           </a:bodyPr>
           <a:lstStyle/>
           <a:p>
-            <a:pPr algn="l">
-              <a:lnSpc>
-                <a:spcPct val="100000"/>
-              </a:lnSpc>
-            </a:pPr>
+            <a:pPr algn="l"/>
             <a:r>
               <a:rPr lang="en-US" altLang="zh-TW" sz="2400" dirty="0">
                 <a:effectLst/>
@@ -4013,70 +4571,7 @@
                 <a:ea typeface="新細明體" panose="02020500000000000000" pitchFamily="18" charset="-120"/>
                 <a:cs typeface="Times New Roman" panose="02020603050405020304" pitchFamily="18" charset="0"/>
               </a:rPr>
-              <a:t>Though</a:t>
-            </a:r>
-            <a:r>
-              <a:rPr lang="zh-TW" altLang="en-US" sz="2400" dirty="0">
-                <a:effectLst/>
-                <a:latin typeface="Times New Roman" panose="02020603050405020304" pitchFamily="18" charset="0"/>
-                <a:ea typeface="新細明體" panose="02020500000000000000" pitchFamily="18" charset="-120"/>
-                <a:cs typeface="Times New Roman" panose="02020603050405020304" pitchFamily="18" charset="0"/>
-              </a:rPr>
-              <a:t> </a:t>
-            </a:r>
-            <a:r>
-              <a:rPr lang="en-US" altLang="zh-TW" sz="2400" dirty="0">
-                <a:effectLst/>
-                <a:latin typeface="Times New Roman" panose="02020603050405020304" pitchFamily="18" charset="0"/>
-                <a:ea typeface="新細明體" panose="02020500000000000000" pitchFamily="18" charset="-120"/>
-                <a:cs typeface="Times New Roman" panose="02020603050405020304" pitchFamily="18" charset="0"/>
-              </a:rPr>
-              <a:t>Reinforcement Learning (RL) or Deep Learning (DL)-based</a:t>
-            </a:r>
-            <a:r>
-              <a:rPr lang="zh-TW" altLang="en-US" sz="2400" dirty="0">
-                <a:effectLst/>
-                <a:latin typeface="Times New Roman" panose="02020603050405020304" pitchFamily="18" charset="0"/>
-                <a:ea typeface="新細明體" panose="02020500000000000000" pitchFamily="18" charset="-120"/>
-                <a:cs typeface="Times New Roman" panose="02020603050405020304" pitchFamily="18" charset="0"/>
-              </a:rPr>
-              <a:t> </a:t>
-            </a:r>
-            <a:r>
-              <a:rPr lang="en-US" altLang="zh-TW" sz="2400" dirty="0">
-                <a:effectLst/>
-                <a:latin typeface="Times New Roman" panose="02020603050405020304" pitchFamily="18" charset="0"/>
-                <a:ea typeface="新細明體" panose="02020500000000000000" pitchFamily="18" charset="-120"/>
-                <a:cs typeface="Times New Roman" panose="02020603050405020304" pitchFamily="18" charset="0"/>
-              </a:rPr>
-              <a:t>methods such as [1]–[4] have been proposed to offer benefit</a:t>
-            </a:r>
-            <a:r>
-              <a:rPr lang="zh-TW" altLang="en-US" sz="2400" dirty="0">
-                <a:effectLst/>
-                <a:latin typeface="Times New Roman" panose="02020603050405020304" pitchFamily="18" charset="0"/>
-                <a:ea typeface="新細明體" panose="02020500000000000000" pitchFamily="18" charset="-120"/>
-                <a:cs typeface="Times New Roman" panose="02020603050405020304" pitchFamily="18" charset="0"/>
-              </a:rPr>
-              <a:t> </a:t>
-            </a:r>
-            <a:r>
-              <a:rPr lang="en-US" altLang="zh-TW" sz="2400" dirty="0">
-                <a:effectLst/>
-                <a:latin typeface="Times New Roman" panose="02020603050405020304" pitchFamily="18" charset="0"/>
-                <a:ea typeface="新細明體" panose="02020500000000000000" pitchFamily="18" charset="-120"/>
-                <a:cs typeface="Times New Roman" panose="02020603050405020304" pitchFamily="18" charset="0"/>
-              </a:rPr>
-              <a:t>of automating the macro placement actions, they incurred</a:t>
-            </a:r>
-            <a:r>
-              <a:rPr lang="zh-TW" altLang="en-US" sz="2400" dirty="0">
-                <a:effectLst/>
-                <a:latin typeface="Times New Roman" panose="02020603050405020304" pitchFamily="18" charset="0"/>
-                <a:ea typeface="新細明體" panose="02020500000000000000" pitchFamily="18" charset="-120"/>
-                <a:cs typeface="Times New Roman" panose="02020603050405020304" pitchFamily="18" charset="0"/>
-              </a:rPr>
-              <a:t> </a:t>
+              <a:t>In [5], optimized data path layout was generated by utilizing</a:t>
             </a:r>
             <a:r>
               <a:rPr lang="en-US" altLang="zh-TW" sz="2400" dirty="0">
@@ -4090,7 +4585,7 @@
                 <a:ea typeface="新細明體" panose="02020500000000000000" pitchFamily="18" charset="-120"/>
                 <a:cs typeface="Times New Roman" panose="02020603050405020304" pitchFamily="18" charset="0"/>
               </a:rPr>
-              <a:t>legalization problems</a:t>
+              <a:t> </a:t>
             </a:r>
             <a:r>
               <a:rPr lang="en-US" altLang="zh-TW" sz="2400" dirty="0">
@@ -4099,7 +4594,7 @@
                 <a:ea typeface="新細明體" panose="02020500000000000000" pitchFamily="18" charset="-120"/>
                 <a:cs typeface="Times New Roman" panose="02020603050405020304" pitchFamily="18" charset="0"/>
               </a:rPr>
-              <a:t>, </a:t>
+              <a:t>rule information directly extracted from </a:t>
             </a:r>
             <a:r>
               <a:rPr lang="en-US" altLang="zh-TW" sz="2400" dirty="0">
@@ -4113,7 +4608,7 @@
                 <a:ea typeface="新細明體" panose="02020500000000000000" pitchFamily="18" charset="-120"/>
                 <a:cs typeface="Times New Roman" panose="02020603050405020304" pitchFamily="18" charset="0"/>
               </a:rPr>
-              <a:t>huge computational</a:t>
+              <a:t>dataflow graphs</a:t>
             </a:r>
             <a:r>
               <a:rPr lang="en-US" altLang="zh-TW" sz="2400" dirty="0">
@@ -4122,7 +4617,26 @@
                 <a:ea typeface="新細明體" panose="02020500000000000000" pitchFamily="18" charset="-120"/>
                 <a:cs typeface="Times New Roman" panose="02020603050405020304" pitchFamily="18" charset="0"/>
               </a:rPr>
-              <a:t>, and the </a:t>
+              <a:t>.</a:t>
+            </a:r>
+          </a:p>
+          <a:p>
+            <a:pPr algn="l"/>
+            <a:endParaRPr lang="en-US" altLang="zh-TW" sz="2400" dirty="0">
+              <a:latin typeface="Times New Roman" panose="02020603050405020304" pitchFamily="18" charset="0"/>
+              <a:ea typeface="新細明體" panose="02020500000000000000" pitchFamily="18" charset="-120"/>
+              <a:cs typeface="Times New Roman" panose="02020603050405020304" pitchFamily="18" charset="0"/>
+            </a:endParaRPr>
+          </a:p>
+          <a:p>
+            <a:pPr algn="l"/>
+            <a:r>
+              <a:rPr lang="en-US" altLang="zh-TW" sz="2400" dirty="0">
+                <a:latin typeface="Times New Roman" panose="02020603050405020304" pitchFamily="18" charset="0"/>
+                <a:ea typeface="新細明體" panose="02020500000000000000" pitchFamily="18" charset="-120"/>
+                <a:cs typeface="Times New Roman" panose="02020603050405020304" pitchFamily="18" charset="0"/>
+              </a:rPr>
+              <a:t>The approach in [7] considered </a:t>
             </a:r>
             <a:r>
               <a:rPr lang="en-US" altLang="zh-TW" sz="2400" dirty="0">
@@ -4131,26 +4645,19 @@
                     <a:lumMod val="75000"/>
                   </a:schemeClr>
                 </a:solidFill>
-                <a:effectLst/>
                 <a:latin typeface="Times New Roman" panose="02020603050405020304" pitchFamily="18" charset="0"/>
                 <a:ea typeface="新細明體" panose="02020500000000000000" pitchFamily="18" charset="-120"/>
                 <a:cs typeface="Times New Roman" panose="02020603050405020304" pitchFamily="18" charset="0"/>
               </a:rPr>
-              <a:t>training</a:t>
-            </a:r>
-            <a:r>
-              <a:rPr lang="zh-TW" altLang="en-US" sz="2400" dirty="0">
-                <a:solidFill>
-                  <a:schemeClr val="accent5">
-                    <a:lumMod val="75000"/>
-                  </a:schemeClr>
-                </a:solidFill>
-                <a:effectLst/>
+              <a:t>dataflow</a:t>
+            </a:r>
+            <a:r>
+              <a:rPr lang="en-US" altLang="zh-TW" sz="2400" dirty="0">
                 <a:latin typeface="Times New Roman" panose="02020603050405020304" pitchFamily="18" charset="0"/>
                 <a:ea typeface="新細明體" panose="02020500000000000000" pitchFamily="18" charset="-120"/>
                 <a:cs typeface="Times New Roman" panose="02020603050405020304" pitchFamily="18" charset="0"/>
               </a:rPr>
-              <a:t> </a:t>
+              <a:t> and utilized the </a:t>
             </a:r>
             <a:r>
               <a:rPr lang="en-US" altLang="zh-TW" sz="2400" dirty="0">
@@ -4159,90 +4666,39 @@
                     <a:lumMod val="75000"/>
                   </a:schemeClr>
                 </a:solidFill>
-                <a:effectLst/>
                 <a:latin typeface="Times New Roman" panose="02020603050405020304" pitchFamily="18" charset="0"/>
                 <a:ea typeface="新細明體" panose="02020500000000000000" pitchFamily="18" charset="-120"/>
                 <a:cs typeface="Times New Roman" panose="02020603050405020304" pitchFamily="18" charset="0"/>
               </a:rPr>
-              <a:t>design dataset is not easy to access</a:t>
+              <a:t>corner stitching</a:t>
             </a:r>
             <a:r>
               <a:rPr lang="en-US" altLang="zh-TW" sz="2400" dirty="0">
-                <a:effectLst/>
                 <a:latin typeface="Times New Roman" panose="02020603050405020304" pitchFamily="18" charset="0"/>
                 <a:ea typeface="新細明體" panose="02020500000000000000" pitchFamily="18" charset="-120"/>
                 <a:cs typeface="Times New Roman" panose="02020603050405020304" pitchFamily="18" charset="0"/>
               </a:rPr>
-              <a:t>.</a:t>
-            </a:r>
-          </a:p>
-          <a:p>
-            <a:pPr algn="l">
-              <a:lnSpc>
-                <a:spcPct val="100000"/>
-              </a:lnSpc>
-            </a:pPr>
-            <a:endParaRPr lang="en-US" altLang="zh-TW" sz="2400" dirty="0">
-              <a:latin typeface="Times New Roman" panose="02020603050405020304" pitchFamily="18" charset="0"/>
-              <a:ea typeface="新細明體" panose="02020500000000000000" pitchFamily="18" charset="-120"/>
-              <a:cs typeface="Times New Roman" panose="02020603050405020304" pitchFamily="18" charset="0"/>
-            </a:endParaRPr>
-          </a:p>
-          <a:p>
-            <a:pPr>
-              <a:lnSpc>
-                <a:spcPct val="100000"/>
-              </a:lnSpc>
-            </a:pPr>
+              <a:t> data structure to address the problem of </a:t>
+            </a:r>
             <a:r>
               <a:rPr lang="en-US" altLang="zh-TW" sz="2400" dirty="0">
                 <a:solidFill>
-                  <a:schemeClr val="accent5">
-                    <a:lumMod val="75000"/>
-                  </a:schemeClr>
+                  <a:schemeClr val="accent1"/>
                 </a:solidFill>
                 <a:latin typeface="Times New Roman" panose="02020603050405020304" pitchFamily="18" charset="0"/>
                 <a:ea typeface="新細明體" panose="02020500000000000000" pitchFamily="18" charset="-120"/>
                 <a:cs typeface="Times New Roman" panose="02020603050405020304" pitchFamily="18" charset="0"/>
               </a:rPr>
-              <a:t>D</a:t>
+              <a:t>preplaced macros</a:t>
             </a:r>
             <a:r>
               <a:rPr lang="en-US" altLang="zh-TW" sz="2400" dirty="0">
-                <a:solidFill>
-                  <a:schemeClr val="accent5">
-                    <a:lumMod val="75000"/>
-                  </a:schemeClr>
-                </a:solidFill>
-                <a:effectLst/>
                 <a:latin typeface="Times New Roman" panose="02020603050405020304" pitchFamily="18" charset="0"/>
                 <a:ea typeface="新細明體" panose="02020500000000000000" pitchFamily="18" charset="-120"/>
                 <a:cs typeface="Times New Roman" panose="02020603050405020304" pitchFamily="18" charset="0"/>
               </a:rPr>
-              <a:t>ataflow-aware</a:t>
-            </a:r>
-            <a:r>
-              <a:rPr lang="en-US" altLang="zh-TW" sz="2400" dirty="0">
-                <a:effectLst/>
-                <a:latin typeface="Times New Roman" panose="02020603050405020304" pitchFamily="18" charset="0"/>
-                <a:ea typeface="新細明體" panose="02020500000000000000" pitchFamily="18" charset="-120"/>
-                <a:cs typeface="Times New Roman" panose="02020603050405020304" pitchFamily="18" charset="0"/>
-              </a:rPr>
-              <a:t> macro placers [5]–[10], where the dataflow is analyzed and used as constraints for further placement of the macros.</a:t>
-            </a:r>
-          </a:p>
-          <a:p>
-            <a:pPr algn="l">
-              <a:lnSpc>
-                <a:spcPct val="100000"/>
-              </a:lnSpc>
-            </a:pPr>
-            <a:endParaRPr lang="en-US" altLang="zh-TW" sz="2400" dirty="0">
-              <a:effectLst/>
-              <a:latin typeface="Times New Roman" panose="02020603050405020304" pitchFamily="18" charset="0"/>
-              <a:ea typeface="新細明體" panose="02020500000000000000" pitchFamily="18" charset="-120"/>
-              <a:cs typeface="Times New Roman" panose="02020603050405020304" pitchFamily="18" charset="0"/>
-            </a:endParaRPr>
+              <a:t>, which cannot be handled by simulated annealing (SA).</a:t>
+            </a:r>
           </a:p>
           <a:p>
             <a:pPr algn="l"/>
@@ -4253,287 +4709,30 @@
             </a:endParaRPr>
           </a:p>
           <a:p>
-            <a:pPr lvl="1"/>
-            <a:endParaRPr lang="en-US" altLang="zh-TW" sz="2000" dirty="0">
-              <a:latin typeface="Times New Roman" panose="02020603050405020304" pitchFamily="18" charset="0"/>
-              <a:cs typeface="Times New Roman" panose="02020603050405020304" pitchFamily="18" charset="0"/>
-            </a:endParaRPr>
-          </a:p>
-          <a:p>
             <a:pPr algn="l"/>
-            <a:endParaRPr lang="en-US" altLang="zh-TW" sz="2400" dirty="0">
-              <a:latin typeface="Times New Roman" panose="02020603050405020304" pitchFamily="18" charset="0"/>
-              <a:cs typeface="Times New Roman" panose="02020603050405020304" pitchFamily="18" charset="0"/>
-            </a:endParaRPr>
-          </a:p>
-          <a:p>
-            <a:pPr algn="l"/>
-            <a:endParaRPr lang="en-US" altLang="zh-TW" sz="2400" i="0" dirty="0">
-              <a:solidFill>
-                <a:srgbClr val="333333"/>
-              </a:solidFill>
-              <a:effectLst/>
-              <a:latin typeface="Times New Roman" panose="02020603050405020304" pitchFamily="18" charset="0"/>
-              <a:cs typeface="Times New Roman" panose="02020603050405020304" pitchFamily="18" charset="0"/>
-            </a:endParaRPr>
-          </a:p>
-        </p:txBody>
-      </p:sp>
-    </p:spTree>
-    <p:extLst>
-      <p:ext uri="{BB962C8B-B14F-4D97-AF65-F5344CB8AC3E}">
-        <p14:creationId xmlns:p14="http://schemas.microsoft.com/office/powerpoint/2010/main" val="739361380"/>
-      </p:ext>
-    </p:extLst>
-  </p:cSld>
-  <p:clrMapOvr>
-    <a:masterClrMapping/>
-  </p:clrMapOvr>
-</p:sld>
-</file>
-
-<file path=ppt/slides/slide5.xml><?xml version="1.0" encoding="utf-8"?>
-<p:sld xmlns:a="http://schemas.openxmlformats.org/drawingml/2006/main" xmlns:r="http://schemas.openxmlformats.org/officeDocument/2006/relationships" xmlns:p="http://schemas.openxmlformats.org/presentationml/2006/main">
-  <p:cSld>
-    <p:spTree>
-      <p:nvGrpSpPr>
-        <p:cNvPr id="1" name="">
-          <a:extLst>
-            <a:ext uri="{FF2B5EF4-FFF2-40B4-BE49-F238E27FC236}">
-              <a16:creationId xmlns:a16="http://schemas.microsoft.com/office/drawing/2014/main" id="{E6AD81E1-1542-AD50-1910-B7C8A3F41A73}"/>
-            </a:ext>
-          </a:extLst>
-        </p:cNvPr>
-        <p:cNvGrpSpPr/>
-        <p:nvPr/>
-      </p:nvGrpSpPr>
-      <p:grpSpPr>
-        <a:xfrm>
-          <a:off x="0" y="0"/>
-          <a:ext cx="0" cy="0"/>
-          <a:chOff x="0" y="0"/>
-          <a:chExt cx="0" cy="0"/>
-        </a:xfrm>
-      </p:grpSpPr>
-      <p:sp>
-        <p:nvSpPr>
-          <p:cNvPr id="2" name="Title 1">
-            <a:extLst>
-              <a:ext uri="{FF2B5EF4-FFF2-40B4-BE49-F238E27FC236}">
-                <a16:creationId xmlns:a16="http://schemas.microsoft.com/office/drawing/2014/main" id="{6302F401-D296-CBBA-762B-C37F025E0250}"/>
-              </a:ext>
-            </a:extLst>
-          </p:cNvPr>
-          <p:cNvSpPr>
-            <a:spLocks noGrp="1"/>
-          </p:cNvSpPr>
-          <p:nvPr>
-            <p:ph type="title"/>
-          </p:nvPr>
-        </p:nvSpPr>
-        <p:spPr/>
-        <p:txBody>
-          <a:bodyPr>
-            <a:normAutofit/>
-          </a:bodyPr>
-          <a:lstStyle/>
-          <a:p>
-            <a:r>
-              <a:rPr lang="en-US" altLang="zh-TW" sz="4000" dirty="0">
-                <a:latin typeface="Times New Roman" panose="02020603050405020304" pitchFamily="18" charset="0"/>
-                <a:cs typeface="Times New Roman" panose="02020603050405020304" pitchFamily="18" charset="0"/>
-              </a:rPr>
-              <a:t>Introduction</a:t>
-            </a:r>
-            <a:endParaRPr lang="zh-TW" altLang="en-US" sz="4000" dirty="0">
-              <a:latin typeface="Times New Roman" panose="02020603050405020304" pitchFamily="18" charset="0"/>
-              <a:cs typeface="Times New Roman" panose="02020603050405020304" pitchFamily="18" charset="0"/>
-            </a:endParaRPr>
-          </a:p>
-        </p:txBody>
-      </p:sp>
-      <p:sp>
-        <p:nvSpPr>
-          <p:cNvPr id="3" name="Content Placeholder 2">
-            <a:extLst>
-              <a:ext uri="{FF2B5EF4-FFF2-40B4-BE49-F238E27FC236}">
-                <a16:creationId xmlns:a16="http://schemas.microsoft.com/office/drawing/2014/main" id="{E4765876-8CB5-A670-3937-FF2A51600DAC}"/>
-              </a:ext>
-            </a:extLst>
-          </p:cNvPr>
-          <p:cNvSpPr>
-            <a:spLocks noGrp="1"/>
-          </p:cNvSpPr>
-          <p:nvPr>
-            <p:ph idx="1"/>
-          </p:nvPr>
-        </p:nvSpPr>
-        <p:spPr>
-          <a:xfrm>
-            <a:off x="838200" y="1825624"/>
-            <a:ext cx="10515600" cy="4430321"/>
-          </a:xfrm>
-        </p:spPr>
-        <p:txBody>
-          <a:bodyPr>
-            <a:noAutofit/>
-          </a:bodyPr>
-          <a:lstStyle/>
-          <a:p>
-            <a:pPr algn="l"/>
             <a:r>
               <a:rPr lang="en-US" altLang="zh-TW" sz="2400" dirty="0">
-                <a:effectLst/>
                 <a:latin typeface="Times New Roman" panose="02020603050405020304" pitchFamily="18" charset="0"/>
                 <a:ea typeface="新細明體" panose="02020500000000000000" pitchFamily="18" charset="-120"/>
                 <a:cs typeface="Times New Roman" panose="02020603050405020304" pitchFamily="18" charset="0"/>
               </a:rPr>
-              <a:t>In [5], optimized data path layout was generated by utilizing</a:t>
+              <a:t>A recently released macro placer, RTL-MP [8], </a:t>
+            </a:r>
+            <a:r>
+              <a:rPr lang="en-US" altLang="zh-TW" sz="2400" dirty="0" err="1">
+                <a:latin typeface="Times New Roman" panose="02020603050405020304" pitchFamily="18" charset="0"/>
+                <a:ea typeface="新細明體" panose="02020500000000000000" pitchFamily="18" charset="-120"/>
+                <a:cs typeface="Times New Roman" panose="02020603050405020304" pitchFamily="18" charset="0"/>
+              </a:rPr>
+              <a:t>Hier</a:t>
             </a:r>
             <a:r>
               <a:rPr lang="en-US" altLang="zh-TW" sz="2400" dirty="0">
-                <a:solidFill>
-                  <a:schemeClr val="accent5">
-                    <a:lumMod val="75000"/>
-                  </a:schemeClr>
-                </a:solidFill>
-                <a:effectLst/>
                 <a:latin typeface="Times New Roman" panose="02020603050405020304" pitchFamily="18" charset="0"/>
                 <a:ea typeface="新細明體" panose="02020500000000000000" pitchFamily="18" charset="-120"/>
                 <a:cs typeface="Times New Roman" panose="02020603050405020304" pitchFamily="18" charset="0"/>
               </a:rPr>
-              <a:t> rule information </a:t>
-            </a:r>
-            <a:r>
-              <a:rPr lang="en-US" altLang="zh-TW" sz="2400" dirty="0">
-                <a:effectLst/>
-                <a:latin typeface="Times New Roman" panose="02020603050405020304" pitchFamily="18" charset="0"/>
-                <a:ea typeface="新細明體" panose="02020500000000000000" pitchFamily="18" charset="-120"/>
-                <a:cs typeface="Times New Roman" panose="02020603050405020304" pitchFamily="18" charset="0"/>
-              </a:rPr>
-              <a:t>directly extracted from </a:t>
-            </a:r>
-            <a:r>
-              <a:rPr lang="en-US" altLang="zh-TW" sz="2400" dirty="0">
-                <a:solidFill>
-                  <a:schemeClr val="accent5">
-                    <a:lumMod val="75000"/>
-                  </a:schemeClr>
-                </a:solidFill>
-                <a:effectLst/>
-                <a:latin typeface="Times New Roman" panose="02020603050405020304" pitchFamily="18" charset="0"/>
-                <a:ea typeface="新細明體" panose="02020500000000000000" pitchFamily="18" charset="-120"/>
-                <a:cs typeface="Times New Roman" panose="02020603050405020304" pitchFamily="18" charset="0"/>
-              </a:rPr>
-              <a:t>dataflow graphs</a:t>
-            </a:r>
-            <a:r>
-              <a:rPr lang="en-US" altLang="zh-TW" sz="2400" dirty="0">
-                <a:effectLst/>
-                <a:latin typeface="Times New Roman" panose="02020603050405020304" pitchFamily="18" charset="0"/>
-                <a:ea typeface="新細明體" panose="02020500000000000000" pitchFamily="18" charset="-120"/>
-                <a:cs typeface="Times New Roman" panose="02020603050405020304" pitchFamily="18" charset="0"/>
-              </a:rPr>
-              <a:t>.</a:t>
-            </a:r>
-          </a:p>
-          <a:p>
-            <a:pPr algn="l"/>
-            <a:endParaRPr lang="en-US" altLang="zh-TW" sz="2400" dirty="0">
-              <a:latin typeface="Times New Roman" panose="02020603050405020304" pitchFamily="18" charset="0"/>
-              <a:ea typeface="新細明體" panose="02020500000000000000" pitchFamily="18" charset="-120"/>
-              <a:cs typeface="Times New Roman" panose="02020603050405020304" pitchFamily="18" charset="0"/>
-            </a:endParaRPr>
-          </a:p>
-          <a:p>
-            <a:pPr algn="l"/>
-            <a:r>
-              <a:rPr lang="en-US" altLang="zh-TW" sz="2400" dirty="0">
-                <a:latin typeface="Times New Roman" panose="02020603050405020304" pitchFamily="18" charset="0"/>
-                <a:ea typeface="新細明體" panose="02020500000000000000" pitchFamily="18" charset="-120"/>
-                <a:cs typeface="Times New Roman" panose="02020603050405020304" pitchFamily="18" charset="0"/>
-              </a:rPr>
-              <a:t>The approach in [7] considered </a:t>
-            </a:r>
-            <a:r>
-              <a:rPr lang="en-US" altLang="zh-TW" sz="2400" dirty="0">
-                <a:solidFill>
-                  <a:schemeClr val="accent5">
-                    <a:lumMod val="75000"/>
-                  </a:schemeClr>
-                </a:solidFill>
-                <a:latin typeface="Times New Roman" panose="02020603050405020304" pitchFamily="18" charset="0"/>
-                <a:ea typeface="新細明體" panose="02020500000000000000" pitchFamily="18" charset="-120"/>
-                <a:cs typeface="Times New Roman" panose="02020603050405020304" pitchFamily="18" charset="0"/>
-              </a:rPr>
-              <a:t>dataflow</a:t>
-            </a:r>
-            <a:r>
-              <a:rPr lang="en-US" altLang="zh-TW" sz="2400" dirty="0">
-                <a:latin typeface="Times New Roman" panose="02020603050405020304" pitchFamily="18" charset="0"/>
-                <a:ea typeface="新細明體" panose="02020500000000000000" pitchFamily="18" charset="-120"/>
-                <a:cs typeface="Times New Roman" panose="02020603050405020304" pitchFamily="18" charset="0"/>
-              </a:rPr>
-              <a:t> and utilized the </a:t>
-            </a:r>
-            <a:r>
-              <a:rPr lang="en-US" altLang="zh-TW" sz="2400" dirty="0">
-                <a:solidFill>
-                  <a:schemeClr val="accent5">
-                    <a:lumMod val="75000"/>
-                  </a:schemeClr>
-                </a:solidFill>
-                <a:latin typeface="Times New Roman" panose="02020603050405020304" pitchFamily="18" charset="0"/>
-                <a:ea typeface="新細明體" panose="02020500000000000000" pitchFamily="18" charset="-120"/>
-                <a:cs typeface="Times New Roman" panose="02020603050405020304" pitchFamily="18" charset="0"/>
-              </a:rPr>
-              <a:t>corner stitching</a:t>
-            </a:r>
-            <a:r>
-              <a:rPr lang="en-US" altLang="zh-TW" sz="2400" dirty="0">
-                <a:latin typeface="Times New Roman" panose="02020603050405020304" pitchFamily="18" charset="0"/>
-                <a:ea typeface="新細明體" panose="02020500000000000000" pitchFamily="18" charset="-120"/>
-                <a:cs typeface="Times New Roman" panose="02020603050405020304" pitchFamily="18" charset="0"/>
-              </a:rPr>
-              <a:t> data structure to address the problem of </a:t>
-            </a:r>
-            <a:r>
-              <a:rPr lang="en-US" altLang="zh-TW" sz="2400" dirty="0">
-                <a:solidFill>
-                  <a:schemeClr val="accent1"/>
-                </a:solidFill>
-                <a:latin typeface="Times New Roman" panose="02020603050405020304" pitchFamily="18" charset="0"/>
-                <a:ea typeface="新細明體" panose="02020500000000000000" pitchFamily="18" charset="-120"/>
-                <a:cs typeface="Times New Roman" panose="02020603050405020304" pitchFamily="18" charset="0"/>
-              </a:rPr>
-              <a:t>preplaced macros</a:t>
-            </a:r>
-            <a:r>
-              <a:rPr lang="en-US" altLang="zh-TW" sz="2400" dirty="0">
-                <a:latin typeface="Times New Roman" panose="02020603050405020304" pitchFamily="18" charset="0"/>
-                <a:ea typeface="新細明體" panose="02020500000000000000" pitchFamily="18" charset="-120"/>
-                <a:cs typeface="Times New Roman" panose="02020603050405020304" pitchFamily="18" charset="0"/>
-              </a:rPr>
-              <a:t>, which cannot be handled by simulated annealing (SA).</a:t>
-            </a:r>
-          </a:p>
-          <a:p>
-            <a:pPr algn="l"/>
-            <a:endParaRPr lang="en-US" altLang="zh-TW" sz="2400" dirty="0">
-              <a:latin typeface="Times New Roman" panose="02020603050405020304" pitchFamily="18" charset="0"/>
-              <a:ea typeface="新細明體" panose="02020500000000000000" pitchFamily="18" charset="-120"/>
-              <a:cs typeface="Times New Roman" panose="02020603050405020304" pitchFamily="18" charset="0"/>
-            </a:endParaRPr>
-          </a:p>
-          <a:p>
-            <a:pPr algn="l"/>
-            <a:r>
-              <a:rPr lang="en-US" altLang="zh-TW" sz="2400" dirty="0">
-                <a:latin typeface="Times New Roman" panose="02020603050405020304" pitchFamily="18" charset="0"/>
-                <a:ea typeface="新細明體" panose="02020500000000000000" pitchFamily="18" charset="-120"/>
-                <a:cs typeface="Times New Roman" panose="02020603050405020304" pitchFamily="18" charset="0"/>
-              </a:rPr>
-              <a:t>A recently released macro placer, RTL-MP [8], considered the </a:t>
+              <a:t>-RTLMP[10] considered the </a:t>
             </a:r>
             <a:r>
               <a:rPr lang="en-US" altLang="zh-TW" sz="2400" dirty="0">
@@ -4597,7 +4796,7 @@
 </p:sld>
 </file>
 
-<file path=ppt/slides/slide6.xml><?xml version="1.0" encoding="utf-8"?>
+<file path=ppt/slides/slide5.xml><?xml version="1.0" encoding="utf-8"?>
 <p:sld xmlns:a="http://schemas.openxmlformats.org/drawingml/2006/main" xmlns:r="http://schemas.openxmlformats.org/officeDocument/2006/relationships" xmlns:p="http://schemas.openxmlformats.org/presentationml/2006/main">
   <p:cSld>
     <p:spTree>
@@ -4815,6 +5014,170 @@
 </p:sld>
 </file>
 
+<file path=ppt/slides/slide6.xml><?xml version="1.0" encoding="utf-8"?>
+<p:sld xmlns:a="http://schemas.openxmlformats.org/drawingml/2006/main" xmlns:r="http://schemas.openxmlformats.org/officeDocument/2006/relationships" xmlns:p="http://schemas.openxmlformats.org/presentationml/2006/main">
+  <p:cSld>
+    <p:spTree>
+      <p:nvGrpSpPr>
+        <p:cNvPr id="1" name="">
+          <a:extLst>
+            <a:ext uri="{FF2B5EF4-FFF2-40B4-BE49-F238E27FC236}">
+              <a16:creationId xmlns:a16="http://schemas.microsoft.com/office/drawing/2014/main" id="{E6AD81E1-1542-AD50-1910-B7C8A3F41A73}"/>
+            </a:ext>
+          </a:extLst>
+        </p:cNvPr>
+        <p:cNvGrpSpPr/>
+        <p:nvPr/>
+      </p:nvGrpSpPr>
+      <p:grpSpPr>
+        <a:xfrm>
+          <a:off x="0" y="0"/>
+          <a:ext cx="0" cy="0"/>
+          <a:chOff x="0" y="0"/>
+          <a:chExt cx="0" cy="0"/>
+        </a:xfrm>
+      </p:grpSpPr>
+      <p:sp>
+        <p:nvSpPr>
+          <p:cNvPr id="2" name="Title 1">
+            <a:extLst>
+              <a:ext uri="{FF2B5EF4-FFF2-40B4-BE49-F238E27FC236}">
+                <a16:creationId xmlns:a16="http://schemas.microsoft.com/office/drawing/2014/main" id="{6302F401-D296-CBBA-762B-C37F025E0250}"/>
+              </a:ext>
+            </a:extLst>
+          </p:cNvPr>
+          <p:cNvSpPr>
+            <a:spLocks noGrp="1"/>
+          </p:cNvSpPr>
+          <p:nvPr>
+            <p:ph type="title"/>
+          </p:nvPr>
+        </p:nvSpPr>
+        <p:spPr/>
+        <p:txBody>
+          <a:bodyPr>
+            <a:normAutofit/>
+          </a:bodyPr>
+          <a:lstStyle/>
+          <a:p>
+            <a:r>
+              <a:rPr lang="en-US" altLang="zh-TW" sz="4000" dirty="0">
+                <a:latin typeface="Times New Roman" panose="02020603050405020304" pitchFamily="18" charset="0"/>
+                <a:cs typeface="Times New Roman" panose="02020603050405020304" pitchFamily="18" charset="0"/>
+              </a:rPr>
+              <a:t>Introduction</a:t>
+            </a:r>
+            <a:endParaRPr lang="zh-TW" altLang="en-US" sz="4000" dirty="0">
+              <a:latin typeface="Times New Roman" panose="02020603050405020304" pitchFamily="18" charset="0"/>
+              <a:cs typeface="Times New Roman" panose="02020603050405020304" pitchFamily="18" charset="0"/>
+            </a:endParaRPr>
+          </a:p>
+        </p:txBody>
+      </p:sp>
+      <p:sp>
+        <p:nvSpPr>
+          <p:cNvPr id="3" name="Content Placeholder 2">
+            <a:extLst>
+              <a:ext uri="{FF2B5EF4-FFF2-40B4-BE49-F238E27FC236}">
+                <a16:creationId xmlns:a16="http://schemas.microsoft.com/office/drawing/2014/main" id="{E4765876-8CB5-A670-3937-FF2A51600DAC}"/>
+              </a:ext>
+            </a:extLst>
+          </p:cNvPr>
+          <p:cNvSpPr>
+            <a:spLocks noGrp="1"/>
+          </p:cNvSpPr>
+          <p:nvPr>
+            <p:ph idx="1"/>
+          </p:nvPr>
+        </p:nvSpPr>
+        <p:spPr>
+          <a:xfrm>
+            <a:off x="838200" y="1825624"/>
+            <a:ext cx="10515600" cy="4430321"/>
+          </a:xfrm>
+        </p:spPr>
+        <p:txBody>
+          <a:bodyPr>
+            <a:noAutofit/>
+          </a:bodyPr>
+          <a:lstStyle/>
+          <a:p>
+            <a:pPr algn="l"/>
+            <a:r>
+              <a:rPr lang="en-US" altLang="zh-TW" sz="2400" i="0" dirty="0">
+                <a:solidFill>
+                  <a:srgbClr val="333333"/>
+                </a:solidFill>
+                <a:effectLst/>
+                <a:latin typeface="Times New Roman" panose="02020603050405020304" pitchFamily="18" charset="0"/>
+                <a:cs typeface="Times New Roman" panose="02020603050405020304" pitchFamily="18" charset="0"/>
+              </a:rPr>
+              <a:t>Propose a novel methodology to comprehensively extract </a:t>
+            </a:r>
+            <a:r>
+              <a:rPr lang="en-US" altLang="zh-TW" sz="2400" i="0" dirty="0">
+                <a:solidFill>
+                  <a:schemeClr val="accent5">
+                    <a:lumMod val="75000"/>
+                  </a:schemeClr>
+                </a:solidFill>
+                <a:effectLst/>
+                <a:latin typeface="Times New Roman" panose="02020603050405020304" pitchFamily="18" charset="0"/>
+                <a:cs typeface="Times New Roman" panose="02020603050405020304" pitchFamily="18" charset="0"/>
+              </a:rPr>
+              <a:t>all direct and indirect dataflow connections</a:t>
+            </a:r>
+            <a:r>
+              <a:rPr lang="en-US" altLang="zh-TW" sz="2400" i="0" dirty="0">
+                <a:solidFill>
+                  <a:srgbClr val="333333"/>
+                </a:solidFill>
+                <a:effectLst/>
+                <a:latin typeface="Times New Roman" panose="02020603050405020304" pitchFamily="18" charset="0"/>
+                <a:cs typeface="Times New Roman" panose="02020603050405020304" pitchFamily="18" charset="0"/>
+              </a:rPr>
+              <a:t> among </a:t>
+            </a:r>
+            <a:r>
+              <a:rPr lang="en-US" altLang="zh-TW" sz="2400" i="0" dirty="0">
+                <a:solidFill>
+                  <a:schemeClr val="accent5">
+                    <a:lumMod val="75000"/>
+                  </a:schemeClr>
+                </a:solidFill>
+                <a:effectLst/>
+                <a:latin typeface="Times New Roman" panose="02020603050405020304" pitchFamily="18" charset="0"/>
+                <a:cs typeface="Times New Roman" panose="02020603050405020304" pitchFamily="18" charset="0"/>
+              </a:rPr>
+              <a:t>macro clusters and cell clusters</a:t>
+            </a:r>
+            <a:r>
+              <a:rPr lang="en-US" altLang="zh-TW" sz="2400" i="0" dirty="0">
+                <a:solidFill>
+                  <a:srgbClr val="333333"/>
+                </a:solidFill>
+                <a:effectLst/>
+                <a:latin typeface="Times New Roman" panose="02020603050405020304" pitchFamily="18" charset="0"/>
+                <a:cs typeface="Times New Roman" panose="02020603050405020304" pitchFamily="18" charset="0"/>
+              </a:rPr>
+              <a:t>, and use them as an important guidance for macro placement.</a:t>
+            </a:r>
+          </a:p>
+        </p:txBody>
+      </p:sp>
+    </p:spTree>
+    <p:extLst>
+      <p:ext uri="{BB962C8B-B14F-4D97-AF65-F5344CB8AC3E}">
+        <p14:creationId xmlns:p14="http://schemas.microsoft.com/office/powerpoint/2010/main" val="3528340458"/>
+      </p:ext>
+    </p:extLst>
+  </p:cSld>
+  <p:clrMapOvr>
+    <a:masterClrMapping/>
+  </p:clrMapOvr>
+</p:sld>
+</file>
+
 <file path=ppt/slides/slide7.xml><?xml version="1.0" encoding="utf-8"?>
 <p:sld xmlns:a="http://schemas.openxmlformats.org/drawingml/2006/main" xmlns:r="http://schemas.openxmlformats.org/officeDocument/2006/relationships" xmlns:p="http://schemas.openxmlformats.org/presentationml/2006/main">
   <p:cSld>
@@ -4866,7 +5229,7 @@
                 <a:latin typeface="Times New Roman" panose="02020603050405020304" pitchFamily="18" charset="0"/>
                 <a:cs typeface="Times New Roman" panose="02020603050405020304" pitchFamily="18" charset="0"/>
               </a:rPr>
-              <a:t>Introduction</a:t>
+              <a:t>Methodology</a:t>
             </a:r>
             <a:endParaRPr lang="zh-TW" altLang="en-US" sz="4000" dirty="0">
               <a:latin typeface="Times New Roman" panose="02020603050405020304" pitchFamily="18" charset="0"/>
@@ -4875,97 +5238,37 @@
           </a:p>
         </p:txBody>
       </p:sp>
-      <p:sp>
-        <p:nvSpPr>
-          <p:cNvPr id="3" name="Content Placeholder 2">
-            <a:extLst>
-              <a:ext uri="{FF2B5EF4-FFF2-40B4-BE49-F238E27FC236}">
-                <a16:creationId xmlns:a16="http://schemas.microsoft.com/office/drawing/2014/main" id="{E4765876-8CB5-A670-3937-FF2A51600DAC}"/>
-              </a:ext>
-            </a:extLst>
-          </p:cNvPr>
-          <p:cNvSpPr>
-            <a:spLocks noGrp="1"/>
-          </p:cNvSpPr>
+      <p:pic>
+        <p:nvPicPr>
+          <p:cNvPr id="8" name="Content Placeholder 7">
+            <a:extLst>
+              <a:ext uri="{FF2B5EF4-FFF2-40B4-BE49-F238E27FC236}">
+                <a16:creationId xmlns:a16="http://schemas.microsoft.com/office/drawing/2014/main" id="{FC500C6D-B6D0-00F5-0833-FEECCBF9445A}"/>
+              </a:ext>
+            </a:extLst>
+          </p:cNvPr>
+          <p:cNvPicPr>
+            <a:picLocks noGrp="1" noChangeAspect="1"/>
+          </p:cNvPicPr>
           <p:nvPr>
             <p:ph idx="1"/>
           </p:nvPr>
-        </p:nvSpPr>
+        </p:nvPicPr>
+        <p:blipFill>
+          <a:blip r:embed="rId2"/>
+          <a:srcRect b="6414"/>
+          <a:stretch/>
+        </p:blipFill>
         <p:spPr>
           <a:xfrm>
-            <a:off x="838200" y="1825624"/>
-            <a:ext cx="10515600" cy="4430321"/>
+            <a:off x="620919" y="1618260"/>
+            <a:ext cx="5187257" cy="4544682"/>
           </a:xfrm>
+          <a:prstGeom prst="rect">
+            <a:avLst/>
+          </a:prstGeom>
         </p:spPr>
-        <p:txBody>
-          <a:bodyPr>
-            <a:noAutofit/>
-          </a:bodyPr>
-          <a:lstStyle/>
-          <a:p>
-            <a:pPr algn="l"/>
-            <a:r>
-              <a:rPr lang="en-US" altLang="zh-TW" sz="2400" i="0" dirty="0">
-                <a:solidFill>
-                  <a:srgbClr val="333333"/>
-                </a:solidFill>
-                <a:effectLst/>
-                <a:latin typeface="Times New Roman" panose="02020603050405020304" pitchFamily="18" charset="0"/>
-                <a:cs typeface="Times New Roman" panose="02020603050405020304" pitchFamily="18" charset="0"/>
-              </a:rPr>
-              <a:t>Propose a novel methodology to comprehensively extract </a:t>
-            </a:r>
-            <a:r>
-              <a:rPr lang="en-US" altLang="zh-TW" sz="2400" i="0" dirty="0">
-                <a:solidFill>
-                  <a:schemeClr val="accent5">
-                    <a:lumMod val="75000"/>
-                  </a:schemeClr>
-                </a:solidFill>
-                <a:effectLst/>
-                <a:latin typeface="Times New Roman" panose="02020603050405020304" pitchFamily="18" charset="0"/>
-                <a:cs typeface="Times New Roman" panose="02020603050405020304" pitchFamily="18" charset="0"/>
-              </a:rPr>
-              <a:t>all direct and indirect dataflow connections</a:t>
-            </a:r>
-            <a:r>
-              <a:rPr lang="en-US" altLang="zh-TW" sz="2400" i="0" dirty="0">
-                <a:solidFill>
-                  <a:srgbClr val="333333"/>
-                </a:solidFill>
-                <a:effectLst/>
-                <a:latin typeface="Times New Roman" panose="02020603050405020304" pitchFamily="18" charset="0"/>
-                <a:cs typeface="Times New Roman" panose="02020603050405020304" pitchFamily="18" charset="0"/>
-              </a:rPr>
-              <a:t> among </a:t>
-            </a:r>
-            <a:r>
-              <a:rPr lang="en-US" altLang="zh-TW" sz="2400" i="0" dirty="0">
-                <a:solidFill>
-                  <a:schemeClr val="accent5">
-                    <a:lumMod val="75000"/>
-                  </a:schemeClr>
-                </a:solidFill>
-                <a:effectLst/>
-                <a:latin typeface="Times New Roman" panose="02020603050405020304" pitchFamily="18" charset="0"/>
-                <a:cs typeface="Times New Roman" panose="02020603050405020304" pitchFamily="18" charset="0"/>
-              </a:rPr>
-              <a:t>macro clusters and cell clusters</a:t>
-            </a:r>
-            <a:r>
-              <a:rPr lang="en-US" altLang="zh-TW" sz="2400" i="0" dirty="0">
-                <a:solidFill>
-                  <a:srgbClr val="333333"/>
-                </a:solidFill>
-                <a:effectLst/>
-                <a:latin typeface="Times New Roman" panose="02020603050405020304" pitchFamily="18" charset="0"/>
-                <a:cs typeface="Times New Roman" panose="02020603050405020304" pitchFamily="18" charset="0"/>
-              </a:rPr>
-              <a:t>, and use them as an important guidance for macro placement.</a:t>
-            </a:r>
-          </a:p>
-        </p:txBody>
-      </p:sp>
+      </p:pic>
       <p:pic>
         <p:nvPicPr>
           <p:cNvPr id="4" name="Picture 3">
@@ -4981,14 +5284,14 @@
           <p:nvPr/>
         </p:nvPicPr>
         <p:blipFill>
-          <a:blip r:embed="rId2"/>
+          <a:blip r:embed="rId3"/>
           <a:stretch>
             <a:fillRect/>
           </a:stretch>
         </p:blipFill>
         <p:spPr>
           <a:xfrm>
-            <a:off x="1548546" y="3667997"/>
+            <a:off x="8069801" y="873997"/>
             <a:ext cx="3084823" cy="2221395"/>
           </a:xfrm>
           <a:prstGeom prst="rect">
@@ -4999,7 +5302,7 @@
     </p:spTree>
     <p:extLst>
       <p:ext uri="{BB962C8B-B14F-4D97-AF65-F5344CB8AC3E}">
-        <p14:creationId xmlns:p14="http://schemas.microsoft.com/office/powerpoint/2010/main" val="3528340458"/>
+        <p14:creationId xmlns:p14="http://schemas.microsoft.com/office/powerpoint/2010/main" val="2502235665"/>
       </p:ext>
     </p:extLst>
   </p:cSld>
@@ -5060,7 +5363,7 @@
                 <a:latin typeface="Times New Roman" panose="02020603050405020304" pitchFamily="18" charset="0"/>
                 <a:cs typeface="Times New Roman" panose="02020603050405020304" pitchFamily="18" charset="0"/>
               </a:rPr>
-              <a:t>Methodology</a:t>
+              <a:t>Dataflow Connection Extraction</a:t>
             </a:r>
             <a:endParaRPr lang="zh-TW" altLang="en-US" sz="4000" dirty="0">
               <a:latin typeface="Times New Roman" panose="02020603050405020304" pitchFamily="18" charset="0"/>
@@ -5071,29 +5374,118 @@
       </p:sp>
       <p:pic>
         <p:nvPicPr>
-          <p:cNvPr id="8" name="Content Placeholder 7">
-            <a:extLst>
-              <a:ext uri="{FF2B5EF4-FFF2-40B4-BE49-F238E27FC236}">
-                <a16:creationId xmlns:a16="http://schemas.microsoft.com/office/drawing/2014/main" id="{FC500C6D-B6D0-00F5-0833-FEECCBF9445A}"/>
+          <p:cNvPr id="4" name="Picture 3">
+            <a:extLst>
+              <a:ext uri="{FF2B5EF4-FFF2-40B4-BE49-F238E27FC236}">
+                <a16:creationId xmlns:a16="http://schemas.microsoft.com/office/drawing/2014/main" id="{D5DA28B8-190B-47DC-1B5A-AEBADEB7E602}"/>
               </a:ext>
             </a:extLst>
           </p:cNvPr>
           <p:cNvPicPr>
-            <a:picLocks noGrp="1" noChangeAspect="1"/>
+            <a:picLocks noChangeAspect="1"/>
           </p:cNvPicPr>
-          <p:nvPr>
-            <p:ph idx="1"/>
-          </p:nvPr>
+          <p:nvPr/>
         </p:nvPicPr>
         <p:blipFill>
           <a:blip r:embed="rId2"/>
-          <a:srcRect b="6414"/>
-          <a:stretch/>
+          <a:stretch>
+            <a:fillRect/>
+          </a:stretch>
         </p:blipFill>
         <p:spPr>
           <a:xfrm>
-            <a:off x="560457" y="1534169"/>
-            <a:ext cx="5187257" cy="4544682"/>
+            <a:off x="6720080" y="4384900"/>
+            <a:ext cx="3084823" cy="2221395"/>
+          </a:xfrm>
+          <a:prstGeom prst="rect">
+            <a:avLst/>
+          </a:prstGeom>
+        </p:spPr>
+      </p:pic>
+      <p:pic>
+        <p:nvPicPr>
+          <p:cNvPr id="7" name="圖片 6">
+            <a:extLst>
+              <a:ext uri="{FF2B5EF4-FFF2-40B4-BE49-F238E27FC236}">
+                <a16:creationId xmlns:a16="http://schemas.microsoft.com/office/drawing/2014/main" id="{22FE5775-B2F9-4D06-3F90-666D48E1E4D8}"/>
+              </a:ext>
+            </a:extLst>
+          </p:cNvPr>
+          <p:cNvPicPr>
+            <a:picLocks noChangeAspect="1"/>
+          </p:cNvPicPr>
+          <p:nvPr/>
+        </p:nvPicPr>
+        <p:blipFill>
+          <a:blip r:embed="rId3"/>
+          <a:stretch>
+            <a:fillRect/>
+          </a:stretch>
+        </p:blipFill>
+        <p:spPr>
+          <a:xfrm>
+            <a:off x="696588" y="1540048"/>
+            <a:ext cx="4720941" cy="1755413"/>
+          </a:xfrm>
+          <a:prstGeom prst="rect">
+            <a:avLst/>
+          </a:prstGeom>
+        </p:spPr>
+      </p:pic>
+      <p:pic>
+        <p:nvPicPr>
+          <p:cNvPr id="10" name="圖片 9">
+            <a:extLst>
+              <a:ext uri="{FF2B5EF4-FFF2-40B4-BE49-F238E27FC236}">
+                <a16:creationId xmlns:a16="http://schemas.microsoft.com/office/drawing/2014/main" id="{0AF73F63-4361-D334-A6DA-9FA89B2FCB61}"/>
+              </a:ext>
+            </a:extLst>
+          </p:cNvPr>
+          <p:cNvPicPr>
+            <a:picLocks noChangeAspect="1"/>
+          </p:cNvPicPr>
+          <p:nvPr/>
+        </p:nvPicPr>
+        <p:blipFill>
+          <a:blip r:embed="rId4"/>
+          <a:stretch>
+            <a:fillRect/>
+          </a:stretch>
+        </p:blipFill>
+        <p:spPr>
+          <a:xfrm>
+            <a:off x="1834237" y="4031683"/>
+            <a:ext cx="3204320" cy="2213293"/>
+          </a:xfrm>
+          <a:prstGeom prst="rect">
+            <a:avLst/>
+          </a:prstGeom>
+        </p:spPr>
+      </p:pic>
+      <p:pic>
+        <p:nvPicPr>
+          <p:cNvPr id="14" name="圖片 13">
+            <a:extLst>
+              <a:ext uri="{FF2B5EF4-FFF2-40B4-BE49-F238E27FC236}">
+                <a16:creationId xmlns:a16="http://schemas.microsoft.com/office/drawing/2014/main" id="{6B9D6AB1-F4A6-B7B7-42D4-3FEA5526F258}"/>
+              </a:ext>
+            </a:extLst>
+          </p:cNvPr>
+          <p:cNvPicPr>
+            <a:picLocks noChangeAspect="1"/>
+          </p:cNvPicPr>
+          <p:nvPr/>
+        </p:nvPicPr>
+        <p:blipFill>
+          <a:blip r:embed="rId5"/>
+          <a:stretch>
+            <a:fillRect/>
+          </a:stretch>
+        </p:blipFill>
+        <p:spPr>
+          <a:xfrm>
+            <a:off x="6790688" y="1540048"/>
+            <a:ext cx="4563112" cy="2229161"/>
           </a:xfrm>
           <a:prstGeom prst="rect">
             <a:avLst/>
@@ -5103,7 +5495,7 @@
     </p:spTree>
     <p:extLst>
       <p:ext uri="{BB962C8B-B14F-4D97-AF65-F5344CB8AC3E}">
-        <p14:creationId xmlns:p14="http://schemas.microsoft.com/office/powerpoint/2010/main" val="2502235665"/>
+        <p14:creationId xmlns:p14="http://schemas.microsoft.com/office/powerpoint/2010/main" val="624753164"/>
       </p:ext>
     </p:extLst>
   </p:cSld>
@@ -5121,7 +5513,7 @@
         <p:cNvPr id="1" name="">
           <a:extLst>
             <a:ext uri="{FF2B5EF4-FFF2-40B4-BE49-F238E27FC236}">
-              <a16:creationId xmlns:a16="http://schemas.microsoft.com/office/drawing/2014/main" id="{F64D6D41-0B2E-6BA4-5388-DEA9AAD83E80}"/>
+              <a16:creationId xmlns:a16="http://schemas.microsoft.com/office/drawing/2014/main" id="{E6AD81E1-1542-AD50-1910-B7C8A3F41A73}"/>
             </a:ext>
           </a:extLst>
         </p:cNvPr>
@@ -5136,10 +5528,91 @@
           <a:chExt cx="0" cy="0"/>
         </a:xfrm>
       </p:grpSpPr>
+      <p:sp>
+        <p:nvSpPr>
+          <p:cNvPr id="2" name="Title 1">
+            <a:extLst>
+              <a:ext uri="{FF2B5EF4-FFF2-40B4-BE49-F238E27FC236}">
+                <a16:creationId xmlns:a16="http://schemas.microsoft.com/office/drawing/2014/main" id="{6302F401-D296-CBBA-762B-C37F025E0250}"/>
+              </a:ext>
+            </a:extLst>
+          </p:cNvPr>
+          <p:cNvSpPr>
+            <a:spLocks noGrp="1"/>
+          </p:cNvSpPr>
+          <p:nvPr>
+            <p:ph type="title"/>
+          </p:nvPr>
+        </p:nvSpPr>
+        <p:spPr/>
+        <p:txBody>
+          <a:bodyPr>
+            <a:normAutofit/>
+          </a:bodyPr>
+          <a:lstStyle/>
+          <a:p>
+            <a:r>
+              <a:rPr lang="en-US" altLang="zh-TW" sz="4000" b="0" i="0" u="none" strike="noStrike" baseline="0" dirty="0">
+                <a:latin typeface="Times New Roman" panose="02020603050405020304" pitchFamily="18" charset="0"/>
+                <a:cs typeface="Times New Roman" panose="02020603050405020304" pitchFamily="18" charset="0"/>
+              </a:rPr>
+              <a:t>Experiment</a:t>
+            </a:r>
+            <a:r>
+              <a:rPr lang="zh-TW" altLang="en-US" sz="4000" b="0" i="0" u="none" strike="noStrike" baseline="0" dirty="0">
+                <a:latin typeface="Times New Roman" panose="02020603050405020304" pitchFamily="18" charset="0"/>
+                <a:cs typeface="Times New Roman" panose="02020603050405020304" pitchFamily="18" charset="0"/>
+              </a:rPr>
+              <a:t> </a:t>
+            </a:r>
+            <a:r>
+              <a:rPr lang="en-US" altLang="zh-TW" sz="4000" b="0" i="0" u="none" strike="noStrike" baseline="0" dirty="0">
+                <a:latin typeface="Times New Roman" panose="02020603050405020304" pitchFamily="18" charset="0"/>
+                <a:cs typeface="Times New Roman" panose="02020603050405020304" pitchFamily="18" charset="0"/>
+              </a:rPr>
+              <a:t>Results</a:t>
+            </a:r>
+            <a:endParaRPr lang="zh-TW" altLang="en-US" sz="4000" dirty="0">
+              <a:latin typeface="Times New Roman" panose="02020603050405020304" pitchFamily="18" charset="0"/>
+              <a:cs typeface="Times New Roman" panose="02020603050405020304" pitchFamily="18" charset="0"/>
+            </a:endParaRPr>
+          </a:p>
+        </p:txBody>
+      </p:sp>
+      <p:pic>
+        <p:nvPicPr>
+          <p:cNvPr id="7" name="圖片 6">
+            <a:extLst>
+              <a:ext uri="{FF2B5EF4-FFF2-40B4-BE49-F238E27FC236}">
+                <a16:creationId xmlns:a16="http://schemas.microsoft.com/office/drawing/2014/main" id="{6CAACB75-6E8C-73F7-D6F4-9276A2EE8B1D}"/>
+              </a:ext>
+            </a:extLst>
+          </p:cNvPr>
+          <p:cNvPicPr>
+            <a:picLocks noChangeAspect="1"/>
+          </p:cNvPicPr>
+          <p:nvPr/>
+        </p:nvPicPr>
+        <p:blipFill>
+          <a:blip r:embed="rId2"/>
+          <a:stretch>
+            <a:fillRect/>
+          </a:stretch>
+        </p:blipFill>
+        <p:spPr>
+          <a:xfrm>
+            <a:off x="119958" y="2550700"/>
+            <a:ext cx="11952083" cy="1952757"/>
+          </a:xfrm>
+          <a:prstGeom prst="rect">
+            <a:avLst/>
+          </a:prstGeom>
+        </p:spPr>
+      </p:pic>
     </p:spTree>
     <p:extLst>
       <p:ext uri="{BB962C8B-B14F-4D97-AF65-F5344CB8AC3E}">
-        <p14:creationId xmlns:p14="http://schemas.microsoft.com/office/powerpoint/2010/main" val="1365940002"/>
+        <p14:creationId xmlns:p14="http://schemas.microsoft.com/office/powerpoint/2010/main" val="1296357018"/>
       </p:ext>
     </p:extLst>
   </p:cSld>

--- a/PPT/Standard Cell Do Matter.pptx
+++ b/PPT/Standard Cell Do Matter.pptx
@@ -4,6 +4,9 @@
   <p:sldMasterIdLst>
     <p:sldMasterId id="2147483648" r:id="rId1"/>
   </p:sldMasterIdLst>
+  <p:notesMasterIdLst>
+    <p:notesMasterId r:id="rId19"/>
+  </p:notesMasterIdLst>
   <p:sldIdLst>
     <p:sldId id="256" r:id="rId2"/>
     <p:sldId id="290" r:id="rId3"/>
@@ -12,12 +15,16 @@
     <p:sldId id="293" r:id="rId6"/>
     <p:sldId id="294" r:id="rId7"/>
     <p:sldId id="296" r:id="rId8"/>
-    <p:sldId id="297" r:id="rId9"/>
-    <p:sldId id="298" r:id="rId10"/>
-    <p:sldId id="299" r:id="rId11"/>
-    <p:sldId id="300" r:id="rId12"/>
-    <p:sldId id="289" r:id="rId13"/>
-    <p:sldId id="301" r:id="rId14"/>
+    <p:sldId id="302" r:id="rId9"/>
+    <p:sldId id="303" r:id="rId10"/>
+    <p:sldId id="304" r:id="rId11"/>
+    <p:sldId id="305" r:id="rId12"/>
+    <p:sldId id="306" r:id="rId13"/>
+    <p:sldId id="298" r:id="rId14"/>
+    <p:sldId id="299" r:id="rId15"/>
+    <p:sldId id="300" r:id="rId16"/>
+    <p:sldId id="289" r:id="rId17"/>
+    <p:sldId id="301" r:id="rId18"/>
   </p:sldIdLst>
   <p:sldSz cx="12192000" cy="6858000"/>
   <p:notesSz cx="6858000" cy="9144000"/>
@@ -122,6 +129,356 @@
     </p:ext>
   </p:extLst>
 </p:presentation>
+</file>
+
+<file path=ppt/notesMasters/notesMaster1.xml><?xml version="1.0" encoding="utf-8"?>
+<p:notesMaster xmlns:a="http://schemas.openxmlformats.org/drawingml/2006/main" xmlns:r="http://schemas.openxmlformats.org/officeDocument/2006/relationships" xmlns:p="http://schemas.openxmlformats.org/presentationml/2006/main">
+  <p:cSld>
+    <p:bg>
+      <p:bgRef idx="1001">
+        <a:schemeClr val="bg1"/>
+      </p:bgRef>
+    </p:bg>
+    <p:spTree>
+      <p:nvGrpSpPr>
+        <p:cNvPr id="1" name=""/>
+        <p:cNvGrpSpPr/>
+        <p:nvPr/>
+      </p:nvGrpSpPr>
+      <p:grpSpPr>
+        <a:xfrm>
+          <a:off x="0" y="0"/>
+          <a:ext cx="0" cy="0"/>
+          <a:chOff x="0" y="0"/>
+          <a:chExt cx="0" cy="0"/>
+        </a:xfrm>
+      </p:grpSpPr>
+      <p:sp>
+        <p:nvSpPr>
+          <p:cNvPr id="2" name="Header Placeholder 1"/>
+          <p:cNvSpPr>
+            <a:spLocks noGrp="1"/>
+          </p:cNvSpPr>
+          <p:nvPr>
+            <p:ph type="hdr" sz="quarter"/>
+          </p:nvPr>
+        </p:nvSpPr>
+        <p:spPr>
+          <a:xfrm>
+            <a:off x="0" y="0"/>
+            <a:ext cx="2971800" cy="458788"/>
+          </a:xfrm>
+          <a:prstGeom prst="rect">
+            <a:avLst/>
+          </a:prstGeom>
+        </p:spPr>
+        <p:txBody>
+          <a:bodyPr vert="horz" lIns="91440" tIns="45720" rIns="91440" bIns="45720" rtlCol="0"/>
+          <a:lstStyle>
+            <a:lvl1pPr algn="l">
+              <a:defRPr sz="1200"/>
+            </a:lvl1pPr>
+          </a:lstStyle>
+          <a:p>
+            <a:endParaRPr lang="zh-TW" altLang="en-US"/>
+          </a:p>
+        </p:txBody>
+      </p:sp>
+      <p:sp>
+        <p:nvSpPr>
+          <p:cNvPr id="3" name="Date Placeholder 2"/>
+          <p:cNvSpPr>
+            <a:spLocks noGrp="1"/>
+          </p:cNvSpPr>
+          <p:nvPr>
+            <p:ph type="dt" idx="1"/>
+          </p:nvPr>
+        </p:nvSpPr>
+        <p:spPr>
+          <a:xfrm>
+            <a:off x="3884613" y="0"/>
+            <a:ext cx="2971800" cy="458788"/>
+          </a:xfrm>
+          <a:prstGeom prst="rect">
+            <a:avLst/>
+          </a:prstGeom>
+        </p:spPr>
+        <p:txBody>
+          <a:bodyPr vert="horz" lIns="91440" tIns="45720" rIns="91440" bIns="45720" rtlCol="0"/>
+          <a:lstStyle>
+            <a:lvl1pPr algn="r">
+              <a:defRPr sz="1200"/>
+            </a:lvl1pPr>
+          </a:lstStyle>
+          <a:p>
+            <a:fld id="{59DA36C0-52AE-4150-B85A-263E9CA1CEDB}" type="datetimeFigureOut">
+              <a:rPr lang="zh-TW" altLang="en-US" smtClean="0"/>
+              <a:t>2025/2/23</a:t>
+            </a:fld>
+            <a:endParaRPr lang="zh-TW" altLang="en-US"/>
+          </a:p>
+        </p:txBody>
+      </p:sp>
+      <p:sp>
+        <p:nvSpPr>
+          <p:cNvPr id="4" name="Slide Image Placeholder 3"/>
+          <p:cNvSpPr>
+            <a:spLocks noGrp="1" noRot="1" noChangeAspect="1"/>
+          </p:cNvSpPr>
+          <p:nvPr>
+            <p:ph type="sldImg" idx="2"/>
+          </p:nvPr>
+        </p:nvSpPr>
+        <p:spPr>
+          <a:xfrm>
+            <a:off x="685800" y="1143000"/>
+            <a:ext cx="5486400" cy="3086100"/>
+          </a:xfrm>
+          <a:prstGeom prst="rect">
+            <a:avLst/>
+          </a:prstGeom>
+          <a:noFill/>
+          <a:ln w="12700">
+            <a:solidFill>
+              <a:prstClr val="black"/>
+            </a:solidFill>
+          </a:ln>
+        </p:spPr>
+        <p:txBody>
+          <a:bodyPr vert="horz" lIns="91440" tIns="45720" rIns="91440" bIns="45720" rtlCol="0" anchor="ctr"/>
+          <a:lstStyle/>
+          <a:p>
+            <a:endParaRPr lang="zh-TW" altLang="en-US"/>
+          </a:p>
+        </p:txBody>
+      </p:sp>
+      <p:sp>
+        <p:nvSpPr>
+          <p:cNvPr id="5" name="Notes Placeholder 4"/>
+          <p:cNvSpPr>
+            <a:spLocks noGrp="1"/>
+          </p:cNvSpPr>
+          <p:nvPr>
+            <p:ph type="body" sz="quarter" idx="3"/>
+          </p:nvPr>
+        </p:nvSpPr>
+        <p:spPr>
+          <a:xfrm>
+            <a:off x="685800" y="4400550"/>
+            <a:ext cx="5486400" cy="3600450"/>
+          </a:xfrm>
+          <a:prstGeom prst="rect">
+            <a:avLst/>
+          </a:prstGeom>
+        </p:spPr>
+        <p:txBody>
+          <a:bodyPr vert="horz" lIns="91440" tIns="45720" rIns="91440" bIns="45720" rtlCol="0"/>
+          <a:lstStyle/>
+          <a:p>
+            <a:pPr lvl="0"/>
+            <a:r>
+              <a:rPr lang="en-US" altLang="zh-TW"/>
+              <a:t>Click to edit Master text styles</a:t>
+            </a:r>
+          </a:p>
+          <a:p>
+            <a:pPr lvl="1"/>
+            <a:r>
+              <a:rPr lang="en-US" altLang="zh-TW"/>
+              <a:t>Second level</a:t>
+            </a:r>
+          </a:p>
+          <a:p>
+            <a:pPr lvl="2"/>
+            <a:r>
+              <a:rPr lang="en-US" altLang="zh-TW"/>
+              <a:t>Third level</a:t>
+            </a:r>
+          </a:p>
+          <a:p>
+            <a:pPr lvl="3"/>
+            <a:r>
+              <a:rPr lang="en-US" altLang="zh-TW"/>
+              <a:t>Fourth level</a:t>
+            </a:r>
+          </a:p>
+          <a:p>
+            <a:pPr lvl="4"/>
+            <a:r>
+              <a:rPr lang="en-US" altLang="zh-TW"/>
+              <a:t>Fifth level</a:t>
+            </a:r>
+            <a:endParaRPr lang="zh-TW" altLang="en-US"/>
+          </a:p>
+        </p:txBody>
+      </p:sp>
+      <p:sp>
+        <p:nvSpPr>
+          <p:cNvPr id="6" name="Footer Placeholder 5"/>
+          <p:cNvSpPr>
+            <a:spLocks noGrp="1"/>
+          </p:cNvSpPr>
+          <p:nvPr>
+            <p:ph type="ftr" sz="quarter" idx="4"/>
+          </p:nvPr>
+        </p:nvSpPr>
+        <p:spPr>
+          <a:xfrm>
+            <a:off x="0" y="8685213"/>
+            <a:ext cx="2971800" cy="458787"/>
+          </a:xfrm>
+          <a:prstGeom prst="rect">
+            <a:avLst/>
+          </a:prstGeom>
+        </p:spPr>
+        <p:txBody>
+          <a:bodyPr vert="horz" lIns="91440" tIns="45720" rIns="91440" bIns="45720" rtlCol="0" anchor="b"/>
+          <a:lstStyle>
+            <a:lvl1pPr algn="l">
+              <a:defRPr sz="1200"/>
+            </a:lvl1pPr>
+          </a:lstStyle>
+          <a:p>
+            <a:endParaRPr lang="zh-TW" altLang="en-US"/>
+          </a:p>
+        </p:txBody>
+      </p:sp>
+      <p:sp>
+        <p:nvSpPr>
+          <p:cNvPr id="7" name="Slide Number Placeholder 6"/>
+          <p:cNvSpPr>
+            <a:spLocks noGrp="1"/>
+          </p:cNvSpPr>
+          <p:nvPr>
+            <p:ph type="sldNum" sz="quarter" idx="5"/>
+          </p:nvPr>
+        </p:nvSpPr>
+        <p:spPr>
+          <a:xfrm>
+            <a:off x="3884613" y="8685213"/>
+            <a:ext cx="2971800" cy="458787"/>
+          </a:xfrm>
+          <a:prstGeom prst="rect">
+            <a:avLst/>
+          </a:prstGeom>
+        </p:spPr>
+        <p:txBody>
+          <a:bodyPr vert="horz" lIns="91440" tIns="45720" rIns="91440" bIns="45720" rtlCol="0" anchor="b"/>
+          <a:lstStyle>
+            <a:lvl1pPr algn="r">
+              <a:defRPr sz="1200"/>
+            </a:lvl1pPr>
+          </a:lstStyle>
+          <a:p>
+            <a:fld id="{BFA64674-2719-4B2E-883D-0787B0CD23A2}" type="slidenum">
+              <a:rPr lang="zh-TW" altLang="en-US" smtClean="0"/>
+              <a:t>‹#›</a:t>
+            </a:fld>
+            <a:endParaRPr lang="zh-TW" altLang="en-US"/>
+          </a:p>
+        </p:txBody>
+      </p:sp>
+    </p:spTree>
+    <p:extLst>
+      <p:ext uri="{BB962C8B-B14F-4D97-AF65-F5344CB8AC3E}">
+        <p14:creationId xmlns:p14="http://schemas.microsoft.com/office/powerpoint/2010/main" val="1451003801"/>
+      </p:ext>
+    </p:extLst>
+  </p:cSld>
+  <p:clrMap bg1="lt1" tx1="dk1" bg2="lt2" tx2="dk2" accent1="accent1" accent2="accent2" accent3="accent3" accent4="accent4" accent5="accent5" accent6="accent6" hlink="hlink" folHlink="folHlink"/>
+  <p:notesStyle>
+    <a:lvl1pPr marL="0" algn="l" defTabSz="914400" rtl="0" eaLnBrk="1" latinLnBrk="0" hangingPunct="1">
+      <a:defRPr sz="1200" kern="1200">
+        <a:solidFill>
+          <a:schemeClr val="tx1"/>
+        </a:solidFill>
+        <a:latin typeface="+mn-lt"/>
+        <a:ea typeface="+mn-ea"/>
+        <a:cs typeface="+mn-cs"/>
+      </a:defRPr>
+    </a:lvl1pPr>
+    <a:lvl2pPr marL="457200" algn="l" defTabSz="914400" rtl="0" eaLnBrk="1" latinLnBrk="0" hangingPunct="1">
+      <a:defRPr sz="1200" kern="1200">
+        <a:solidFill>
+          <a:schemeClr val="tx1"/>
+        </a:solidFill>
+        <a:latin typeface="+mn-lt"/>
+        <a:ea typeface="+mn-ea"/>
+        <a:cs typeface="+mn-cs"/>
+      </a:defRPr>
+    </a:lvl2pPr>
+    <a:lvl3pPr marL="914400" algn="l" defTabSz="914400" rtl="0" eaLnBrk="1" latinLnBrk="0" hangingPunct="1">
+      <a:defRPr sz="1200" kern="1200">
+        <a:solidFill>
+          <a:schemeClr val="tx1"/>
+        </a:solidFill>
+        <a:latin typeface="+mn-lt"/>
+        <a:ea typeface="+mn-ea"/>
+        <a:cs typeface="+mn-cs"/>
+      </a:defRPr>
+    </a:lvl3pPr>
+    <a:lvl4pPr marL="1371600" algn="l" defTabSz="914400" rtl="0" eaLnBrk="1" latinLnBrk="0" hangingPunct="1">
+      <a:defRPr sz="1200" kern="1200">
+        <a:solidFill>
+          <a:schemeClr val="tx1"/>
+        </a:solidFill>
+        <a:latin typeface="+mn-lt"/>
+        <a:ea typeface="+mn-ea"/>
+        <a:cs typeface="+mn-cs"/>
+      </a:defRPr>
+    </a:lvl4pPr>
+    <a:lvl5pPr marL="1828800" algn="l" defTabSz="914400" rtl="0" eaLnBrk="1" latinLnBrk="0" hangingPunct="1">
+      <a:defRPr sz="1200" kern="1200">
+        <a:solidFill>
+          <a:schemeClr val="tx1"/>
+        </a:solidFill>
+        <a:latin typeface="+mn-lt"/>
+        <a:ea typeface="+mn-ea"/>
+        <a:cs typeface="+mn-cs"/>
+      </a:defRPr>
+    </a:lvl5pPr>
+    <a:lvl6pPr marL="2286000" algn="l" defTabSz="914400" rtl="0" eaLnBrk="1" latinLnBrk="0" hangingPunct="1">
+      <a:defRPr sz="1200" kern="1200">
+        <a:solidFill>
+          <a:schemeClr val="tx1"/>
+        </a:solidFill>
+        <a:latin typeface="+mn-lt"/>
+        <a:ea typeface="+mn-ea"/>
+        <a:cs typeface="+mn-cs"/>
+      </a:defRPr>
+    </a:lvl6pPr>
+    <a:lvl7pPr marL="2743200" algn="l" defTabSz="914400" rtl="0" eaLnBrk="1" latinLnBrk="0" hangingPunct="1">
+      <a:defRPr sz="1200" kern="1200">
+        <a:solidFill>
+          <a:schemeClr val="tx1"/>
+        </a:solidFill>
+        <a:latin typeface="+mn-lt"/>
+        <a:ea typeface="+mn-ea"/>
+        <a:cs typeface="+mn-cs"/>
+      </a:defRPr>
+    </a:lvl7pPr>
+    <a:lvl8pPr marL="3200400" algn="l" defTabSz="914400" rtl="0" eaLnBrk="1" latinLnBrk="0" hangingPunct="1">
+      <a:defRPr sz="1200" kern="1200">
+        <a:solidFill>
+          <a:schemeClr val="tx1"/>
+        </a:solidFill>
+        <a:latin typeface="+mn-lt"/>
+        <a:ea typeface="+mn-ea"/>
+        <a:cs typeface="+mn-cs"/>
+      </a:defRPr>
+    </a:lvl8pPr>
+    <a:lvl9pPr marL="3657600" algn="l" defTabSz="914400" rtl="0" eaLnBrk="1" latinLnBrk="0" hangingPunct="1">
+      <a:defRPr sz="1200" kern="1200">
+        <a:solidFill>
+          <a:schemeClr val="tx1"/>
+        </a:solidFill>
+        <a:latin typeface="+mn-lt"/>
+        <a:ea typeface="+mn-ea"/>
+        <a:cs typeface="+mn-cs"/>
+      </a:defRPr>
+    </a:lvl9pPr>
+  </p:notesStyle>
+</p:notesMaster>
 </file>
 
 <file path=ppt/slideLayouts/slideLayout1.xml><?xml version="1.0" encoding="utf-8"?>
@@ -3471,6 +3828,788 @@
         <p:cNvPr id="1" name="">
           <a:extLst>
             <a:ext uri="{FF2B5EF4-FFF2-40B4-BE49-F238E27FC236}">
+              <a16:creationId xmlns:a16="http://schemas.microsoft.com/office/drawing/2014/main" id="{BB5FB134-DDA5-9447-B782-C4B6302D402F}"/>
+            </a:ext>
+          </a:extLst>
+        </p:cNvPr>
+        <p:cNvGrpSpPr/>
+        <p:nvPr/>
+      </p:nvGrpSpPr>
+      <p:grpSpPr>
+        <a:xfrm>
+          <a:off x="0" y="0"/>
+          <a:ext cx="0" cy="0"/>
+          <a:chOff x="0" y="0"/>
+          <a:chExt cx="0" cy="0"/>
+        </a:xfrm>
+      </p:grpSpPr>
+      <p:sp>
+        <p:nvSpPr>
+          <p:cNvPr id="2" name="Title 1">
+            <a:extLst>
+              <a:ext uri="{FF2B5EF4-FFF2-40B4-BE49-F238E27FC236}">
+                <a16:creationId xmlns:a16="http://schemas.microsoft.com/office/drawing/2014/main" id="{7C92D537-E7E7-FFB1-393F-9637196E0219}"/>
+              </a:ext>
+            </a:extLst>
+          </p:cNvPr>
+          <p:cNvSpPr>
+            <a:spLocks noGrp="1"/>
+          </p:cNvSpPr>
+          <p:nvPr>
+            <p:ph type="title"/>
+          </p:nvPr>
+        </p:nvSpPr>
+        <p:spPr/>
+        <p:txBody>
+          <a:bodyPr>
+            <a:normAutofit/>
+          </a:bodyPr>
+          <a:lstStyle/>
+          <a:p>
+            <a:r>
+              <a:rPr lang="en-US" altLang="zh-TW" sz="4000" dirty="0">
+                <a:latin typeface="Times New Roman" panose="02020603050405020304" pitchFamily="18" charset="0"/>
+                <a:cs typeface="Times New Roman" panose="02020603050405020304" pitchFamily="18" charset="0"/>
+              </a:rPr>
+              <a:t>Dataflow Connection Extraction</a:t>
+            </a:r>
+            <a:endParaRPr lang="zh-TW" altLang="en-US" sz="4000" dirty="0">
+              <a:latin typeface="Times New Roman" panose="02020603050405020304" pitchFamily="18" charset="0"/>
+              <a:cs typeface="Times New Roman" panose="02020603050405020304" pitchFamily="18" charset="0"/>
+            </a:endParaRPr>
+          </a:p>
+        </p:txBody>
+      </p:sp>
+      <p:pic>
+        <p:nvPicPr>
+          <p:cNvPr id="13" name="Content Placeholder 7">
+            <a:extLst>
+              <a:ext uri="{FF2B5EF4-FFF2-40B4-BE49-F238E27FC236}">
+                <a16:creationId xmlns:a16="http://schemas.microsoft.com/office/drawing/2014/main" id="{4B212543-1F4E-24FC-2982-F1A14181E933}"/>
+              </a:ext>
+            </a:extLst>
+          </p:cNvPr>
+          <p:cNvPicPr>
+            <a:picLocks noChangeAspect="1"/>
+          </p:cNvPicPr>
+          <p:nvPr/>
+        </p:nvPicPr>
+        <p:blipFill>
+          <a:blip r:embed="rId2"/>
+          <a:srcRect l="6482" b="6414"/>
+          <a:stretch/>
+        </p:blipFill>
+        <p:spPr>
+          <a:xfrm>
+            <a:off x="111070" y="1927172"/>
+            <a:ext cx="4205283" cy="3939717"/>
+          </a:xfrm>
+          <a:prstGeom prst="rect">
+            <a:avLst/>
+          </a:prstGeom>
+        </p:spPr>
+      </p:pic>
+      <p:pic>
+        <p:nvPicPr>
+          <p:cNvPr id="5" name="Picture 4">
+            <a:extLst>
+              <a:ext uri="{FF2B5EF4-FFF2-40B4-BE49-F238E27FC236}">
+                <a16:creationId xmlns:a16="http://schemas.microsoft.com/office/drawing/2014/main" id="{000900A6-A27D-E899-C86C-F7ED7287627D}"/>
+              </a:ext>
+            </a:extLst>
+          </p:cNvPr>
+          <p:cNvPicPr>
+            <a:picLocks noChangeAspect="1"/>
+          </p:cNvPicPr>
+          <p:nvPr/>
+        </p:nvPicPr>
+        <p:blipFill>
+          <a:blip r:embed="rId3"/>
+          <a:stretch>
+            <a:fillRect/>
+          </a:stretch>
+        </p:blipFill>
+        <p:spPr>
+          <a:xfrm>
+            <a:off x="4297798" y="4170898"/>
+            <a:ext cx="6927286" cy="387284"/>
+          </a:xfrm>
+          <a:prstGeom prst="rect">
+            <a:avLst/>
+          </a:prstGeom>
+        </p:spPr>
+      </p:pic>
+      <p:pic>
+        <p:nvPicPr>
+          <p:cNvPr id="9" name="Picture 8">
+            <a:extLst>
+              <a:ext uri="{FF2B5EF4-FFF2-40B4-BE49-F238E27FC236}">
+                <a16:creationId xmlns:a16="http://schemas.microsoft.com/office/drawing/2014/main" id="{34F284B2-12F6-5874-2F11-8AF19D0553B5}"/>
+              </a:ext>
+            </a:extLst>
+          </p:cNvPr>
+          <p:cNvPicPr>
+            <a:picLocks noChangeAspect="1"/>
+          </p:cNvPicPr>
+          <p:nvPr/>
+        </p:nvPicPr>
+        <p:blipFill>
+          <a:blip r:embed="rId4"/>
+          <a:stretch>
+            <a:fillRect/>
+          </a:stretch>
+        </p:blipFill>
+        <p:spPr>
+          <a:xfrm>
+            <a:off x="5468622" y="1322528"/>
+            <a:ext cx="5145448" cy="2578321"/>
+          </a:xfrm>
+          <a:prstGeom prst="rect">
+            <a:avLst/>
+          </a:prstGeom>
+        </p:spPr>
+      </p:pic>
+      <p:pic>
+        <p:nvPicPr>
+          <p:cNvPr id="12" name="Picture 11">
+            <a:extLst>
+              <a:ext uri="{FF2B5EF4-FFF2-40B4-BE49-F238E27FC236}">
+                <a16:creationId xmlns:a16="http://schemas.microsoft.com/office/drawing/2014/main" id="{88B0F82A-7BD9-22AF-CA0B-00BA9836D9C1}"/>
+              </a:ext>
+            </a:extLst>
+          </p:cNvPr>
+          <p:cNvPicPr>
+            <a:picLocks noChangeAspect="1"/>
+          </p:cNvPicPr>
+          <p:nvPr/>
+        </p:nvPicPr>
+        <p:blipFill>
+          <a:blip r:embed="rId5"/>
+          <a:stretch>
+            <a:fillRect/>
+          </a:stretch>
+        </p:blipFill>
+        <p:spPr>
+          <a:xfrm>
+            <a:off x="4249087" y="4663534"/>
+            <a:ext cx="7435835" cy="552203"/>
+          </a:xfrm>
+          <a:prstGeom prst="rect">
+            <a:avLst/>
+          </a:prstGeom>
+        </p:spPr>
+      </p:pic>
+      <p:sp>
+        <p:nvSpPr>
+          <p:cNvPr id="15" name="Rectangle: Rounded Corners 14">
+            <a:extLst>
+              <a:ext uri="{FF2B5EF4-FFF2-40B4-BE49-F238E27FC236}">
+                <a16:creationId xmlns:a16="http://schemas.microsoft.com/office/drawing/2014/main" id="{859CDDF1-84A3-E609-41BB-A987F230E49D}"/>
+              </a:ext>
+            </a:extLst>
+          </p:cNvPr>
+          <p:cNvSpPr/>
+          <p:nvPr/>
+        </p:nvSpPr>
+        <p:spPr>
+          <a:xfrm>
+            <a:off x="1343984" y="3142099"/>
+            <a:ext cx="2479312" cy="1417627"/>
+          </a:xfrm>
+          <a:prstGeom prst="roundRect">
+            <a:avLst/>
+          </a:prstGeom>
+          <a:noFill/>
+          <a:ln w="38100">
+            <a:solidFill>
+              <a:srgbClr val="FF0000"/>
+            </a:solidFill>
+          </a:ln>
+        </p:spPr>
+        <p:style>
+          <a:lnRef idx="2">
+            <a:schemeClr val="accent1">
+              <a:shade val="15000"/>
+            </a:schemeClr>
+          </a:lnRef>
+          <a:fillRef idx="1">
+            <a:schemeClr val="accent1"/>
+          </a:fillRef>
+          <a:effectRef idx="0">
+            <a:schemeClr val="accent1"/>
+          </a:effectRef>
+          <a:fontRef idx="minor">
+            <a:schemeClr val="lt1"/>
+          </a:fontRef>
+        </p:style>
+        <p:txBody>
+          <a:bodyPr rtlCol="0" anchor="ctr"/>
+          <a:lstStyle/>
+          <a:p>
+            <a:pPr algn="ctr"/>
+            <a:endParaRPr lang="zh-TW" altLang="en-US"/>
+          </a:p>
+        </p:txBody>
+      </p:sp>
+      <p:pic>
+        <p:nvPicPr>
+          <p:cNvPr id="22" name="Picture 21">
+            <a:extLst>
+              <a:ext uri="{FF2B5EF4-FFF2-40B4-BE49-F238E27FC236}">
+                <a16:creationId xmlns:a16="http://schemas.microsoft.com/office/drawing/2014/main" id="{DA519059-C17C-8E64-F039-C3F90D546399}"/>
+              </a:ext>
+            </a:extLst>
+          </p:cNvPr>
+          <p:cNvPicPr>
+            <a:picLocks noChangeAspect="1"/>
+          </p:cNvPicPr>
+          <p:nvPr/>
+        </p:nvPicPr>
+        <p:blipFill>
+          <a:blip r:embed="rId6"/>
+          <a:stretch>
+            <a:fillRect/>
+          </a:stretch>
+        </p:blipFill>
+        <p:spPr>
+          <a:xfrm>
+            <a:off x="4316353" y="6440385"/>
+            <a:ext cx="6017268" cy="358857"/>
+          </a:xfrm>
+          <a:prstGeom prst="rect">
+            <a:avLst/>
+          </a:prstGeom>
+        </p:spPr>
+      </p:pic>
+      <p:pic>
+        <p:nvPicPr>
+          <p:cNvPr id="23" name="Picture 22">
+            <a:extLst>
+              <a:ext uri="{FF2B5EF4-FFF2-40B4-BE49-F238E27FC236}">
+                <a16:creationId xmlns:a16="http://schemas.microsoft.com/office/drawing/2014/main" id="{9C42618E-01EF-FB76-EBCA-BEB647A6D86A}"/>
+              </a:ext>
+            </a:extLst>
+          </p:cNvPr>
+          <p:cNvPicPr>
+            <a:picLocks noChangeAspect="1"/>
+          </p:cNvPicPr>
+          <p:nvPr/>
+        </p:nvPicPr>
+        <p:blipFill>
+          <a:blip r:embed="rId7"/>
+          <a:stretch>
+            <a:fillRect/>
+          </a:stretch>
+        </p:blipFill>
+        <p:spPr>
+          <a:xfrm>
+            <a:off x="4249087" y="5256054"/>
+            <a:ext cx="6539606" cy="716187"/>
+          </a:xfrm>
+          <a:prstGeom prst="rect">
+            <a:avLst/>
+          </a:prstGeom>
+        </p:spPr>
+      </p:pic>
+      <p:pic>
+        <p:nvPicPr>
+          <p:cNvPr id="24" name="Picture 23">
+            <a:extLst>
+              <a:ext uri="{FF2B5EF4-FFF2-40B4-BE49-F238E27FC236}">
+                <a16:creationId xmlns:a16="http://schemas.microsoft.com/office/drawing/2014/main" id="{C2A9101B-72CB-3C92-C11F-86A2DF3AAE62}"/>
+              </a:ext>
+            </a:extLst>
+          </p:cNvPr>
+          <p:cNvPicPr>
+            <a:picLocks noChangeAspect="1"/>
+          </p:cNvPicPr>
+          <p:nvPr/>
+        </p:nvPicPr>
+        <p:blipFill>
+          <a:blip r:embed="rId8"/>
+          <a:stretch>
+            <a:fillRect/>
+          </a:stretch>
+        </p:blipFill>
+        <p:spPr>
+          <a:xfrm>
+            <a:off x="11293342" y="6342420"/>
+            <a:ext cx="306096" cy="300909"/>
+          </a:xfrm>
+          <a:prstGeom prst="rect">
+            <a:avLst/>
+          </a:prstGeom>
+        </p:spPr>
+      </p:pic>
+      <p:pic>
+        <p:nvPicPr>
+          <p:cNvPr id="26" name="Picture 25">
+            <a:extLst>
+              <a:ext uri="{FF2B5EF4-FFF2-40B4-BE49-F238E27FC236}">
+                <a16:creationId xmlns:a16="http://schemas.microsoft.com/office/drawing/2014/main" id="{D4EDB1CC-3998-8570-3009-9D668B011F86}"/>
+              </a:ext>
+            </a:extLst>
+          </p:cNvPr>
+          <p:cNvPicPr>
+            <a:picLocks noChangeAspect="1"/>
+          </p:cNvPicPr>
+          <p:nvPr/>
+        </p:nvPicPr>
+        <p:blipFill>
+          <a:blip r:embed="rId9"/>
+          <a:stretch>
+            <a:fillRect/>
+          </a:stretch>
+        </p:blipFill>
+        <p:spPr>
+          <a:xfrm>
+            <a:off x="4297798" y="6052874"/>
+            <a:ext cx="6490895" cy="376283"/>
+          </a:xfrm>
+          <a:prstGeom prst="rect">
+            <a:avLst/>
+          </a:prstGeom>
+        </p:spPr>
+      </p:pic>
+    </p:spTree>
+    <p:extLst>
+      <p:ext uri="{BB962C8B-B14F-4D97-AF65-F5344CB8AC3E}">
+        <p14:creationId xmlns:p14="http://schemas.microsoft.com/office/powerpoint/2010/main" val="1187980564"/>
+      </p:ext>
+    </p:extLst>
+  </p:cSld>
+  <p:clrMapOvr>
+    <a:masterClrMapping/>
+  </p:clrMapOvr>
+</p:sld>
+</file>
+
+<file path=ppt/slides/slide11.xml><?xml version="1.0" encoding="utf-8"?>
+<p:sld xmlns:a="http://schemas.openxmlformats.org/drawingml/2006/main" xmlns:r="http://schemas.openxmlformats.org/officeDocument/2006/relationships" xmlns:p="http://schemas.openxmlformats.org/presentationml/2006/main">
+  <p:cSld>
+    <p:spTree>
+      <p:nvGrpSpPr>
+        <p:cNvPr id="1" name="">
+          <a:extLst>
+            <a:ext uri="{FF2B5EF4-FFF2-40B4-BE49-F238E27FC236}">
+              <a16:creationId xmlns:a16="http://schemas.microsoft.com/office/drawing/2014/main" id="{65A146BB-E11C-D494-4DE3-8B72D40CAE02}"/>
+            </a:ext>
+          </a:extLst>
+        </p:cNvPr>
+        <p:cNvGrpSpPr/>
+        <p:nvPr/>
+      </p:nvGrpSpPr>
+      <p:grpSpPr>
+        <a:xfrm>
+          <a:off x="0" y="0"/>
+          <a:ext cx="0" cy="0"/>
+          <a:chOff x="0" y="0"/>
+          <a:chExt cx="0" cy="0"/>
+        </a:xfrm>
+      </p:grpSpPr>
+      <p:sp>
+        <p:nvSpPr>
+          <p:cNvPr id="2" name="Title 1">
+            <a:extLst>
+              <a:ext uri="{FF2B5EF4-FFF2-40B4-BE49-F238E27FC236}">
+                <a16:creationId xmlns:a16="http://schemas.microsoft.com/office/drawing/2014/main" id="{E4F823D5-019D-14CA-C418-A2B818CF353A}"/>
+              </a:ext>
+            </a:extLst>
+          </p:cNvPr>
+          <p:cNvSpPr>
+            <a:spLocks noGrp="1"/>
+          </p:cNvSpPr>
+          <p:nvPr>
+            <p:ph type="title"/>
+          </p:nvPr>
+        </p:nvSpPr>
+        <p:spPr/>
+        <p:txBody>
+          <a:bodyPr>
+            <a:normAutofit/>
+          </a:bodyPr>
+          <a:lstStyle/>
+          <a:p>
+            <a:r>
+              <a:rPr lang="en-US" altLang="zh-TW" sz="4000" dirty="0">
+                <a:latin typeface="Times New Roman" panose="02020603050405020304" pitchFamily="18" charset="0"/>
+                <a:cs typeface="Times New Roman" panose="02020603050405020304" pitchFamily="18" charset="0"/>
+              </a:rPr>
+              <a:t>Dataflow Connection Extraction</a:t>
+            </a:r>
+            <a:endParaRPr lang="zh-TW" altLang="en-US" sz="4000" dirty="0">
+              <a:latin typeface="Times New Roman" panose="02020603050405020304" pitchFamily="18" charset="0"/>
+              <a:cs typeface="Times New Roman" panose="02020603050405020304" pitchFamily="18" charset="0"/>
+            </a:endParaRPr>
+          </a:p>
+        </p:txBody>
+      </p:sp>
+      <p:pic>
+        <p:nvPicPr>
+          <p:cNvPr id="6" name="Picture 5">
+            <a:extLst>
+              <a:ext uri="{FF2B5EF4-FFF2-40B4-BE49-F238E27FC236}">
+                <a16:creationId xmlns:a16="http://schemas.microsoft.com/office/drawing/2014/main" id="{9A5DF8B1-31C1-91B8-395D-D3737331662F}"/>
+              </a:ext>
+            </a:extLst>
+          </p:cNvPr>
+          <p:cNvPicPr>
+            <a:picLocks noChangeAspect="1"/>
+          </p:cNvPicPr>
+          <p:nvPr/>
+        </p:nvPicPr>
+        <p:blipFill>
+          <a:blip r:embed="rId2"/>
+          <a:stretch>
+            <a:fillRect/>
+          </a:stretch>
+        </p:blipFill>
+        <p:spPr>
+          <a:xfrm>
+            <a:off x="1130072" y="2452287"/>
+            <a:ext cx="10030547" cy="3132304"/>
+          </a:xfrm>
+          <a:prstGeom prst="rect">
+            <a:avLst/>
+          </a:prstGeom>
+        </p:spPr>
+      </p:pic>
+    </p:spTree>
+    <p:extLst>
+      <p:ext uri="{BB962C8B-B14F-4D97-AF65-F5344CB8AC3E}">
+        <p14:creationId xmlns:p14="http://schemas.microsoft.com/office/powerpoint/2010/main" val="2056636259"/>
+      </p:ext>
+    </p:extLst>
+  </p:cSld>
+  <p:clrMapOvr>
+    <a:masterClrMapping/>
+  </p:clrMapOvr>
+</p:sld>
+</file>
+
+<file path=ppt/slides/slide12.xml><?xml version="1.0" encoding="utf-8"?>
+<p:sld xmlns:a="http://schemas.openxmlformats.org/drawingml/2006/main" xmlns:r="http://schemas.openxmlformats.org/officeDocument/2006/relationships" xmlns:p="http://schemas.openxmlformats.org/presentationml/2006/main">
+  <p:cSld>
+    <p:spTree>
+      <p:nvGrpSpPr>
+        <p:cNvPr id="1" name="">
+          <a:extLst>
+            <a:ext uri="{FF2B5EF4-FFF2-40B4-BE49-F238E27FC236}">
+              <a16:creationId xmlns:a16="http://schemas.microsoft.com/office/drawing/2014/main" id="{B263BEE9-5734-C57D-B981-1CD51F3CB15C}"/>
+            </a:ext>
+          </a:extLst>
+        </p:cNvPr>
+        <p:cNvGrpSpPr/>
+        <p:nvPr/>
+      </p:nvGrpSpPr>
+      <p:grpSpPr>
+        <a:xfrm>
+          <a:off x="0" y="0"/>
+          <a:ext cx="0" cy="0"/>
+          <a:chOff x="0" y="0"/>
+          <a:chExt cx="0" cy="0"/>
+        </a:xfrm>
+      </p:grpSpPr>
+      <p:sp>
+        <p:nvSpPr>
+          <p:cNvPr id="2" name="Title 1">
+            <a:extLst>
+              <a:ext uri="{FF2B5EF4-FFF2-40B4-BE49-F238E27FC236}">
+                <a16:creationId xmlns:a16="http://schemas.microsoft.com/office/drawing/2014/main" id="{D0738423-F409-603F-E3FF-E703CF9A2C92}"/>
+              </a:ext>
+            </a:extLst>
+          </p:cNvPr>
+          <p:cNvSpPr>
+            <a:spLocks noGrp="1"/>
+          </p:cNvSpPr>
+          <p:nvPr>
+            <p:ph type="title"/>
+          </p:nvPr>
+        </p:nvSpPr>
+        <p:spPr/>
+        <p:txBody>
+          <a:bodyPr>
+            <a:normAutofit/>
+          </a:bodyPr>
+          <a:lstStyle/>
+          <a:p>
+            <a:r>
+              <a:rPr lang="en-US" altLang="zh-TW" sz="4000" b="0" i="0" u="none" strike="noStrike" baseline="0" dirty="0">
+                <a:latin typeface="Times New Roman" panose="02020603050405020304" pitchFamily="18" charset="0"/>
+                <a:cs typeface="Times New Roman" panose="02020603050405020304" pitchFamily="18" charset="0"/>
+              </a:rPr>
+              <a:t>Experiment</a:t>
+            </a:r>
+            <a:r>
+              <a:rPr lang="zh-TW" altLang="en-US" sz="4000" b="0" i="0" u="none" strike="noStrike" baseline="0" dirty="0">
+                <a:latin typeface="Times New Roman" panose="02020603050405020304" pitchFamily="18" charset="0"/>
+                <a:cs typeface="Times New Roman" panose="02020603050405020304" pitchFamily="18" charset="0"/>
+              </a:rPr>
+              <a:t> </a:t>
+            </a:r>
+            <a:r>
+              <a:rPr lang="en-US" altLang="zh-TW" sz="4000" b="0" i="0" u="none" strike="noStrike" baseline="0" dirty="0">
+                <a:latin typeface="Times New Roman" panose="02020603050405020304" pitchFamily="18" charset="0"/>
+                <a:cs typeface="Times New Roman" panose="02020603050405020304" pitchFamily="18" charset="0"/>
+              </a:rPr>
+              <a:t>Results</a:t>
+            </a:r>
+            <a:endParaRPr lang="zh-TW" altLang="en-US" sz="4000" dirty="0">
+              <a:latin typeface="Times New Roman" panose="02020603050405020304" pitchFamily="18" charset="0"/>
+              <a:cs typeface="Times New Roman" panose="02020603050405020304" pitchFamily="18" charset="0"/>
+            </a:endParaRPr>
+          </a:p>
+        </p:txBody>
+      </p:sp>
+      <p:sp>
+        <p:nvSpPr>
+          <p:cNvPr id="3" name="Content Placeholder 2">
+            <a:extLst>
+              <a:ext uri="{FF2B5EF4-FFF2-40B4-BE49-F238E27FC236}">
+                <a16:creationId xmlns:a16="http://schemas.microsoft.com/office/drawing/2014/main" id="{73B4FEBD-9456-33CE-3E41-6D9E461318DB}"/>
+              </a:ext>
+            </a:extLst>
+          </p:cNvPr>
+          <p:cNvSpPr>
+            <a:spLocks noGrp="1"/>
+          </p:cNvSpPr>
+          <p:nvPr>
+            <p:ph idx="1"/>
+          </p:nvPr>
+        </p:nvSpPr>
+        <p:spPr>
+          <a:xfrm>
+            <a:off x="838200" y="1825624"/>
+            <a:ext cx="10515600" cy="4430321"/>
+          </a:xfrm>
+        </p:spPr>
+        <p:txBody>
+          <a:bodyPr>
+            <a:noAutofit/>
+          </a:bodyPr>
+          <a:lstStyle/>
+          <a:p>
+            <a:pPr algn="l"/>
+            <a:r>
+              <a:rPr lang="en-US" altLang="zh-TW" sz="2400" i="0" dirty="0">
+                <a:solidFill>
+                  <a:srgbClr val="333333"/>
+                </a:solidFill>
+                <a:effectLst/>
+                <a:latin typeface="Times New Roman" panose="02020603050405020304" pitchFamily="18" charset="0"/>
+                <a:cs typeface="Times New Roman" panose="02020603050405020304" pitchFamily="18" charset="0"/>
+              </a:rPr>
+              <a:t>The netlist is obtained by running synthesis with </a:t>
+            </a:r>
+            <a:r>
+              <a:rPr lang="en-US" altLang="zh-TW" sz="2400" i="0" dirty="0" err="1">
+                <a:solidFill>
+                  <a:srgbClr val="333333"/>
+                </a:solidFill>
+                <a:effectLst/>
+                <a:latin typeface="Times New Roman" panose="02020603050405020304" pitchFamily="18" charset="0"/>
+                <a:cs typeface="Times New Roman" panose="02020603050405020304" pitchFamily="18" charset="0"/>
+              </a:rPr>
+              <a:t>Yosys</a:t>
+            </a:r>
+            <a:r>
+              <a:rPr lang="en-US" altLang="zh-TW" sz="2400" i="0" dirty="0">
+                <a:solidFill>
+                  <a:srgbClr val="333333"/>
+                </a:solidFill>
+                <a:effectLst/>
+                <a:latin typeface="Times New Roman" panose="02020603050405020304" pitchFamily="18" charset="0"/>
+                <a:cs typeface="Times New Roman" panose="02020603050405020304" pitchFamily="18" charset="0"/>
+              </a:rPr>
+              <a:t> [19].</a:t>
+            </a:r>
+          </a:p>
+          <a:p>
+            <a:pPr algn="l"/>
+            <a:endParaRPr lang="en-US" altLang="zh-TW" sz="2400" dirty="0">
+              <a:solidFill>
+                <a:srgbClr val="333333"/>
+              </a:solidFill>
+              <a:latin typeface="Times New Roman" panose="02020603050405020304" pitchFamily="18" charset="0"/>
+              <a:cs typeface="Times New Roman" panose="02020603050405020304" pitchFamily="18" charset="0"/>
+            </a:endParaRPr>
+          </a:p>
+          <a:p>
+            <a:pPr algn="l"/>
+            <a:r>
+              <a:rPr lang="en-US" altLang="zh-TW" sz="2400" i="0" dirty="0">
+                <a:solidFill>
+                  <a:srgbClr val="333333"/>
+                </a:solidFill>
+                <a:effectLst/>
+                <a:latin typeface="Times New Roman" panose="02020603050405020304" pitchFamily="18" charset="0"/>
+                <a:cs typeface="Times New Roman" panose="02020603050405020304" pitchFamily="18" charset="0"/>
+              </a:rPr>
+              <a:t>We conduct extensive experiments and select seven benchmark designs from published literature or newly released test suites </a:t>
+            </a:r>
+            <a:r>
+              <a:rPr lang="en-US" altLang="zh-TW" sz="2400" i="0" dirty="0" err="1">
+                <a:solidFill>
+                  <a:srgbClr val="333333"/>
+                </a:solidFill>
+                <a:effectLst/>
+                <a:latin typeface="Times New Roman" panose="02020603050405020304" pitchFamily="18" charset="0"/>
+                <a:cs typeface="Times New Roman" panose="02020603050405020304" pitchFamily="18" charset="0"/>
+              </a:rPr>
+              <a:t>OpenROAD</a:t>
+            </a:r>
+            <a:r>
+              <a:rPr lang="en-US" altLang="zh-TW" sz="2400" i="0" dirty="0">
+                <a:solidFill>
+                  <a:srgbClr val="333333"/>
+                </a:solidFill>
+                <a:effectLst/>
+                <a:latin typeface="Times New Roman" panose="02020603050405020304" pitchFamily="18" charset="0"/>
+                <a:cs typeface="Times New Roman" panose="02020603050405020304" pitchFamily="18" charset="0"/>
+              </a:rPr>
+              <a:t> [18], [20].</a:t>
+            </a:r>
+          </a:p>
+        </p:txBody>
+      </p:sp>
+    </p:spTree>
+    <p:extLst>
+      <p:ext uri="{BB962C8B-B14F-4D97-AF65-F5344CB8AC3E}">
+        <p14:creationId xmlns:p14="http://schemas.microsoft.com/office/powerpoint/2010/main" val="2879828080"/>
+      </p:ext>
+    </p:extLst>
+  </p:cSld>
+  <p:clrMapOvr>
+    <a:masterClrMapping/>
+  </p:clrMapOvr>
+</p:sld>
+</file>
+
+<file path=ppt/slides/slide13.xml><?xml version="1.0" encoding="utf-8"?>
+<p:sld xmlns:a="http://schemas.openxmlformats.org/drawingml/2006/main" xmlns:r="http://schemas.openxmlformats.org/officeDocument/2006/relationships" xmlns:p="http://schemas.openxmlformats.org/presentationml/2006/main">
+  <p:cSld>
+    <p:spTree>
+      <p:nvGrpSpPr>
+        <p:cNvPr id="1" name="">
+          <a:extLst>
+            <a:ext uri="{FF2B5EF4-FFF2-40B4-BE49-F238E27FC236}">
+              <a16:creationId xmlns:a16="http://schemas.microsoft.com/office/drawing/2014/main" id="{E6AD81E1-1542-AD50-1910-B7C8A3F41A73}"/>
+            </a:ext>
+          </a:extLst>
+        </p:cNvPr>
+        <p:cNvGrpSpPr/>
+        <p:nvPr/>
+      </p:nvGrpSpPr>
+      <p:grpSpPr>
+        <a:xfrm>
+          <a:off x="0" y="0"/>
+          <a:ext cx="0" cy="0"/>
+          <a:chOff x="0" y="0"/>
+          <a:chExt cx="0" cy="0"/>
+        </a:xfrm>
+      </p:grpSpPr>
+      <p:sp>
+        <p:nvSpPr>
+          <p:cNvPr id="2" name="Title 1">
+            <a:extLst>
+              <a:ext uri="{FF2B5EF4-FFF2-40B4-BE49-F238E27FC236}">
+                <a16:creationId xmlns:a16="http://schemas.microsoft.com/office/drawing/2014/main" id="{6302F401-D296-CBBA-762B-C37F025E0250}"/>
+              </a:ext>
+            </a:extLst>
+          </p:cNvPr>
+          <p:cNvSpPr>
+            <a:spLocks noGrp="1"/>
+          </p:cNvSpPr>
+          <p:nvPr>
+            <p:ph type="title"/>
+          </p:nvPr>
+        </p:nvSpPr>
+        <p:spPr/>
+        <p:txBody>
+          <a:bodyPr>
+            <a:normAutofit/>
+          </a:bodyPr>
+          <a:lstStyle/>
+          <a:p>
+            <a:r>
+              <a:rPr lang="en-US" altLang="zh-TW" sz="4000" b="0" i="0" u="none" strike="noStrike" baseline="0" dirty="0">
+                <a:latin typeface="Times New Roman" panose="02020603050405020304" pitchFamily="18" charset="0"/>
+                <a:cs typeface="Times New Roman" panose="02020603050405020304" pitchFamily="18" charset="0"/>
+              </a:rPr>
+              <a:t>Experiment</a:t>
+            </a:r>
+            <a:r>
+              <a:rPr lang="zh-TW" altLang="en-US" sz="4000" b="0" i="0" u="none" strike="noStrike" baseline="0" dirty="0">
+                <a:latin typeface="Times New Roman" panose="02020603050405020304" pitchFamily="18" charset="0"/>
+                <a:cs typeface="Times New Roman" panose="02020603050405020304" pitchFamily="18" charset="0"/>
+              </a:rPr>
+              <a:t> </a:t>
+            </a:r>
+            <a:r>
+              <a:rPr lang="en-US" altLang="zh-TW" sz="4000" b="0" i="0" u="none" strike="noStrike" baseline="0" dirty="0">
+                <a:latin typeface="Times New Roman" panose="02020603050405020304" pitchFamily="18" charset="0"/>
+                <a:cs typeface="Times New Roman" panose="02020603050405020304" pitchFamily="18" charset="0"/>
+              </a:rPr>
+              <a:t>Results</a:t>
+            </a:r>
+            <a:endParaRPr lang="zh-TW" altLang="en-US" sz="4000" dirty="0">
+              <a:latin typeface="Times New Roman" panose="02020603050405020304" pitchFamily="18" charset="0"/>
+              <a:cs typeface="Times New Roman" panose="02020603050405020304" pitchFamily="18" charset="0"/>
+            </a:endParaRPr>
+          </a:p>
+        </p:txBody>
+      </p:sp>
+      <p:pic>
+        <p:nvPicPr>
+          <p:cNvPr id="7" name="圖片 6">
+            <a:extLst>
+              <a:ext uri="{FF2B5EF4-FFF2-40B4-BE49-F238E27FC236}">
+                <a16:creationId xmlns:a16="http://schemas.microsoft.com/office/drawing/2014/main" id="{6CAACB75-6E8C-73F7-D6F4-9276A2EE8B1D}"/>
+              </a:ext>
+            </a:extLst>
+          </p:cNvPr>
+          <p:cNvPicPr>
+            <a:picLocks noChangeAspect="1"/>
+          </p:cNvPicPr>
+          <p:nvPr/>
+        </p:nvPicPr>
+        <p:blipFill>
+          <a:blip r:embed="rId2"/>
+          <a:stretch>
+            <a:fillRect/>
+          </a:stretch>
+        </p:blipFill>
+        <p:spPr>
+          <a:xfrm>
+            <a:off x="119958" y="2550700"/>
+            <a:ext cx="11952083" cy="1952757"/>
+          </a:xfrm>
+          <a:prstGeom prst="rect">
+            <a:avLst/>
+          </a:prstGeom>
+        </p:spPr>
+      </p:pic>
+    </p:spTree>
+    <p:extLst>
+      <p:ext uri="{BB962C8B-B14F-4D97-AF65-F5344CB8AC3E}">
+        <p14:creationId xmlns:p14="http://schemas.microsoft.com/office/powerpoint/2010/main" val="1296357018"/>
+      </p:ext>
+    </p:extLst>
+  </p:cSld>
+  <p:clrMapOvr>
+    <a:masterClrMapping/>
+  </p:clrMapOvr>
+</p:sld>
+</file>
+
+<file path=ppt/slides/slide14.xml><?xml version="1.0" encoding="utf-8"?>
+<p:sld xmlns:a="http://schemas.openxmlformats.org/drawingml/2006/main" xmlns:r="http://schemas.openxmlformats.org/officeDocument/2006/relationships" xmlns:p="http://schemas.openxmlformats.org/presentationml/2006/main">
+  <p:cSld>
+    <p:spTree>
+      <p:nvGrpSpPr>
+        <p:cNvPr id="1" name="">
+          <a:extLst>
+            <a:ext uri="{FF2B5EF4-FFF2-40B4-BE49-F238E27FC236}">
               <a16:creationId xmlns:a16="http://schemas.microsoft.com/office/drawing/2014/main" id="{E6AD81E1-1542-AD50-1910-B7C8A3F41A73}"/>
             </a:ext>
           </a:extLst>
@@ -3529,7 +4668,7 @@
 </p:sld>
 </file>
 
-<file path=ppt/slides/slide11.xml><?xml version="1.0" encoding="utf-8"?>
+<file path=ppt/slides/slide15.xml><?xml version="1.0" encoding="utf-8"?>
 <p:sld xmlns:a="http://schemas.openxmlformats.org/drawingml/2006/main" xmlns:r="http://schemas.openxmlformats.org/officeDocument/2006/relationships" xmlns:p="http://schemas.openxmlformats.org/presentationml/2006/main">
   <p:cSld>
     <p:spTree>
@@ -3595,7 +4734,7 @@
 </p:sld>
 </file>
 
-<file path=ppt/slides/slide12.xml><?xml version="1.0" encoding="utf-8"?>
+<file path=ppt/slides/slide16.xml><?xml version="1.0" encoding="utf-8"?>
 <p:sld xmlns:a="http://schemas.openxmlformats.org/drawingml/2006/main" xmlns:r="http://schemas.openxmlformats.org/officeDocument/2006/relationships" xmlns:p="http://schemas.openxmlformats.org/presentationml/2006/main">
   <p:cSld>
     <p:spTree>
@@ -3690,7 +4829,7 @@
 </p:sld>
 </file>
 
-<file path=ppt/slides/slide13.xml><?xml version="1.0" encoding="utf-8"?>
+<file path=ppt/slides/slide17.xml><?xml version="1.0" encoding="utf-8"?>
 <p:sld xmlns:a="http://schemas.openxmlformats.org/drawingml/2006/main" xmlns:r="http://schemas.openxmlformats.org/officeDocument/2006/relationships" xmlns:p="http://schemas.openxmlformats.org/presentationml/2006/main">
   <p:cSld>
     <p:spTree>
@@ -3735,7 +4874,7 @@
         </p:blipFill>
         <p:spPr>
           <a:xfrm>
-            <a:off x="1056537" y="1388277"/>
+            <a:off x="1062674" y="1817861"/>
             <a:ext cx="10231730" cy="4280622"/>
           </a:xfrm>
           <a:prstGeom prst="rect">
@@ -3743,6 +4882,48 @@
           </a:prstGeom>
         </p:spPr>
       </p:pic>
+      <p:sp>
+        <p:nvSpPr>
+          <p:cNvPr id="2" name="Title 1">
+            <a:extLst>
+              <a:ext uri="{FF2B5EF4-FFF2-40B4-BE49-F238E27FC236}">
+                <a16:creationId xmlns:a16="http://schemas.microsoft.com/office/drawing/2014/main" id="{3578DB5F-048E-832D-C0CC-AC07955FDC59}"/>
+              </a:ext>
+            </a:extLst>
+          </p:cNvPr>
+          <p:cNvSpPr>
+            <a:spLocks noGrp="1"/>
+          </p:cNvSpPr>
+          <p:nvPr>
+            <p:ph type="title"/>
+          </p:nvPr>
+        </p:nvSpPr>
+        <p:spPr>
+          <a:xfrm>
+            <a:off x="838200" y="365125"/>
+            <a:ext cx="10515600" cy="1325563"/>
+          </a:xfrm>
+        </p:spPr>
+        <p:txBody>
+          <a:bodyPr>
+            <a:normAutofit/>
+          </a:bodyPr>
+          <a:lstStyle/>
+          <a:p>
+            <a:r>
+              <a:rPr lang="en-US" altLang="zh-TW" sz="4000" b="0" i="0" u="none" strike="noStrike" baseline="0" dirty="0">
+                <a:latin typeface="Times New Roman" panose="02020603050405020304" pitchFamily="18" charset="0"/>
+                <a:cs typeface="Times New Roman" panose="02020603050405020304" pitchFamily="18" charset="0"/>
+              </a:rPr>
+              <a:t>The Impact of “Push Boundary” Action</a:t>
+            </a:r>
+            <a:endParaRPr lang="zh-TW" altLang="en-US" sz="4000" dirty="0">
+              <a:latin typeface="Times New Roman" panose="02020603050405020304" pitchFamily="18" charset="0"/>
+              <a:cs typeface="Times New Roman" panose="02020603050405020304" pitchFamily="18" charset="0"/>
+            </a:endParaRPr>
+          </a:p>
+        </p:txBody>
+      </p:sp>
     </p:spTree>
     <p:extLst>
       <p:ext uri="{BB962C8B-B14F-4D97-AF65-F5344CB8AC3E}">
@@ -5201,80 +6382,12 @@
           <a:chExt cx="0" cy="0"/>
         </a:xfrm>
       </p:grpSpPr>
-      <p:sp>
-        <p:nvSpPr>
-          <p:cNvPr id="2" name="Title 1">
-            <a:extLst>
-              <a:ext uri="{FF2B5EF4-FFF2-40B4-BE49-F238E27FC236}">
-                <a16:creationId xmlns:a16="http://schemas.microsoft.com/office/drawing/2014/main" id="{6302F401-D296-CBBA-762B-C37F025E0250}"/>
-              </a:ext>
-            </a:extLst>
-          </p:cNvPr>
-          <p:cNvSpPr>
-            <a:spLocks noGrp="1"/>
-          </p:cNvSpPr>
-          <p:nvPr>
-            <p:ph type="title"/>
-          </p:nvPr>
-        </p:nvSpPr>
-        <p:spPr/>
-        <p:txBody>
-          <a:bodyPr>
-            <a:normAutofit/>
-          </a:bodyPr>
-          <a:lstStyle/>
-          <a:p>
-            <a:r>
-              <a:rPr lang="en-US" altLang="zh-TW" sz="4000" dirty="0">
-                <a:latin typeface="Times New Roman" panose="02020603050405020304" pitchFamily="18" charset="0"/>
-                <a:cs typeface="Times New Roman" panose="02020603050405020304" pitchFamily="18" charset="0"/>
-              </a:rPr>
-              <a:t>Methodology</a:t>
-            </a:r>
-            <a:endParaRPr lang="zh-TW" altLang="en-US" sz="4000" dirty="0">
-              <a:latin typeface="Times New Roman" panose="02020603050405020304" pitchFamily="18" charset="0"/>
-              <a:cs typeface="Times New Roman" panose="02020603050405020304" pitchFamily="18" charset="0"/>
-            </a:endParaRPr>
-          </a:p>
-        </p:txBody>
-      </p:sp>
       <p:pic>
         <p:nvPicPr>
-          <p:cNvPr id="8" name="Content Placeholder 7">
-            <a:extLst>
-              <a:ext uri="{FF2B5EF4-FFF2-40B4-BE49-F238E27FC236}">
-                <a16:creationId xmlns:a16="http://schemas.microsoft.com/office/drawing/2014/main" id="{FC500C6D-B6D0-00F5-0833-FEECCBF9445A}"/>
-              </a:ext>
-            </a:extLst>
-          </p:cNvPr>
-          <p:cNvPicPr>
-            <a:picLocks noGrp="1" noChangeAspect="1"/>
-          </p:cNvPicPr>
-          <p:nvPr>
-            <p:ph idx="1"/>
-          </p:nvPr>
-        </p:nvPicPr>
-        <p:blipFill>
-          <a:blip r:embed="rId2"/>
-          <a:srcRect b="6414"/>
-          <a:stretch/>
-        </p:blipFill>
-        <p:spPr>
-          <a:xfrm>
-            <a:off x="620919" y="1618260"/>
-            <a:ext cx="5187257" cy="4544682"/>
-          </a:xfrm>
-          <a:prstGeom prst="rect">
-            <a:avLst/>
-          </a:prstGeom>
-        </p:spPr>
-      </p:pic>
-      <p:pic>
-        <p:nvPicPr>
-          <p:cNvPr id="4" name="Picture 3">
-            <a:extLst>
-              <a:ext uri="{FF2B5EF4-FFF2-40B4-BE49-F238E27FC236}">
-                <a16:creationId xmlns:a16="http://schemas.microsoft.com/office/drawing/2014/main" id="{D5DA28B8-190B-47DC-1B5A-AEBADEB7E602}"/>
+          <p:cNvPr id="33" name="Picture 32">
+            <a:extLst>
+              <a:ext uri="{FF2B5EF4-FFF2-40B4-BE49-F238E27FC236}">
+                <a16:creationId xmlns:a16="http://schemas.microsoft.com/office/drawing/2014/main" id="{018866D2-DC15-229D-4227-45C30C672CA1}"/>
               </a:ext>
             </a:extLst>
           </p:cNvPr>
@@ -5284,21 +6397,668 @@
           <p:nvPr/>
         </p:nvPicPr>
         <p:blipFill>
-          <a:blip r:embed="rId3"/>
+          <a:blip r:embed="rId2"/>
           <a:stretch>
             <a:fillRect/>
           </a:stretch>
         </p:blipFill>
         <p:spPr>
-          <a:xfrm>
-            <a:off x="8069801" y="873997"/>
-            <a:ext cx="3084823" cy="2221395"/>
+          <a:xfrm rot="18834041">
+            <a:off x="8938711" y="2607352"/>
+            <a:ext cx="746396" cy="260727"/>
           </a:xfrm>
           <a:prstGeom prst="rect">
             <a:avLst/>
           </a:prstGeom>
         </p:spPr>
       </p:pic>
+      <p:pic>
+        <p:nvPicPr>
+          <p:cNvPr id="8" name="Content Placeholder 7">
+            <a:extLst>
+              <a:ext uri="{FF2B5EF4-FFF2-40B4-BE49-F238E27FC236}">
+                <a16:creationId xmlns:a16="http://schemas.microsoft.com/office/drawing/2014/main" id="{FC500C6D-B6D0-00F5-0833-FEECCBF9445A}"/>
+              </a:ext>
+            </a:extLst>
+          </p:cNvPr>
+          <p:cNvPicPr>
+            <a:picLocks noGrp="1" noChangeAspect="1"/>
+          </p:cNvPicPr>
+          <p:nvPr>
+            <p:ph idx="1"/>
+          </p:nvPr>
+        </p:nvPicPr>
+        <p:blipFill>
+          <a:blip r:embed="rId3"/>
+          <a:srcRect b="6414"/>
+          <a:stretch/>
+        </p:blipFill>
+        <p:spPr>
+          <a:xfrm>
+            <a:off x="93144" y="1334751"/>
+            <a:ext cx="6090543" cy="5336073"/>
+          </a:xfrm>
+          <a:prstGeom prst="rect">
+            <a:avLst/>
+          </a:prstGeom>
+        </p:spPr>
+      </p:pic>
+      <p:sp>
+        <p:nvSpPr>
+          <p:cNvPr id="2" name="Title 1">
+            <a:extLst>
+              <a:ext uri="{FF2B5EF4-FFF2-40B4-BE49-F238E27FC236}">
+                <a16:creationId xmlns:a16="http://schemas.microsoft.com/office/drawing/2014/main" id="{6302F401-D296-CBBA-762B-C37F025E0250}"/>
+              </a:ext>
+            </a:extLst>
+          </p:cNvPr>
+          <p:cNvSpPr>
+            <a:spLocks noGrp="1"/>
+          </p:cNvSpPr>
+          <p:nvPr>
+            <p:ph type="title"/>
+          </p:nvPr>
+        </p:nvSpPr>
+        <p:spPr/>
+        <p:txBody>
+          <a:bodyPr>
+            <a:normAutofit/>
+          </a:bodyPr>
+          <a:lstStyle/>
+          <a:p>
+            <a:r>
+              <a:rPr lang="en-US" altLang="zh-TW" sz="4000" dirty="0">
+                <a:latin typeface="Times New Roman" panose="02020603050405020304" pitchFamily="18" charset="0"/>
+                <a:cs typeface="Times New Roman" panose="02020603050405020304" pitchFamily="18" charset="0"/>
+              </a:rPr>
+              <a:t>Methodology</a:t>
+            </a:r>
+            <a:endParaRPr lang="zh-TW" altLang="en-US" sz="4000" dirty="0">
+              <a:latin typeface="Times New Roman" panose="02020603050405020304" pitchFamily="18" charset="0"/>
+              <a:cs typeface="Times New Roman" panose="02020603050405020304" pitchFamily="18" charset="0"/>
+            </a:endParaRPr>
+          </a:p>
+        </p:txBody>
+      </p:sp>
+      <p:pic>
+        <p:nvPicPr>
+          <p:cNvPr id="11" name="Picture 10">
+            <a:extLst>
+              <a:ext uri="{FF2B5EF4-FFF2-40B4-BE49-F238E27FC236}">
+                <a16:creationId xmlns:a16="http://schemas.microsoft.com/office/drawing/2014/main" id="{60ECBDB1-0DCF-4FA0-D1B3-9208C0C59631}"/>
+              </a:ext>
+            </a:extLst>
+          </p:cNvPr>
+          <p:cNvPicPr>
+            <a:picLocks noChangeAspect="1"/>
+          </p:cNvPicPr>
+          <p:nvPr/>
+        </p:nvPicPr>
+        <p:blipFill>
+          <a:blip r:embed="rId4"/>
+          <a:stretch>
+            <a:fillRect/>
+          </a:stretch>
+        </p:blipFill>
+        <p:spPr>
+          <a:xfrm>
+            <a:off x="6574692" y="5250607"/>
+            <a:ext cx="5242482" cy="1344226"/>
+          </a:xfrm>
+          <a:prstGeom prst="rect">
+            <a:avLst/>
+          </a:prstGeom>
+        </p:spPr>
+      </p:pic>
+      <p:pic>
+        <p:nvPicPr>
+          <p:cNvPr id="13" name="Picture 12">
+            <a:extLst>
+              <a:ext uri="{FF2B5EF4-FFF2-40B4-BE49-F238E27FC236}">
+                <a16:creationId xmlns:a16="http://schemas.microsoft.com/office/drawing/2014/main" id="{F50B1A65-E952-FEEE-B6B3-0FBD010AFBEA}"/>
+              </a:ext>
+            </a:extLst>
+          </p:cNvPr>
+          <p:cNvPicPr>
+            <a:picLocks noChangeAspect="1"/>
+          </p:cNvPicPr>
+          <p:nvPr/>
+        </p:nvPicPr>
+        <p:blipFill>
+          <a:blip r:embed="rId5"/>
+          <a:srcRect t="-1" b="543"/>
+          <a:stretch/>
+        </p:blipFill>
+        <p:spPr>
+          <a:xfrm>
+            <a:off x="9799460" y="3733728"/>
+            <a:ext cx="1944071" cy="1325563"/>
+          </a:xfrm>
+          <a:prstGeom prst="rect">
+            <a:avLst/>
+          </a:prstGeom>
+        </p:spPr>
+      </p:pic>
+      <p:pic>
+        <p:nvPicPr>
+          <p:cNvPr id="15" name="Picture 14">
+            <a:extLst>
+              <a:ext uri="{FF2B5EF4-FFF2-40B4-BE49-F238E27FC236}">
+                <a16:creationId xmlns:a16="http://schemas.microsoft.com/office/drawing/2014/main" id="{07AE0F0D-2ACA-99DB-F740-D6F49C7033F7}"/>
+              </a:ext>
+            </a:extLst>
+          </p:cNvPr>
+          <p:cNvPicPr>
+            <a:picLocks noChangeAspect="1"/>
+          </p:cNvPicPr>
+          <p:nvPr/>
+        </p:nvPicPr>
+        <p:blipFill>
+          <a:blip r:embed="rId2"/>
+          <a:stretch>
+            <a:fillRect/>
+          </a:stretch>
+        </p:blipFill>
+        <p:spPr>
+          <a:xfrm>
+            <a:off x="8106569" y="813518"/>
+            <a:ext cx="905260" cy="316221"/>
+          </a:xfrm>
+          <a:prstGeom prst="rect">
+            <a:avLst/>
+          </a:prstGeom>
+        </p:spPr>
+      </p:pic>
+      <p:pic>
+        <p:nvPicPr>
+          <p:cNvPr id="17" name="Picture 16">
+            <a:extLst>
+              <a:ext uri="{FF2B5EF4-FFF2-40B4-BE49-F238E27FC236}">
+                <a16:creationId xmlns:a16="http://schemas.microsoft.com/office/drawing/2014/main" id="{8A239BC8-7C37-C217-501B-2AB578319216}"/>
+              </a:ext>
+            </a:extLst>
+          </p:cNvPr>
+          <p:cNvPicPr>
+            <a:picLocks noChangeAspect="1"/>
+          </p:cNvPicPr>
+          <p:nvPr/>
+        </p:nvPicPr>
+        <p:blipFill>
+          <a:blip r:embed="rId6"/>
+          <a:stretch>
+            <a:fillRect/>
+          </a:stretch>
+        </p:blipFill>
+        <p:spPr>
+          <a:xfrm>
+            <a:off x="7117337" y="605483"/>
+            <a:ext cx="924292" cy="684217"/>
+          </a:xfrm>
+          <a:prstGeom prst="rect">
+            <a:avLst/>
+          </a:prstGeom>
+        </p:spPr>
+      </p:pic>
+      <p:sp>
+        <p:nvSpPr>
+          <p:cNvPr id="20" name="TextBox 19">
+            <a:extLst>
+              <a:ext uri="{FF2B5EF4-FFF2-40B4-BE49-F238E27FC236}">
+                <a16:creationId xmlns:a16="http://schemas.microsoft.com/office/drawing/2014/main" id="{00C26C28-A0CB-9235-822F-58806B9C8888}"/>
+              </a:ext>
+            </a:extLst>
+          </p:cNvPr>
+          <p:cNvSpPr txBox="1"/>
+          <p:nvPr/>
+        </p:nvSpPr>
+        <p:spPr>
+          <a:xfrm>
+            <a:off x="6294452" y="459584"/>
+            <a:ext cx="394438" cy="400110"/>
+          </a:xfrm>
+          <a:prstGeom prst="rect">
+            <a:avLst/>
+          </a:prstGeom>
+          <a:noFill/>
+        </p:spPr>
+        <p:txBody>
+          <a:bodyPr wrap="square" rtlCol="0">
+            <a:spAutoFit/>
+          </a:bodyPr>
+          <a:lstStyle/>
+          <a:p>
+            <a:r>
+              <a:rPr lang="en-US" altLang="zh-TW" sz="2000" dirty="0"/>
+              <a:t>1.</a:t>
+            </a:r>
+            <a:r>
+              <a:rPr lang="zh-TW" altLang="en-US" sz="2000" dirty="0"/>
+              <a:t> </a:t>
+            </a:r>
+            <a:r>
+              <a:rPr lang="en-US" altLang="zh-TW" sz="2000" dirty="0"/>
+              <a:t> </a:t>
+            </a:r>
+            <a:endParaRPr lang="zh-TW" altLang="en-US" sz="2000" dirty="0"/>
+          </a:p>
+        </p:txBody>
+      </p:sp>
+      <p:pic>
+        <p:nvPicPr>
+          <p:cNvPr id="21" name="Picture 20">
+            <a:extLst>
+              <a:ext uri="{FF2B5EF4-FFF2-40B4-BE49-F238E27FC236}">
+                <a16:creationId xmlns:a16="http://schemas.microsoft.com/office/drawing/2014/main" id="{53262330-B599-4F27-3D0B-A217E15394F8}"/>
+              </a:ext>
+            </a:extLst>
+          </p:cNvPr>
+          <p:cNvPicPr>
+            <a:picLocks noChangeAspect="1"/>
+          </p:cNvPicPr>
+          <p:nvPr/>
+        </p:nvPicPr>
+        <p:blipFill>
+          <a:blip r:embed="rId6"/>
+          <a:stretch>
+            <a:fillRect/>
+          </a:stretch>
+        </p:blipFill>
+        <p:spPr>
+          <a:xfrm>
+            <a:off x="9011829" y="605444"/>
+            <a:ext cx="924292" cy="684217"/>
+          </a:xfrm>
+          <a:prstGeom prst="rect">
+            <a:avLst/>
+          </a:prstGeom>
+        </p:spPr>
+      </p:pic>
+      <p:sp>
+        <p:nvSpPr>
+          <p:cNvPr id="22" name="TextBox 21">
+            <a:extLst>
+              <a:ext uri="{FF2B5EF4-FFF2-40B4-BE49-F238E27FC236}">
+                <a16:creationId xmlns:a16="http://schemas.microsoft.com/office/drawing/2014/main" id="{ECE95288-5109-5664-AE60-91C0B47CDBD0}"/>
+              </a:ext>
+            </a:extLst>
+          </p:cNvPr>
+          <p:cNvSpPr txBox="1"/>
+          <p:nvPr/>
+        </p:nvSpPr>
+        <p:spPr>
+          <a:xfrm>
+            <a:off x="511992" y="3429000"/>
+            <a:ext cx="518544" cy="400110"/>
+          </a:xfrm>
+          <a:prstGeom prst="rect">
+            <a:avLst/>
+          </a:prstGeom>
+          <a:noFill/>
+        </p:spPr>
+        <p:txBody>
+          <a:bodyPr wrap="square" rtlCol="0">
+            <a:spAutoFit/>
+          </a:bodyPr>
+          <a:lstStyle/>
+          <a:p>
+            <a:r>
+              <a:rPr lang="en-US" altLang="zh-TW" sz="2000" b="1" dirty="0">
+                <a:solidFill>
+                  <a:srgbClr val="FF0000"/>
+                </a:solidFill>
+              </a:rPr>
+              <a:t>1.</a:t>
+            </a:r>
+            <a:r>
+              <a:rPr lang="zh-TW" altLang="en-US" sz="2000" b="1" dirty="0">
+                <a:solidFill>
+                  <a:srgbClr val="FF0000"/>
+                </a:solidFill>
+              </a:rPr>
+              <a:t> </a:t>
+            </a:r>
+            <a:r>
+              <a:rPr lang="en-US" altLang="zh-TW" sz="2000" b="1" dirty="0">
+                <a:solidFill>
+                  <a:srgbClr val="FF0000"/>
+                </a:solidFill>
+              </a:rPr>
+              <a:t> </a:t>
+            </a:r>
+            <a:endParaRPr lang="zh-TW" altLang="en-US" sz="2000" b="1" dirty="0">
+              <a:solidFill>
+                <a:srgbClr val="FF0000"/>
+              </a:solidFill>
+            </a:endParaRPr>
+          </a:p>
+        </p:txBody>
+      </p:sp>
+      <p:sp>
+        <p:nvSpPr>
+          <p:cNvPr id="23" name="TextBox 22">
+            <a:extLst>
+              <a:ext uri="{FF2B5EF4-FFF2-40B4-BE49-F238E27FC236}">
+                <a16:creationId xmlns:a16="http://schemas.microsoft.com/office/drawing/2014/main" id="{E369AA8F-2E18-8400-4DB8-34E149B87E97}"/>
+              </a:ext>
+            </a:extLst>
+          </p:cNvPr>
+          <p:cNvSpPr txBox="1"/>
+          <p:nvPr/>
+        </p:nvSpPr>
+        <p:spPr>
+          <a:xfrm>
+            <a:off x="511992" y="4034427"/>
+            <a:ext cx="518544" cy="400110"/>
+          </a:xfrm>
+          <a:prstGeom prst="rect">
+            <a:avLst/>
+          </a:prstGeom>
+          <a:noFill/>
+        </p:spPr>
+        <p:txBody>
+          <a:bodyPr wrap="square" rtlCol="0">
+            <a:spAutoFit/>
+          </a:bodyPr>
+          <a:lstStyle/>
+          <a:p>
+            <a:r>
+              <a:rPr lang="en-US" altLang="zh-TW" sz="2000" b="1" dirty="0">
+                <a:solidFill>
+                  <a:srgbClr val="FF0000"/>
+                </a:solidFill>
+              </a:rPr>
+              <a:t>2.</a:t>
+            </a:r>
+            <a:endParaRPr lang="zh-TW" altLang="en-US" sz="2000" b="1" dirty="0">
+              <a:solidFill>
+                <a:srgbClr val="FF0000"/>
+              </a:solidFill>
+            </a:endParaRPr>
+          </a:p>
+        </p:txBody>
+      </p:sp>
+      <p:sp>
+        <p:nvSpPr>
+          <p:cNvPr id="24" name="TextBox 23">
+            <a:extLst>
+              <a:ext uri="{FF2B5EF4-FFF2-40B4-BE49-F238E27FC236}">
+                <a16:creationId xmlns:a16="http://schemas.microsoft.com/office/drawing/2014/main" id="{1FEE36D8-41F9-5546-22A1-A51C7306C9EA}"/>
+              </a:ext>
+            </a:extLst>
+          </p:cNvPr>
+          <p:cNvSpPr txBox="1"/>
+          <p:nvPr/>
+        </p:nvSpPr>
+        <p:spPr>
+          <a:xfrm>
+            <a:off x="3621373" y="3980701"/>
+            <a:ext cx="518544" cy="400110"/>
+          </a:xfrm>
+          <a:prstGeom prst="rect">
+            <a:avLst/>
+          </a:prstGeom>
+          <a:noFill/>
+        </p:spPr>
+        <p:txBody>
+          <a:bodyPr wrap="square" rtlCol="0">
+            <a:spAutoFit/>
+          </a:bodyPr>
+          <a:lstStyle/>
+          <a:p>
+            <a:r>
+              <a:rPr lang="en-US" altLang="zh-TW" sz="2000" b="1" dirty="0">
+                <a:solidFill>
+                  <a:srgbClr val="FF0000"/>
+                </a:solidFill>
+              </a:rPr>
+              <a:t>3.</a:t>
+            </a:r>
+            <a:endParaRPr lang="zh-TW" altLang="en-US" sz="2000" b="1" dirty="0">
+              <a:solidFill>
+                <a:srgbClr val="FF0000"/>
+              </a:solidFill>
+            </a:endParaRPr>
+          </a:p>
+        </p:txBody>
+      </p:sp>
+      <p:pic>
+        <p:nvPicPr>
+          <p:cNvPr id="25" name="Picture 24">
+            <a:extLst>
+              <a:ext uri="{FF2B5EF4-FFF2-40B4-BE49-F238E27FC236}">
+                <a16:creationId xmlns:a16="http://schemas.microsoft.com/office/drawing/2014/main" id="{9CEC0DDF-72B3-506B-67F4-092C10F73910}"/>
+              </a:ext>
+            </a:extLst>
+          </p:cNvPr>
+          <p:cNvPicPr>
+            <a:picLocks noChangeAspect="1"/>
+          </p:cNvPicPr>
+          <p:nvPr/>
+        </p:nvPicPr>
+        <p:blipFill>
+          <a:blip r:embed="rId6"/>
+          <a:stretch>
+            <a:fillRect/>
+          </a:stretch>
+        </p:blipFill>
+        <p:spPr>
+          <a:xfrm>
+            <a:off x="7172810" y="1785146"/>
+            <a:ext cx="924292" cy="684217"/>
+          </a:xfrm>
+          <a:prstGeom prst="rect">
+            <a:avLst/>
+          </a:prstGeom>
+        </p:spPr>
+      </p:pic>
+      <p:pic>
+        <p:nvPicPr>
+          <p:cNvPr id="26" name="Picture 25">
+            <a:extLst>
+              <a:ext uri="{FF2B5EF4-FFF2-40B4-BE49-F238E27FC236}">
+                <a16:creationId xmlns:a16="http://schemas.microsoft.com/office/drawing/2014/main" id="{7DB5AD5A-440C-B927-9D93-1ACB41D8BA44}"/>
+              </a:ext>
+            </a:extLst>
+          </p:cNvPr>
+          <p:cNvPicPr>
+            <a:picLocks noChangeAspect="1"/>
+          </p:cNvPicPr>
+          <p:nvPr/>
+        </p:nvPicPr>
+        <p:blipFill>
+          <a:blip r:embed="rId6"/>
+          <a:stretch>
+            <a:fillRect/>
+          </a:stretch>
+        </p:blipFill>
+        <p:spPr>
+          <a:xfrm>
+            <a:off x="9011829" y="1777274"/>
+            <a:ext cx="924292" cy="684217"/>
+          </a:xfrm>
+          <a:prstGeom prst="rect">
+            <a:avLst/>
+          </a:prstGeom>
+        </p:spPr>
+      </p:pic>
+      <p:pic>
+        <p:nvPicPr>
+          <p:cNvPr id="28" name="Picture 27">
+            <a:extLst>
+              <a:ext uri="{FF2B5EF4-FFF2-40B4-BE49-F238E27FC236}">
+                <a16:creationId xmlns:a16="http://schemas.microsoft.com/office/drawing/2014/main" id="{866D0CFF-9874-15FE-C51B-F259A38F7C5B}"/>
+              </a:ext>
+            </a:extLst>
+          </p:cNvPr>
+          <p:cNvPicPr>
+            <a:picLocks noChangeAspect="1"/>
+          </p:cNvPicPr>
+          <p:nvPr/>
+        </p:nvPicPr>
+        <p:blipFill>
+          <a:blip r:embed="rId7"/>
+          <a:stretch>
+            <a:fillRect/>
+          </a:stretch>
+        </p:blipFill>
+        <p:spPr>
+          <a:xfrm>
+            <a:off x="8091904" y="2680295"/>
+            <a:ext cx="924267" cy="833443"/>
+          </a:xfrm>
+          <a:prstGeom prst="rect">
+            <a:avLst/>
+          </a:prstGeom>
+        </p:spPr>
+      </p:pic>
+      <p:sp>
+        <p:nvSpPr>
+          <p:cNvPr id="29" name="TextBox 28">
+            <a:extLst>
+              <a:ext uri="{FF2B5EF4-FFF2-40B4-BE49-F238E27FC236}">
+                <a16:creationId xmlns:a16="http://schemas.microsoft.com/office/drawing/2014/main" id="{035D8D32-A121-8A92-70D6-E2060175F90E}"/>
+              </a:ext>
+            </a:extLst>
+          </p:cNvPr>
+          <p:cNvSpPr txBox="1"/>
+          <p:nvPr/>
+        </p:nvSpPr>
+        <p:spPr>
+          <a:xfrm>
+            <a:off x="6294452" y="1777274"/>
+            <a:ext cx="560480" cy="400110"/>
+          </a:xfrm>
+          <a:prstGeom prst="rect">
+            <a:avLst/>
+          </a:prstGeom>
+          <a:noFill/>
+        </p:spPr>
+        <p:txBody>
+          <a:bodyPr wrap="square" rtlCol="0">
+            <a:spAutoFit/>
+          </a:bodyPr>
+          <a:lstStyle/>
+          <a:p>
+            <a:r>
+              <a:rPr lang="en-US" altLang="zh-TW" sz="2000" dirty="0"/>
+              <a:t>2.</a:t>
+            </a:r>
+            <a:r>
+              <a:rPr lang="zh-TW" altLang="en-US" sz="2000" dirty="0"/>
+              <a:t> </a:t>
+            </a:r>
+            <a:r>
+              <a:rPr lang="en-US" altLang="zh-TW" sz="2000" dirty="0"/>
+              <a:t> </a:t>
+            </a:r>
+            <a:endParaRPr lang="zh-TW" altLang="en-US" sz="2000" dirty="0"/>
+          </a:p>
+        </p:txBody>
+      </p:sp>
+      <p:pic>
+        <p:nvPicPr>
+          <p:cNvPr id="31" name="Picture 30">
+            <a:extLst>
+              <a:ext uri="{FF2B5EF4-FFF2-40B4-BE49-F238E27FC236}">
+                <a16:creationId xmlns:a16="http://schemas.microsoft.com/office/drawing/2014/main" id="{676E20D5-1B06-E1B3-8756-0078A2E75302}"/>
+              </a:ext>
+            </a:extLst>
+          </p:cNvPr>
+          <p:cNvPicPr>
+            <a:picLocks noChangeAspect="1"/>
+          </p:cNvPicPr>
+          <p:nvPr/>
+        </p:nvPicPr>
+        <p:blipFill>
+          <a:blip r:embed="rId8"/>
+          <a:stretch>
+            <a:fillRect/>
+          </a:stretch>
+        </p:blipFill>
+        <p:spPr>
+          <a:xfrm>
+            <a:off x="8175710" y="2015238"/>
+            <a:ext cx="766977" cy="247685"/>
+          </a:xfrm>
+          <a:prstGeom prst="rect">
+            <a:avLst/>
+          </a:prstGeom>
+        </p:spPr>
+      </p:pic>
+      <p:pic>
+        <p:nvPicPr>
+          <p:cNvPr id="32" name="Picture 31">
+            <a:extLst>
+              <a:ext uri="{FF2B5EF4-FFF2-40B4-BE49-F238E27FC236}">
+                <a16:creationId xmlns:a16="http://schemas.microsoft.com/office/drawing/2014/main" id="{7F205BF3-E4DF-68ED-8A8C-E7ACC85659C2}"/>
+              </a:ext>
+            </a:extLst>
+          </p:cNvPr>
+          <p:cNvPicPr>
+            <a:picLocks noChangeAspect="1"/>
+          </p:cNvPicPr>
+          <p:nvPr/>
+        </p:nvPicPr>
+        <p:blipFill>
+          <a:blip r:embed="rId2"/>
+          <a:stretch>
+            <a:fillRect/>
+          </a:stretch>
+        </p:blipFill>
+        <p:spPr>
+          <a:xfrm rot="13657453">
+            <a:off x="7428700" y="2633275"/>
+            <a:ext cx="746396" cy="260727"/>
+          </a:xfrm>
+          <a:prstGeom prst="rect">
+            <a:avLst/>
+          </a:prstGeom>
+        </p:spPr>
+      </p:pic>
+      <p:sp>
+        <p:nvSpPr>
+          <p:cNvPr id="34" name="TextBox 33">
+            <a:extLst>
+              <a:ext uri="{FF2B5EF4-FFF2-40B4-BE49-F238E27FC236}">
+                <a16:creationId xmlns:a16="http://schemas.microsoft.com/office/drawing/2014/main" id="{A1D37150-A4F1-FEBB-4AD3-676BD806541D}"/>
+              </a:ext>
+            </a:extLst>
+          </p:cNvPr>
+          <p:cNvSpPr txBox="1"/>
+          <p:nvPr/>
+        </p:nvSpPr>
+        <p:spPr>
+          <a:xfrm>
+            <a:off x="6258394" y="3932917"/>
+            <a:ext cx="560480" cy="400110"/>
+          </a:xfrm>
+          <a:prstGeom prst="rect">
+            <a:avLst/>
+          </a:prstGeom>
+          <a:noFill/>
+        </p:spPr>
+        <p:txBody>
+          <a:bodyPr wrap="square" rtlCol="0">
+            <a:spAutoFit/>
+          </a:bodyPr>
+          <a:lstStyle/>
+          <a:p>
+            <a:r>
+              <a:rPr lang="en-US" altLang="zh-TW" sz="2000" dirty="0"/>
+              <a:t>3.</a:t>
+            </a:r>
+            <a:r>
+              <a:rPr lang="zh-TW" altLang="en-US" sz="2000" dirty="0"/>
+              <a:t> </a:t>
+            </a:r>
+            <a:r>
+              <a:rPr lang="en-US" altLang="zh-TW" sz="2000" dirty="0"/>
+              <a:t> </a:t>
+            </a:r>
+            <a:endParaRPr lang="zh-TW" altLang="en-US" sz="2000" dirty="0"/>
+          </a:p>
+        </p:txBody>
+      </p:sp>
     </p:spTree>
     <p:extLst>
       <p:ext uri="{BB962C8B-B14F-4D97-AF65-F5344CB8AC3E}">
@@ -5320,7 +7080,7 @@
         <p:cNvPr id="1" name="">
           <a:extLst>
             <a:ext uri="{FF2B5EF4-FFF2-40B4-BE49-F238E27FC236}">
-              <a16:creationId xmlns:a16="http://schemas.microsoft.com/office/drawing/2014/main" id="{E6AD81E1-1542-AD50-1910-B7C8A3F41A73}"/>
+              <a16:creationId xmlns:a16="http://schemas.microsoft.com/office/drawing/2014/main" id="{97A7127A-FC0F-C8C9-57CA-8F3DB52BED1A}"/>
             </a:ext>
           </a:extLst>
         </p:cNvPr>
@@ -5340,7 +7100,7 @@
           <p:cNvPr id="2" name="Title 1">
             <a:extLst>
               <a:ext uri="{FF2B5EF4-FFF2-40B4-BE49-F238E27FC236}">
-                <a16:creationId xmlns:a16="http://schemas.microsoft.com/office/drawing/2014/main" id="{6302F401-D296-CBBA-762B-C37F025E0250}"/>
+                <a16:creationId xmlns:a16="http://schemas.microsoft.com/office/drawing/2014/main" id="{3113AFB4-A2C2-9DFC-355E-D657E8A84519}"/>
               </a:ext>
             </a:extLst>
           </p:cNvPr>
@@ -5374,28 +7134,29 @@
       </p:sp>
       <p:pic>
         <p:nvPicPr>
-          <p:cNvPr id="4" name="Picture 3">
-            <a:extLst>
-              <a:ext uri="{FF2B5EF4-FFF2-40B4-BE49-F238E27FC236}">
-                <a16:creationId xmlns:a16="http://schemas.microsoft.com/office/drawing/2014/main" id="{D5DA28B8-190B-47DC-1B5A-AEBADEB7E602}"/>
+          <p:cNvPr id="3" name="Content Placeholder 7">
+            <a:extLst>
+              <a:ext uri="{FF2B5EF4-FFF2-40B4-BE49-F238E27FC236}">
+                <a16:creationId xmlns:a16="http://schemas.microsoft.com/office/drawing/2014/main" id="{686F71C9-1E23-E6FE-0681-34A5BF5D942C}"/>
               </a:ext>
             </a:extLst>
           </p:cNvPr>
           <p:cNvPicPr>
-            <a:picLocks noChangeAspect="1"/>
+            <a:picLocks noGrp="1" noChangeAspect="1"/>
           </p:cNvPicPr>
-          <p:nvPr/>
+          <p:nvPr>
+            <p:ph idx="1"/>
+          </p:nvPr>
         </p:nvPicPr>
         <p:blipFill>
           <a:blip r:embed="rId2"/>
-          <a:stretch>
-            <a:fillRect/>
-          </a:stretch>
+          <a:srcRect l="6482" b="6414"/>
+          <a:stretch/>
         </p:blipFill>
         <p:spPr>
           <a:xfrm>
-            <a:off x="6720080" y="4384900"/>
-            <a:ext cx="3084823" cy="2221395"/>
+            <a:off x="111070" y="1927172"/>
+            <a:ext cx="4205283" cy="3939717"/>
           </a:xfrm>
           <a:prstGeom prst="rect">
             <a:avLst/>
@@ -5404,10 +7165,10 @@
       </p:pic>
       <p:pic>
         <p:nvPicPr>
-          <p:cNvPr id="7" name="圖片 6">
-            <a:extLst>
-              <a:ext uri="{FF2B5EF4-FFF2-40B4-BE49-F238E27FC236}">
-                <a16:creationId xmlns:a16="http://schemas.microsoft.com/office/drawing/2014/main" id="{22FE5775-B2F9-4D06-3F90-666D48E1E4D8}"/>
+          <p:cNvPr id="5" name="圖片 6">
+            <a:extLst>
+              <a:ext uri="{FF2B5EF4-FFF2-40B4-BE49-F238E27FC236}">
+                <a16:creationId xmlns:a16="http://schemas.microsoft.com/office/drawing/2014/main" id="{749C9B87-35D8-3D0D-D7B1-0323572CF626}"/>
               </a:ext>
             </a:extLst>
           </p:cNvPr>
@@ -5424,8 +7185,8 @@
         </p:blipFill>
         <p:spPr>
           <a:xfrm>
-            <a:off x="696588" y="1540048"/>
-            <a:ext cx="4720941" cy="1755413"/>
+            <a:off x="5076073" y="1636856"/>
+            <a:ext cx="6210221" cy="2309180"/>
           </a:xfrm>
           <a:prstGeom prst="rect">
             <a:avLst/>
@@ -5434,10 +7195,10 @@
       </p:pic>
       <p:pic>
         <p:nvPicPr>
-          <p:cNvPr id="10" name="圖片 9">
-            <a:extLst>
-              <a:ext uri="{FF2B5EF4-FFF2-40B4-BE49-F238E27FC236}">
-                <a16:creationId xmlns:a16="http://schemas.microsoft.com/office/drawing/2014/main" id="{0AF73F63-4361-D334-A6DA-9FA89B2FCB61}"/>
+          <p:cNvPr id="8" name="Picture 7">
+            <a:extLst>
+              <a:ext uri="{FF2B5EF4-FFF2-40B4-BE49-F238E27FC236}">
+                <a16:creationId xmlns:a16="http://schemas.microsoft.com/office/drawing/2014/main" id="{528B0600-95E5-475A-2E21-F93F158A0B61}"/>
               </a:ext>
             </a:extLst>
           </p:cNvPr>
@@ -5454,48 +7215,70 @@
         </p:blipFill>
         <p:spPr>
           <a:xfrm>
-            <a:off x="1834237" y="4031683"/>
-            <a:ext cx="3204320" cy="2213293"/>
+            <a:off x="4738476" y="4633590"/>
+            <a:ext cx="7017382" cy="1168354"/>
           </a:xfrm>
           <a:prstGeom prst="rect">
             <a:avLst/>
           </a:prstGeom>
         </p:spPr>
       </p:pic>
-      <p:pic>
-        <p:nvPicPr>
-          <p:cNvPr id="14" name="圖片 13">
-            <a:extLst>
-              <a:ext uri="{FF2B5EF4-FFF2-40B4-BE49-F238E27FC236}">
-                <a16:creationId xmlns:a16="http://schemas.microsoft.com/office/drawing/2014/main" id="{6B9D6AB1-F4A6-B7B7-42D4-3FEA5526F258}"/>
-              </a:ext>
-            </a:extLst>
-          </p:cNvPr>
-          <p:cNvPicPr>
-            <a:picLocks noChangeAspect="1"/>
-          </p:cNvPicPr>
+      <p:sp>
+        <p:nvSpPr>
+          <p:cNvPr id="9" name="Rectangle: Rounded Corners 8">
+            <a:extLst>
+              <a:ext uri="{FF2B5EF4-FFF2-40B4-BE49-F238E27FC236}">
+                <a16:creationId xmlns:a16="http://schemas.microsoft.com/office/drawing/2014/main" id="{6D192BA7-B125-1345-E423-22FC7B7D5E07}"/>
+              </a:ext>
+            </a:extLst>
+          </p:cNvPr>
+          <p:cNvSpPr/>
           <p:nvPr/>
-        </p:nvPicPr>
-        <p:blipFill>
-          <a:blip r:embed="rId5"/>
-          <a:stretch>
-            <a:fillRect/>
-          </a:stretch>
-        </p:blipFill>
+        </p:nvSpPr>
         <p:spPr>
           <a:xfrm>
-            <a:off x="6790688" y="1540048"/>
-            <a:ext cx="4563112" cy="2229161"/>
-          </a:xfrm>
-          <a:prstGeom prst="rect">
+            <a:off x="159560" y="3148236"/>
+            <a:ext cx="2417943" cy="895990"/>
+          </a:xfrm>
+          <a:prstGeom prst="roundRect">
             <a:avLst/>
           </a:prstGeom>
-        </p:spPr>
-      </p:pic>
+          <a:noFill/>
+          <a:ln w="38100">
+            <a:solidFill>
+              <a:srgbClr val="FF0000"/>
+            </a:solidFill>
+          </a:ln>
+        </p:spPr>
+        <p:style>
+          <a:lnRef idx="2">
+            <a:schemeClr val="accent1">
+              <a:shade val="15000"/>
+            </a:schemeClr>
+          </a:lnRef>
+          <a:fillRef idx="1">
+            <a:schemeClr val="accent1"/>
+          </a:fillRef>
+          <a:effectRef idx="0">
+            <a:schemeClr val="accent1"/>
+          </a:effectRef>
+          <a:fontRef idx="minor">
+            <a:schemeClr val="lt1"/>
+          </a:fontRef>
+        </p:style>
+        <p:txBody>
+          <a:bodyPr rtlCol="0" anchor="ctr"/>
+          <a:lstStyle/>
+          <a:p>
+            <a:pPr algn="ctr"/>
+            <a:endParaRPr lang="zh-TW" altLang="en-US"/>
+          </a:p>
+        </p:txBody>
+      </p:sp>
     </p:spTree>
     <p:extLst>
       <p:ext uri="{BB962C8B-B14F-4D97-AF65-F5344CB8AC3E}">
-        <p14:creationId xmlns:p14="http://schemas.microsoft.com/office/powerpoint/2010/main" val="624753164"/>
+        <p14:creationId xmlns:p14="http://schemas.microsoft.com/office/powerpoint/2010/main" val="1593159808"/>
       </p:ext>
     </p:extLst>
   </p:cSld>
@@ -5513,7 +7296,7 @@
         <p:cNvPr id="1" name="">
           <a:extLst>
             <a:ext uri="{FF2B5EF4-FFF2-40B4-BE49-F238E27FC236}">
-              <a16:creationId xmlns:a16="http://schemas.microsoft.com/office/drawing/2014/main" id="{E6AD81E1-1542-AD50-1910-B7C8A3F41A73}"/>
+              <a16:creationId xmlns:a16="http://schemas.microsoft.com/office/drawing/2014/main" id="{7CE67D31-5D6E-3E5C-F609-A06129F0C831}"/>
             </a:ext>
           </a:extLst>
         </p:cNvPr>
@@ -5533,7 +7316,7 @@
           <p:cNvPr id="2" name="Title 1">
             <a:extLst>
               <a:ext uri="{FF2B5EF4-FFF2-40B4-BE49-F238E27FC236}">
-                <a16:creationId xmlns:a16="http://schemas.microsoft.com/office/drawing/2014/main" id="{6302F401-D296-CBBA-762B-C37F025E0250}"/>
+                <a16:creationId xmlns:a16="http://schemas.microsoft.com/office/drawing/2014/main" id="{58563F34-2598-00BD-BF5B-8B81BDEB13D6}"/>
               </a:ext>
             </a:extLst>
           </p:cNvPr>
@@ -5552,25 +7335,11 @@
           <a:lstStyle/>
           <a:p>
             <a:r>
-              <a:rPr lang="en-US" altLang="zh-TW" sz="4000" b="0" i="0" u="none" strike="noStrike" baseline="0" dirty="0">
-                <a:latin typeface="Times New Roman" panose="02020603050405020304" pitchFamily="18" charset="0"/>
-                <a:cs typeface="Times New Roman" panose="02020603050405020304" pitchFamily="18" charset="0"/>
-              </a:rPr>
-              <a:t>Experiment</a:t>
-            </a:r>
-            <a:r>
-              <a:rPr lang="zh-TW" altLang="en-US" sz="4000" b="0" i="0" u="none" strike="noStrike" baseline="0" dirty="0">
-                <a:latin typeface="Times New Roman" panose="02020603050405020304" pitchFamily="18" charset="0"/>
-                <a:cs typeface="Times New Roman" panose="02020603050405020304" pitchFamily="18" charset="0"/>
-              </a:rPr>
-              <a:t> </a:t>
-            </a:r>
-            <a:r>
-              <a:rPr lang="en-US" altLang="zh-TW" sz="4000" b="0" i="0" u="none" strike="noStrike" baseline="0" dirty="0">
-                <a:latin typeface="Times New Roman" panose="02020603050405020304" pitchFamily="18" charset="0"/>
-                <a:cs typeface="Times New Roman" panose="02020603050405020304" pitchFamily="18" charset="0"/>
-              </a:rPr>
-              <a:t>Results</a:t>
+              <a:rPr lang="en-US" altLang="zh-TW" sz="4000" dirty="0">
+                <a:latin typeface="Times New Roman" panose="02020603050405020304" pitchFamily="18" charset="0"/>
+                <a:cs typeface="Times New Roman" panose="02020603050405020304" pitchFamily="18" charset="0"/>
+              </a:rPr>
+              <a:t>Dataflow Connection Extraction</a:t>
             </a:r>
             <a:endParaRPr lang="zh-TW" altLang="en-US" sz="4000" dirty="0">
               <a:latin typeface="Times New Roman" panose="02020603050405020304" pitchFamily="18" charset="0"/>
@@ -5581,10 +7350,10 @@
       </p:sp>
       <p:pic>
         <p:nvPicPr>
-          <p:cNvPr id="7" name="圖片 6">
-            <a:extLst>
-              <a:ext uri="{FF2B5EF4-FFF2-40B4-BE49-F238E27FC236}">
-                <a16:creationId xmlns:a16="http://schemas.microsoft.com/office/drawing/2014/main" id="{6CAACB75-6E8C-73F7-D6F4-9276A2EE8B1D}"/>
+          <p:cNvPr id="7" name="Picture 6">
+            <a:extLst>
+              <a:ext uri="{FF2B5EF4-FFF2-40B4-BE49-F238E27FC236}">
+                <a16:creationId xmlns:a16="http://schemas.microsoft.com/office/drawing/2014/main" id="{9550ECB0-C75A-DE8F-781B-C9BDF1E723B0}"/>
               </a:ext>
             </a:extLst>
           </p:cNvPr>
@@ -5601,18 +7370,129 @@
         </p:blipFill>
         <p:spPr>
           <a:xfrm>
-            <a:off x="119958" y="2550700"/>
-            <a:ext cx="11952083" cy="1952757"/>
+            <a:off x="5092193" y="1690688"/>
+            <a:ext cx="6212753" cy="2549919"/>
           </a:xfrm>
           <a:prstGeom prst="rect">
             <a:avLst/>
           </a:prstGeom>
         </p:spPr>
       </p:pic>
+      <p:pic>
+        <p:nvPicPr>
+          <p:cNvPr id="10" name="Picture 9">
+            <a:extLst>
+              <a:ext uri="{FF2B5EF4-FFF2-40B4-BE49-F238E27FC236}">
+                <a16:creationId xmlns:a16="http://schemas.microsoft.com/office/drawing/2014/main" id="{875938BB-364D-1840-7D6A-EA565E62FF39}"/>
+              </a:ext>
+            </a:extLst>
+          </p:cNvPr>
+          <p:cNvPicPr>
+            <a:picLocks noChangeAspect="1"/>
+          </p:cNvPicPr>
+          <p:nvPr/>
+        </p:nvPicPr>
+        <p:blipFill>
+          <a:blip r:embed="rId3"/>
+          <a:stretch>
+            <a:fillRect/>
+          </a:stretch>
+        </p:blipFill>
+        <p:spPr>
+          <a:xfrm>
+            <a:off x="4494783" y="4823608"/>
+            <a:ext cx="7407571" cy="1246133"/>
+          </a:xfrm>
+          <a:prstGeom prst="rect">
+            <a:avLst/>
+          </a:prstGeom>
+        </p:spPr>
+      </p:pic>
+      <p:pic>
+        <p:nvPicPr>
+          <p:cNvPr id="13" name="Content Placeholder 7">
+            <a:extLst>
+              <a:ext uri="{FF2B5EF4-FFF2-40B4-BE49-F238E27FC236}">
+                <a16:creationId xmlns:a16="http://schemas.microsoft.com/office/drawing/2014/main" id="{DE33FF0C-F15D-7789-B918-EFC1912F46A9}"/>
+              </a:ext>
+            </a:extLst>
+          </p:cNvPr>
+          <p:cNvPicPr>
+            <a:picLocks noChangeAspect="1"/>
+          </p:cNvPicPr>
+          <p:nvPr/>
+        </p:nvPicPr>
+        <p:blipFill>
+          <a:blip r:embed="rId4"/>
+          <a:srcRect l="6482" b="6414"/>
+          <a:stretch/>
+        </p:blipFill>
+        <p:spPr>
+          <a:xfrm>
+            <a:off x="111070" y="1927172"/>
+            <a:ext cx="4205283" cy="3939717"/>
+          </a:xfrm>
+          <a:prstGeom prst="rect">
+            <a:avLst/>
+          </a:prstGeom>
+        </p:spPr>
+      </p:pic>
+      <p:sp>
+        <p:nvSpPr>
+          <p:cNvPr id="14" name="Rectangle: Rounded Corners 13">
+            <a:extLst>
+              <a:ext uri="{FF2B5EF4-FFF2-40B4-BE49-F238E27FC236}">
+                <a16:creationId xmlns:a16="http://schemas.microsoft.com/office/drawing/2014/main" id="{1A0CC553-3838-6336-A486-9E3045B7A7B4}"/>
+              </a:ext>
+            </a:extLst>
+          </p:cNvPr>
+          <p:cNvSpPr/>
+          <p:nvPr/>
+        </p:nvSpPr>
+        <p:spPr>
+          <a:xfrm>
+            <a:off x="227068" y="4031952"/>
+            <a:ext cx="1037136" cy="466405"/>
+          </a:xfrm>
+          <a:prstGeom prst="roundRect">
+            <a:avLst/>
+          </a:prstGeom>
+          <a:noFill/>
+          <a:ln w="38100">
+            <a:solidFill>
+              <a:srgbClr val="FF0000"/>
+            </a:solidFill>
+          </a:ln>
+        </p:spPr>
+        <p:style>
+          <a:lnRef idx="2">
+            <a:schemeClr val="accent1">
+              <a:shade val="15000"/>
+            </a:schemeClr>
+          </a:lnRef>
+          <a:fillRef idx="1">
+            <a:schemeClr val="accent1"/>
+          </a:fillRef>
+          <a:effectRef idx="0">
+            <a:schemeClr val="accent1"/>
+          </a:effectRef>
+          <a:fontRef idx="minor">
+            <a:schemeClr val="lt1"/>
+          </a:fontRef>
+        </p:style>
+        <p:txBody>
+          <a:bodyPr rtlCol="0" anchor="ctr"/>
+          <a:lstStyle/>
+          <a:p>
+            <a:pPr algn="ctr"/>
+            <a:endParaRPr lang="zh-TW" altLang="en-US"/>
+          </a:p>
+        </p:txBody>
+      </p:sp>
     </p:spTree>
     <p:extLst>
       <p:ext uri="{BB962C8B-B14F-4D97-AF65-F5344CB8AC3E}">
-        <p14:creationId xmlns:p14="http://schemas.microsoft.com/office/powerpoint/2010/main" val="1296357018"/>
+        <p14:creationId xmlns:p14="http://schemas.microsoft.com/office/powerpoint/2010/main" val="1420612219"/>
       </p:ext>
     </p:extLst>
   </p:cSld>
@@ -5915,4 +7795,299 @@
     </a:ext>
   </a:extLst>
 </a:theme>
+</file>
+
+<file path=ppt/theme/theme2.xml><?xml version="1.0" encoding="utf-8"?>
+<a:theme xmlns:a="http://schemas.openxmlformats.org/drawingml/2006/main" name="Office Theme">
+  <a:themeElements>
+    <a:clrScheme name="Office">
+      <a:dk1>
+        <a:sysClr val="windowText" lastClr="000000"/>
+      </a:dk1>
+      <a:lt1>
+        <a:sysClr val="window" lastClr="FFFFFF"/>
+      </a:lt1>
+      <a:dk2>
+        <a:srgbClr val="44546A"/>
+      </a:dk2>
+      <a:lt2>
+        <a:srgbClr val="E7E6E6"/>
+      </a:lt2>
+      <a:accent1>
+        <a:srgbClr val="4472C4"/>
+      </a:accent1>
+      <a:accent2>
+        <a:srgbClr val="ED7D31"/>
+      </a:accent2>
+      <a:accent3>
+        <a:srgbClr val="A5A5A5"/>
+      </a:accent3>
+      <a:accent4>
+        <a:srgbClr val="FFC000"/>
+      </a:accent4>
+      <a:accent5>
+        <a:srgbClr val="5B9BD5"/>
+      </a:accent5>
+      <a:accent6>
+        <a:srgbClr val="70AD47"/>
+      </a:accent6>
+      <a:hlink>
+        <a:srgbClr val="0563C1"/>
+      </a:hlink>
+      <a:folHlink>
+        <a:srgbClr val="954F72"/>
+      </a:folHlink>
+    </a:clrScheme>
+    <a:fontScheme name="Office">
+      <a:majorFont>
+        <a:latin typeface="Calibri Light" panose="020F0302020204030204"/>
+        <a:ea typeface=""/>
+        <a:cs typeface=""/>
+        <a:font script="Jpan" typeface="游ゴシック Light"/>
+        <a:font script="Hang" typeface="맑은 고딕"/>
+        <a:font script="Hans" typeface="等线 Light"/>
+        <a:font script="Hant" typeface="新細明體"/>
+        <a:font script="Arab" typeface="Times New Roman"/>
+        <a:font script="Hebr" typeface="Times New Roman"/>
+        <a:font script="Thai" typeface="Angsana New"/>
+        <a:font script="Ethi" typeface="Nyala"/>
+        <a:font script="Beng" typeface="Vrinda"/>
+        <a:font script="Gujr" typeface="Shruti"/>
+        <a:font script="Khmr" typeface="MoolBoran"/>
+        <a:font script="Knda" typeface="Tunga"/>
+        <a:font script="Guru" typeface="Raavi"/>
+        <a:font script="Cans" typeface="Euphemia"/>
+        <a:font script="Cher" typeface="Plantagenet Cherokee"/>
+        <a:font script="Yiii" typeface="Microsoft Yi Baiti"/>
+        <a:font script="Tibt" typeface="Microsoft Himalaya"/>
+        <a:font script="Thaa" typeface="MV Boli"/>
+        <a:font script="Deva" typeface="Mangal"/>
+        <a:font script="Telu" typeface="Gautami"/>
+        <a:font script="Taml" typeface="Latha"/>
+        <a:font script="Syrc" typeface="Estrangelo Edessa"/>
+        <a:font script="Orya" typeface="Kalinga"/>
+        <a:font script="Mlym" typeface="Kartika"/>
+        <a:font script="Laoo" typeface="DokChampa"/>
+        <a:font script="Sinh" typeface="Iskoola Pota"/>
+        <a:font script="Mong" typeface="Mongolian Baiti"/>
+        <a:font script="Viet" typeface="Times New Roman"/>
+        <a:font script="Uigh" typeface="Microsoft Uighur"/>
+        <a:font script="Geor" typeface="Sylfaen"/>
+        <a:font script="Armn" typeface="Arial"/>
+        <a:font script="Bugi" typeface="Leelawadee UI"/>
+        <a:font script="Bopo" typeface="Microsoft JhengHei"/>
+        <a:font script="Java" typeface="Javanese Text"/>
+        <a:font script="Lisu" typeface="Segoe UI"/>
+        <a:font script="Mymr" typeface="Myanmar Text"/>
+        <a:font script="Nkoo" typeface="Ebrima"/>
+        <a:font script="Olck" typeface="Nirmala UI"/>
+        <a:font script="Osma" typeface="Ebrima"/>
+        <a:font script="Phag" typeface="Phagspa"/>
+        <a:font script="Syrn" typeface="Estrangelo Edessa"/>
+        <a:font script="Syrj" typeface="Estrangelo Edessa"/>
+        <a:font script="Syre" typeface="Estrangelo Edessa"/>
+        <a:font script="Sora" typeface="Nirmala UI"/>
+        <a:font script="Tale" typeface="Microsoft Tai Le"/>
+        <a:font script="Talu" typeface="Microsoft New Tai Lue"/>
+        <a:font script="Tfng" typeface="Ebrima"/>
+      </a:majorFont>
+      <a:minorFont>
+        <a:latin typeface="Calibri" panose="020F0502020204030204"/>
+        <a:ea typeface=""/>
+        <a:cs typeface=""/>
+        <a:font script="Jpan" typeface="游ゴシック"/>
+        <a:font script="Hang" typeface="맑은 고딕"/>
+        <a:font script="Hans" typeface="等线"/>
+        <a:font script="Hant" typeface="新細明體"/>
+        <a:font script="Arab" typeface="Arial"/>
+        <a:font script="Hebr" typeface="Arial"/>
+        <a:font script="Thai" typeface="Cordia New"/>
+        <a:font script="Ethi" typeface="Nyala"/>
+        <a:font script="Beng" typeface="Vrinda"/>
+        <a:font script="Gujr" typeface="Shruti"/>
+        <a:font script="Khmr" typeface="DaunPenh"/>
+        <a:font script="Knda" typeface="Tunga"/>
+        <a:font script="Guru" typeface="Raavi"/>
+        <a:font script="Cans" typeface="Euphemia"/>
+        <a:font script="Cher" typeface="Plantagenet Cherokee"/>
+        <a:font script="Yiii" typeface="Microsoft Yi Baiti"/>
+        <a:font script="Tibt" typeface="Microsoft Himalaya"/>
+        <a:font script="Thaa" typeface="MV Boli"/>
+        <a:font script="Deva" typeface="Mangal"/>
+        <a:font script="Telu" typeface="Gautami"/>
+        <a:font script="Taml" typeface="Latha"/>
+        <a:font script="Syrc" typeface="Estrangelo Edessa"/>
+        <a:font script="Orya" typeface="Kalinga"/>
+        <a:font script="Mlym" typeface="Kartika"/>
+        <a:font script="Laoo" typeface="DokChampa"/>
+        <a:font script="Sinh" typeface="Iskoola Pota"/>
+        <a:font script="Mong" typeface="Mongolian Baiti"/>
+        <a:font script="Viet" typeface="Arial"/>
+        <a:font script="Uigh" typeface="Microsoft Uighur"/>
+        <a:font script="Geor" typeface="Sylfaen"/>
+        <a:font script="Armn" typeface="Arial"/>
+        <a:font script="Bugi" typeface="Leelawadee UI"/>
+        <a:font script="Bopo" typeface="Microsoft JhengHei"/>
+        <a:font script="Java" typeface="Javanese Text"/>
+        <a:font script="Lisu" typeface="Segoe UI"/>
+        <a:font script="Mymr" typeface="Myanmar Text"/>
+        <a:font script="Nkoo" typeface="Ebrima"/>
+        <a:font script="Olck" typeface="Nirmala UI"/>
+        <a:font script="Osma" typeface="Ebrima"/>
+        <a:font script="Phag" typeface="Phagspa"/>
+        <a:font script="Syrn" typeface="Estrangelo Edessa"/>
+        <a:font script="Syrj" typeface="Estrangelo Edessa"/>
+        <a:font script="Syre" typeface="Estrangelo Edessa"/>
+        <a:font script="Sora" typeface="Nirmala UI"/>
+        <a:font script="Tale" typeface="Microsoft Tai Le"/>
+        <a:font script="Talu" typeface="Microsoft New Tai Lue"/>
+        <a:font script="Tfng" typeface="Ebrima"/>
+      </a:minorFont>
+    </a:fontScheme>
+    <a:fmtScheme name="Office">
+      <a:fillStyleLst>
+        <a:solidFill>
+          <a:schemeClr val="phClr"/>
+        </a:solidFill>
+        <a:gradFill rotWithShape="1">
+          <a:gsLst>
+            <a:gs pos="0">
+              <a:schemeClr val="phClr">
+                <a:lumMod val="110000"/>
+                <a:satMod val="105000"/>
+                <a:tint val="67000"/>
+              </a:schemeClr>
+            </a:gs>
+            <a:gs pos="50000">
+              <a:schemeClr val="phClr">
+                <a:lumMod val="105000"/>
+                <a:satMod val="103000"/>
+                <a:tint val="73000"/>
+              </a:schemeClr>
+            </a:gs>
+            <a:gs pos="100000">
+              <a:schemeClr val="phClr">
+                <a:lumMod val="105000"/>
+                <a:satMod val="109000"/>
+                <a:tint val="81000"/>
+              </a:schemeClr>
+            </a:gs>
+          </a:gsLst>
+          <a:lin ang="5400000" scaled="0"/>
+        </a:gradFill>
+        <a:gradFill rotWithShape="1">
+          <a:gsLst>
+            <a:gs pos="0">
+              <a:schemeClr val="phClr">
+                <a:satMod val="103000"/>
+                <a:lumMod val="102000"/>
+                <a:tint val="94000"/>
+              </a:schemeClr>
+            </a:gs>
+            <a:gs pos="50000">
+              <a:schemeClr val="phClr">
+                <a:satMod val="110000"/>
+                <a:lumMod val="100000"/>
+                <a:shade val="100000"/>
+              </a:schemeClr>
+            </a:gs>
+            <a:gs pos="100000">
+              <a:schemeClr val="phClr">
+                <a:lumMod val="99000"/>
+                <a:satMod val="120000"/>
+                <a:shade val="78000"/>
+              </a:schemeClr>
+            </a:gs>
+          </a:gsLst>
+          <a:lin ang="5400000" scaled="0"/>
+        </a:gradFill>
+      </a:fillStyleLst>
+      <a:lnStyleLst>
+        <a:ln w="6350" cap="flat" cmpd="sng" algn="ctr">
+          <a:solidFill>
+            <a:schemeClr val="phClr"/>
+          </a:solidFill>
+          <a:prstDash val="solid"/>
+          <a:miter lim="800000"/>
+        </a:ln>
+        <a:ln w="12700" cap="flat" cmpd="sng" algn="ctr">
+          <a:solidFill>
+            <a:schemeClr val="phClr"/>
+          </a:solidFill>
+          <a:prstDash val="solid"/>
+          <a:miter lim="800000"/>
+        </a:ln>
+        <a:ln w="19050" cap="flat" cmpd="sng" algn="ctr">
+          <a:solidFill>
+            <a:schemeClr val="phClr"/>
+          </a:solidFill>
+          <a:prstDash val="solid"/>
+          <a:miter lim="800000"/>
+        </a:ln>
+      </a:lnStyleLst>
+      <a:effectStyleLst>
+        <a:effectStyle>
+          <a:effectLst/>
+        </a:effectStyle>
+        <a:effectStyle>
+          <a:effectLst/>
+        </a:effectStyle>
+        <a:effectStyle>
+          <a:effectLst>
+            <a:outerShdw blurRad="57150" dist="19050" dir="5400000" algn="ctr" rotWithShape="0">
+              <a:srgbClr val="000000">
+                <a:alpha val="63000"/>
+              </a:srgbClr>
+            </a:outerShdw>
+          </a:effectLst>
+        </a:effectStyle>
+      </a:effectStyleLst>
+      <a:bgFillStyleLst>
+        <a:solidFill>
+          <a:schemeClr val="phClr"/>
+        </a:solidFill>
+        <a:solidFill>
+          <a:schemeClr val="phClr">
+            <a:tint val="95000"/>
+            <a:satMod val="170000"/>
+          </a:schemeClr>
+        </a:solidFill>
+        <a:gradFill rotWithShape="1">
+          <a:gsLst>
+            <a:gs pos="0">
+              <a:schemeClr val="phClr">
+                <a:tint val="93000"/>
+                <a:satMod val="150000"/>
+                <a:shade val="98000"/>
+                <a:lumMod val="102000"/>
+              </a:schemeClr>
+            </a:gs>
+            <a:gs pos="50000">
+              <a:schemeClr val="phClr">
+                <a:tint val="98000"/>
+                <a:satMod val="130000"/>
+                <a:shade val="90000"/>
+                <a:lumMod val="103000"/>
+              </a:schemeClr>
+            </a:gs>
+            <a:gs pos="100000">
+              <a:schemeClr val="phClr">
+                <a:shade val="63000"/>
+                <a:satMod val="120000"/>
+              </a:schemeClr>
+            </a:gs>
+          </a:gsLst>
+          <a:lin ang="5400000" scaled="0"/>
+        </a:gradFill>
+      </a:bgFillStyleLst>
+    </a:fmtScheme>
+  </a:themeElements>
+  <a:objectDefaults/>
+  <a:extraClrSchemeLst/>
+  <a:extLst>
+    <a:ext uri="{05A4C25C-085E-4340-85A3-A5531E510DB2}">
+      <thm15:themeFamily xmlns:thm15="http://schemas.microsoft.com/office/thememl/2012/main" name="Office Theme" id="{62F939B6-93AF-4DB8-9C6B-D6C7DFDC589F}" vid="{4A3C46E8-61CC-4603-A589-7422A47A8E4A}"/>
+    </a:ext>
+  </a:extLst>
+</a:theme>
 </file>
--- a/PPT/Standard Cell Do Matter.pptx
+++ b/PPT/Standard Cell Do Matter.pptx
@@ -213,7 +213,7 @@
           <a:p>
             <a:fld id="{59DA36C0-52AE-4150-B85A-263E9CA1CEDB}" type="datetimeFigureOut">
               <a:rPr lang="zh-TW" altLang="en-US" smtClean="0"/>
-              <a:t>2025/2/23</a:t>
+              <a:t>2025/2/24</a:t>
             </a:fld>
             <a:endParaRPr lang="zh-TW" altLang="en-US"/>
           </a:p>
@@ -628,9 +628,9 @@
           <a:bodyPr/>
           <a:lstStyle/>
           <a:p>
-            <a:fld id="{F547F32C-DE88-4C9A-A2DD-403CE3997C9A}" type="datetimeFigureOut">
+            <a:fld id="{86E8D643-4D57-4AD8-9274-55464806B6B9}" type="datetime1">
               <a:rPr lang="zh-TW" altLang="en-US" smtClean="0"/>
-              <a:t>2025/2/21</a:t>
+              <a:t>2025/2/24</a:t>
             </a:fld>
             <a:endParaRPr lang="zh-TW" altLang="en-US"/>
           </a:p>
@@ -828,9 +828,9 @@
           <a:bodyPr/>
           <a:lstStyle/>
           <a:p>
-            <a:fld id="{F547F32C-DE88-4C9A-A2DD-403CE3997C9A}" type="datetimeFigureOut">
+            <a:fld id="{076650F0-4C1A-4826-A903-91BE6CF3105E}" type="datetime1">
               <a:rPr lang="zh-TW" altLang="en-US" smtClean="0"/>
-              <a:t>2025/2/21</a:t>
+              <a:t>2025/2/24</a:t>
             </a:fld>
             <a:endParaRPr lang="zh-TW" altLang="en-US"/>
           </a:p>
@@ -1038,9 +1038,9 @@
           <a:bodyPr/>
           <a:lstStyle/>
           <a:p>
-            <a:fld id="{F547F32C-DE88-4C9A-A2DD-403CE3997C9A}" type="datetimeFigureOut">
+            <a:fld id="{B024B1A8-3FE9-4583-8A72-F86117F9E3B7}" type="datetime1">
               <a:rPr lang="zh-TW" altLang="en-US" smtClean="0"/>
-              <a:t>2025/2/21</a:t>
+              <a:t>2025/2/24</a:t>
             </a:fld>
             <a:endParaRPr lang="zh-TW" altLang="en-US"/>
           </a:p>
@@ -1238,9 +1238,9 @@
           <a:bodyPr/>
           <a:lstStyle/>
           <a:p>
-            <a:fld id="{F547F32C-DE88-4C9A-A2DD-403CE3997C9A}" type="datetimeFigureOut">
+            <a:fld id="{7F4693FE-0EC4-4294-A678-E7E72ADA1775}" type="datetime1">
               <a:rPr lang="zh-TW" altLang="en-US" smtClean="0"/>
-              <a:t>2025/2/21</a:t>
+              <a:t>2025/2/24</a:t>
             </a:fld>
             <a:endParaRPr lang="zh-TW" altLang="en-US"/>
           </a:p>
@@ -1514,9 +1514,9 @@
           <a:bodyPr/>
           <a:lstStyle/>
           <a:p>
-            <a:fld id="{F547F32C-DE88-4C9A-A2DD-403CE3997C9A}" type="datetimeFigureOut">
+            <a:fld id="{EBB3C0CD-3A26-43B7-A5FD-8508CB9F878E}" type="datetime1">
               <a:rPr lang="zh-TW" altLang="en-US" smtClean="0"/>
-              <a:t>2025/2/21</a:t>
+              <a:t>2025/2/24</a:t>
             </a:fld>
             <a:endParaRPr lang="zh-TW" altLang="en-US"/>
           </a:p>
@@ -1782,9 +1782,9 @@
           <a:bodyPr/>
           <a:lstStyle/>
           <a:p>
-            <a:fld id="{F547F32C-DE88-4C9A-A2DD-403CE3997C9A}" type="datetimeFigureOut">
+            <a:fld id="{E1C4F7A4-DFA1-4255-909A-B43FF3D4D350}" type="datetime1">
               <a:rPr lang="zh-TW" altLang="en-US" smtClean="0"/>
-              <a:t>2025/2/21</a:t>
+              <a:t>2025/2/24</a:t>
             </a:fld>
             <a:endParaRPr lang="zh-TW" altLang="en-US"/>
           </a:p>
@@ -2197,9 +2197,9 @@
           <a:bodyPr/>
           <a:lstStyle/>
           <a:p>
-            <a:fld id="{F547F32C-DE88-4C9A-A2DD-403CE3997C9A}" type="datetimeFigureOut">
+            <a:fld id="{2C3E785A-3C1C-4532-ADDE-C19A1D5ADE97}" type="datetime1">
               <a:rPr lang="zh-TW" altLang="en-US" smtClean="0"/>
-              <a:t>2025/2/21</a:t>
+              <a:t>2025/2/24</a:t>
             </a:fld>
             <a:endParaRPr lang="zh-TW" altLang="en-US"/>
           </a:p>
@@ -2339,9 +2339,9 @@
           <a:bodyPr/>
           <a:lstStyle/>
           <a:p>
-            <a:fld id="{F547F32C-DE88-4C9A-A2DD-403CE3997C9A}" type="datetimeFigureOut">
+            <a:fld id="{1DFC4A94-5F37-48F3-A89C-7120DCFB33C2}" type="datetime1">
               <a:rPr lang="zh-TW" altLang="en-US" smtClean="0"/>
-              <a:t>2025/2/21</a:t>
+              <a:t>2025/2/24</a:t>
             </a:fld>
             <a:endParaRPr lang="zh-TW" altLang="en-US"/>
           </a:p>
@@ -2452,9 +2452,9 @@
           <a:bodyPr/>
           <a:lstStyle/>
           <a:p>
-            <a:fld id="{F547F32C-DE88-4C9A-A2DD-403CE3997C9A}" type="datetimeFigureOut">
+            <a:fld id="{189DCFED-6579-480F-BFFA-617F9E63B58B}" type="datetime1">
               <a:rPr lang="zh-TW" altLang="en-US" smtClean="0"/>
-              <a:t>2025/2/21</a:t>
+              <a:t>2025/2/24</a:t>
             </a:fld>
             <a:endParaRPr lang="zh-TW" altLang="en-US"/>
           </a:p>
@@ -2765,9 +2765,9 @@
           <a:bodyPr/>
           <a:lstStyle/>
           <a:p>
-            <a:fld id="{F547F32C-DE88-4C9A-A2DD-403CE3997C9A}" type="datetimeFigureOut">
+            <a:fld id="{6E8E4866-0C23-4B5D-8373-3A4C7C69E06B}" type="datetime1">
               <a:rPr lang="zh-TW" altLang="en-US" smtClean="0"/>
-              <a:t>2025/2/21</a:t>
+              <a:t>2025/2/24</a:t>
             </a:fld>
             <a:endParaRPr lang="zh-TW" altLang="en-US"/>
           </a:p>
@@ -3054,9 +3054,9 @@
           <a:bodyPr/>
           <a:lstStyle/>
           <a:p>
-            <a:fld id="{F547F32C-DE88-4C9A-A2DD-403CE3997C9A}" type="datetimeFigureOut">
+            <a:fld id="{E52C9804-DDF7-4CD7-B46E-D3B89523D2C9}" type="datetime1">
               <a:rPr lang="zh-TW" altLang="en-US" smtClean="0"/>
-              <a:t>2025/2/21</a:t>
+              <a:t>2025/2/24</a:t>
             </a:fld>
             <a:endParaRPr lang="zh-TW" altLang="en-US"/>
           </a:p>
@@ -3297,9 +3297,9 @@
             </a:lvl1pPr>
           </a:lstStyle>
           <a:p>
-            <a:fld id="{F547F32C-DE88-4C9A-A2DD-403CE3997C9A}" type="datetimeFigureOut">
+            <a:fld id="{3BECF448-9DC8-4C28-A100-D00F278F421E}" type="datetime1">
               <a:rPr lang="zh-TW" altLang="en-US" smtClean="0"/>
-              <a:t>2025/2/21</a:t>
+              <a:t>2025/2/24</a:t>
             </a:fld>
             <a:endParaRPr lang="zh-TW" altLang="en-US"/>
           </a:p>
@@ -3416,6 +3416,7 @@
     <p:sldLayoutId id="2147483658" r:id="rId10"/>
     <p:sldLayoutId id="2147483659" r:id="rId11"/>
   </p:sldLayoutIdLst>
+  <p:hf hdr="0" ftr="0" dt="0"/>
   <p:txStyles>
     <p:titleStyle>
       <a:lvl1pPr algn="l" defTabSz="914400" rtl="0" eaLnBrk="1" latinLnBrk="0" hangingPunct="1">
@@ -3807,6 +3808,43 @@
           </a:p>
         </p:txBody>
       </p:sp>
+      <p:sp>
+        <p:nvSpPr>
+          <p:cNvPr id="4" name="投影片編號版面配置區 3">
+            <a:extLst>
+              <a:ext uri="{FF2B5EF4-FFF2-40B4-BE49-F238E27FC236}">
+                <a16:creationId xmlns:a16="http://schemas.microsoft.com/office/drawing/2014/main" id="{6420A154-84A7-E04F-256A-F395BC964DD6}"/>
+              </a:ext>
+            </a:extLst>
+          </p:cNvPr>
+          <p:cNvSpPr>
+            <a:spLocks noGrp="1"/>
+          </p:cNvSpPr>
+          <p:nvPr>
+            <p:ph type="sldNum" sz="quarter" idx="12"/>
+          </p:nvPr>
+        </p:nvSpPr>
+        <p:spPr/>
+        <p:txBody>
+          <a:bodyPr/>
+          <a:lstStyle/>
+          <a:p>
+            <a:fld id="{9CF5A83B-F48D-49CA-94CB-9DE72BA4E651}" type="slidenum">
+              <a:rPr lang="zh-TW" altLang="en-US" smtClean="0">
+                <a:solidFill>
+                  <a:schemeClr val="tx1"/>
+                </a:solidFill>
+              </a:rPr>
+              <a:t>1</a:t>
+            </a:fld>
+            <a:endParaRPr lang="zh-TW" altLang="en-US" dirty="0">
+              <a:solidFill>
+                <a:schemeClr val="tx1"/>
+              </a:solidFill>
+            </a:endParaRPr>
+          </a:p>
+        </p:txBody>
+      </p:sp>
     </p:spTree>
     <p:extLst>
       <p:ext uri="{BB962C8B-B14F-4D97-AF65-F5344CB8AC3E}">
@@ -4073,8 +4111,8 @@
         </p:blipFill>
         <p:spPr>
           <a:xfrm>
-            <a:off x="4316353" y="6440385"/>
-            <a:ext cx="6017268" cy="358857"/>
+            <a:off x="4249087" y="6428979"/>
+            <a:ext cx="5686290" cy="339118"/>
           </a:xfrm>
           <a:prstGeom prst="rect">
             <a:avLst/>
@@ -4103,8 +4141,8 @@
         </p:blipFill>
         <p:spPr>
           <a:xfrm>
-            <a:off x="4249087" y="5256054"/>
-            <a:ext cx="6539606" cy="716187"/>
+            <a:off x="4191041" y="5280277"/>
+            <a:ext cx="6423029" cy="703420"/>
           </a:xfrm>
           <a:prstGeom prst="rect">
             <a:avLst/>
@@ -4133,7 +4171,7 @@
         </p:blipFill>
         <p:spPr>
           <a:xfrm>
-            <a:off x="11293342" y="6342420"/>
+            <a:off x="10491540" y="6284602"/>
             <a:ext cx="306096" cy="300909"/>
           </a:xfrm>
           <a:prstGeom prst="rect">
@@ -4163,14 +4201,51 @@
         </p:blipFill>
         <p:spPr>
           <a:xfrm>
-            <a:off x="4297798" y="6052874"/>
-            <a:ext cx="6490895" cy="376283"/>
+            <a:off x="4249088" y="6068211"/>
+            <a:ext cx="6071862" cy="351991"/>
           </a:xfrm>
           <a:prstGeom prst="rect">
             <a:avLst/>
           </a:prstGeom>
         </p:spPr>
       </p:pic>
+      <p:sp>
+        <p:nvSpPr>
+          <p:cNvPr id="3" name="投影片編號版面配置區 2">
+            <a:extLst>
+              <a:ext uri="{FF2B5EF4-FFF2-40B4-BE49-F238E27FC236}">
+                <a16:creationId xmlns:a16="http://schemas.microsoft.com/office/drawing/2014/main" id="{5C3E6AFB-7D86-786E-1240-0BB48E20067B}"/>
+              </a:ext>
+            </a:extLst>
+          </p:cNvPr>
+          <p:cNvSpPr>
+            <a:spLocks noGrp="1"/>
+          </p:cNvSpPr>
+          <p:nvPr>
+            <p:ph type="sldNum" sz="quarter" idx="12"/>
+          </p:nvPr>
+        </p:nvSpPr>
+        <p:spPr/>
+        <p:txBody>
+          <a:bodyPr/>
+          <a:lstStyle/>
+          <a:p>
+            <a:fld id="{9CF5A83B-F48D-49CA-94CB-9DE72BA4E651}" type="slidenum">
+              <a:rPr lang="zh-TW" altLang="en-US" smtClean="0">
+                <a:solidFill>
+                  <a:schemeClr val="tx1"/>
+                </a:solidFill>
+              </a:rPr>
+              <a:t>10</a:t>
+            </a:fld>
+            <a:endParaRPr lang="zh-TW" altLang="en-US" dirty="0">
+              <a:solidFill>
+                <a:schemeClr val="tx1"/>
+              </a:solidFill>
+            </a:endParaRPr>
+          </a:p>
+        </p:txBody>
+      </p:sp>
     </p:spTree>
     <p:extLst>
       <p:ext uri="{BB962C8B-B14F-4D97-AF65-F5344CB8AC3E}">
@@ -4274,6 +4349,43 @@
           </a:prstGeom>
         </p:spPr>
       </p:pic>
+      <p:sp>
+        <p:nvSpPr>
+          <p:cNvPr id="3" name="投影片編號版面配置區 2">
+            <a:extLst>
+              <a:ext uri="{FF2B5EF4-FFF2-40B4-BE49-F238E27FC236}">
+                <a16:creationId xmlns:a16="http://schemas.microsoft.com/office/drawing/2014/main" id="{658093AB-CCE7-9BBC-937B-FD6B1C684E48}"/>
+              </a:ext>
+            </a:extLst>
+          </p:cNvPr>
+          <p:cNvSpPr>
+            <a:spLocks noGrp="1"/>
+          </p:cNvSpPr>
+          <p:nvPr>
+            <p:ph type="sldNum" sz="quarter" idx="12"/>
+          </p:nvPr>
+        </p:nvSpPr>
+        <p:spPr/>
+        <p:txBody>
+          <a:bodyPr/>
+          <a:lstStyle/>
+          <a:p>
+            <a:fld id="{9CF5A83B-F48D-49CA-94CB-9DE72BA4E651}" type="slidenum">
+              <a:rPr lang="zh-TW" altLang="en-US" smtClean="0">
+                <a:solidFill>
+                  <a:schemeClr val="tx1"/>
+                </a:solidFill>
+              </a:rPr>
+              <a:t>11</a:t>
+            </a:fld>
+            <a:endParaRPr lang="zh-TW" altLang="en-US" dirty="0">
+              <a:solidFill>
+                <a:schemeClr val="tx1"/>
+              </a:solidFill>
+            </a:endParaRPr>
+          </a:p>
+        </p:txBody>
+      </p:sp>
     </p:spTree>
     <p:extLst>
       <p:ext uri="{BB962C8B-B14F-4D97-AF65-F5344CB8AC3E}">
@@ -4472,6 +4584,43 @@
           </a:p>
         </p:txBody>
       </p:sp>
+      <p:sp>
+        <p:nvSpPr>
+          <p:cNvPr id="4" name="投影片編號版面配置區 3">
+            <a:extLst>
+              <a:ext uri="{FF2B5EF4-FFF2-40B4-BE49-F238E27FC236}">
+                <a16:creationId xmlns:a16="http://schemas.microsoft.com/office/drawing/2014/main" id="{EC752D64-C427-39FD-B47F-51B7990559D2}"/>
+              </a:ext>
+            </a:extLst>
+          </p:cNvPr>
+          <p:cNvSpPr>
+            <a:spLocks noGrp="1"/>
+          </p:cNvSpPr>
+          <p:nvPr>
+            <p:ph type="sldNum" sz="quarter" idx="12"/>
+          </p:nvPr>
+        </p:nvSpPr>
+        <p:spPr/>
+        <p:txBody>
+          <a:bodyPr/>
+          <a:lstStyle/>
+          <a:p>
+            <a:fld id="{9CF5A83B-F48D-49CA-94CB-9DE72BA4E651}" type="slidenum">
+              <a:rPr lang="zh-TW" altLang="en-US" smtClean="0">
+                <a:solidFill>
+                  <a:schemeClr val="tx1"/>
+                </a:solidFill>
+              </a:rPr>
+              <a:t>12</a:t>
+            </a:fld>
+            <a:endParaRPr lang="zh-TW" altLang="en-US" dirty="0">
+              <a:solidFill>
+                <a:schemeClr val="tx1"/>
+              </a:solidFill>
+            </a:endParaRPr>
+          </a:p>
+        </p:txBody>
+      </p:sp>
     </p:spTree>
     <p:extLst>
       <p:ext uri="{BB962C8B-B14F-4D97-AF65-F5344CB8AC3E}">
@@ -4589,6 +4738,43 @@
           </a:prstGeom>
         </p:spPr>
       </p:pic>
+      <p:sp>
+        <p:nvSpPr>
+          <p:cNvPr id="3" name="投影片編號版面配置區 2">
+            <a:extLst>
+              <a:ext uri="{FF2B5EF4-FFF2-40B4-BE49-F238E27FC236}">
+                <a16:creationId xmlns:a16="http://schemas.microsoft.com/office/drawing/2014/main" id="{A9495031-C4C6-7D85-62FE-F58C0A5911A1}"/>
+              </a:ext>
+            </a:extLst>
+          </p:cNvPr>
+          <p:cNvSpPr>
+            <a:spLocks noGrp="1"/>
+          </p:cNvSpPr>
+          <p:nvPr>
+            <p:ph type="sldNum" sz="quarter" idx="12"/>
+          </p:nvPr>
+        </p:nvSpPr>
+        <p:spPr/>
+        <p:txBody>
+          <a:bodyPr/>
+          <a:lstStyle/>
+          <a:p>
+            <a:fld id="{9CF5A83B-F48D-49CA-94CB-9DE72BA4E651}" type="slidenum">
+              <a:rPr lang="zh-TW" altLang="en-US" smtClean="0">
+                <a:solidFill>
+                  <a:schemeClr val="tx1"/>
+                </a:solidFill>
+              </a:rPr>
+              <a:t>13</a:t>
+            </a:fld>
+            <a:endParaRPr lang="zh-TW" altLang="en-US" dirty="0">
+              <a:solidFill>
+                <a:schemeClr val="tx1"/>
+              </a:solidFill>
+            </a:endParaRPr>
+          </a:p>
+        </p:txBody>
+      </p:sp>
     </p:spTree>
     <p:extLst>
       <p:ext uri="{BB962C8B-B14F-4D97-AF65-F5344CB8AC3E}">
@@ -4655,6 +4841,43 @@
           </a:prstGeom>
         </p:spPr>
       </p:pic>
+      <p:sp>
+        <p:nvSpPr>
+          <p:cNvPr id="2" name="投影片編號版面配置區 1">
+            <a:extLst>
+              <a:ext uri="{FF2B5EF4-FFF2-40B4-BE49-F238E27FC236}">
+                <a16:creationId xmlns:a16="http://schemas.microsoft.com/office/drawing/2014/main" id="{8FAE267A-4FB1-2298-F8E6-BD46B15A5C73}"/>
+              </a:ext>
+            </a:extLst>
+          </p:cNvPr>
+          <p:cNvSpPr>
+            <a:spLocks noGrp="1"/>
+          </p:cNvSpPr>
+          <p:nvPr>
+            <p:ph type="sldNum" sz="quarter" idx="12"/>
+          </p:nvPr>
+        </p:nvSpPr>
+        <p:spPr/>
+        <p:txBody>
+          <a:bodyPr/>
+          <a:lstStyle/>
+          <a:p>
+            <a:fld id="{9CF5A83B-F48D-49CA-94CB-9DE72BA4E651}" type="slidenum">
+              <a:rPr lang="zh-TW" altLang="en-US" smtClean="0">
+                <a:solidFill>
+                  <a:schemeClr val="tx1"/>
+                </a:solidFill>
+              </a:rPr>
+              <a:t>14</a:t>
+            </a:fld>
+            <a:endParaRPr lang="zh-TW" altLang="en-US" dirty="0">
+              <a:solidFill>
+                <a:schemeClr val="tx1"/>
+              </a:solidFill>
+            </a:endParaRPr>
+          </a:p>
+        </p:txBody>
+      </p:sp>
     </p:spTree>
     <p:extLst>
       <p:ext uri="{BB962C8B-B14F-4D97-AF65-F5344CB8AC3E}">
@@ -4721,6 +4944,43 @@
           </a:prstGeom>
         </p:spPr>
       </p:pic>
+      <p:sp>
+        <p:nvSpPr>
+          <p:cNvPr id="2" name="投影片編號版面配置區 1">
+            <a:extLst>
+              <a:ext uri="{FF2B5EF4-FFF2-40B4-BE49-F238E27FC236}">
+                <a16:creationId xmlns:a16="http://schemas.microsoft.com/office/drawing/2014/main" id="{D60DE1C0-C05A-4571-4F7A-0595E0A76AA4}"/>
+              </a:ext>
+            </a:extLst>
+          </p:cNvPr>
+          <p:cNvSpPr>
+            <a:spLocks noGrp="1"/>
+          </p:cNvSpPr>
+          <p:nvPr>
+            <p:ph type="sldNum" sz="quarter" idx="12"/>
+          </p:nvPr>
+        </p:nvSpPr>
+        <p:spPr/>
+        <p:txBody>
+          <a:bodyPr/>
+          <a:lstStyle/>
+          <a:p>
+            <a:fld id="{9CF5A83B-F48D-49CA-94CB-9DE72BA4E651}" type="slidenum">
+              <a:rPr lang="zh-TW" altLang="en-US" smtClean="0">
+                <a:solidFill>
+                  <a:schemeClr val="tx1"/>
+                </a:solidFill>
+              </a:rPr>
+              <a:t>15</a:t>
+            </a:fld>
+            <a:endParaRPr lang="zh-TW" altLang="en-US" dirty="0">
+              <a:solidFill>
+                <a:schemeClr val="tx1"/>
+              </a:solidFill>
+            </a:endParaRPr>
+          </a:p>
+        </p:txBody>
+      </p:sp>
     </p:spTree>
     <p:extLst>
       <p:ext uri="{BB962C8B-B14F-4D97-AF65-F5344CB8AC3E}">
@@ -4816,6 +5076,43 @@
           </a:prstGeom>
         </p:spPr>
       </p:pic>
+      <p:sp>
+        <p:nvSpPr>
+          <p:cNvPr id="2" name="投影片編號版面配置區 1">
+            <a:extLst>
+              <a:ext uri="{FF2B5EF4-FFF2-40B4-BE49-F238E27FC236}">
+                <a16:creationId xmlns:a16="http://schemas.microsoft.com/office/drawing/2014/main" id="{D7B82C36-8E30-667A-45D2-5348DDD3ACAC}"/>
+              </a:ext>
+            </a:extLst>
+          </p:cNvPr>
+          <p:cNvSpPr>
+            <a:spLocks noGrp="1"/>
+          </p:cNvSpPr>
+          <p:nvPr>
+            <p:ph type="sldNum" sz="quarter" idx="12"/>
+          </p:nvPr>
+        </p:nvSpPr>
+        <p:spPr/>
+        <p:txBody>
+          <a:bodyPr/>
+          <a:lstStyle/>
+          <a:p>
+            <a:fld id="{9CF5A83B-F48D-49CA-94CB-9DE72BA4E651}" type="slidenum">
+              <a:rPr lang="zh-TW" altLang="en-US" smtClean="0">
+                <a:solidFill>
+                  <a:schemeClr val="tx1"/>
+                </a:solidFill>
+              </a:rPr>
+              <a:t>16</a:t>
+            </a:fld>
+            <a:endParaRPr lang="zh-TW" altLang="en-US" dirty="0">
+              <a:solidFill>
+                <a:schemeClr val="tx1"/>
+              </a:solidFill>
+            </a:endParaRPr>
+          </a:p>
+        </p:txBody>
+      </p:sp>
     </p:spTree>
     <p:extLst>
       <p:ext uri="{BB962C8B-B14F-4D97-AF65-F5344CB8AC3E}">
@@ -4924,6 +5221,43 @@
           </a:p>
         </p:txBody>
       </p:sp>
+      <p:sp>
+        <p:nvSpPr>
+          <p:cNvPr id="3" name="投影片編號版面配置區 2">
+            <a:extLst>
+              <a:ext uri="{FF2B5EF4-FFF2-40B4-BE49-F238E27FC236}">
+                <a16:creationId xmlns:a16="http://schemas.microsoft.com/office/drawing/2014/main" id="{CE06EB05-AE06-8D83-C772-D8807B7E38D3}"/>
+              </a:ext>
+            </a:extLst>
+          </p:cNvPr>
+          <p:cNvSpPr>
+            <a:spLocks noGrp="1"/>
+          </p:cNvSpPr>
+          <p:nvPr>
+            <p:ph type="sldNum" sz="quarter" idx="12"/>
+          </p:nvPr>
+        </p:nvSpPr>
+        <p:spPr/>
+        <p:txBody>
+          <a:bodyPr/>
+          <a:lstStyle/>
+          <a:p>
+            <a:fld id="{9CF5A83B-F48D-49CA-94CB-9DE72BA4E651}" type="slidenum">
+              <a:rPr lang="zh-TW" altLang="en-US" smtClean="0">
+                <a:solidFill>
+                  <a:schemeClr val="tx1"/>
+                </a:solidFill>
+              </a:rPr>
+              <a:t>17</a:t>
+            </a:fld>
+            <a:endParaRPr lang="zh-TW" altLang="en-US" dirty="0">
+              <a:solidFill>
+                <a:schemeClr val="tx1"/>
+              </a:solidFill>
+            </a:endParaRPr>
+          </a:p>
+        </p:txBody>
+      </p:sp>
     </p:spTree>
     <p:extLst>
       <p:ext uri="{BB962C8B-B14F-4D97-AF65-F5344CB8AC3E}">
@@ -5264,6 +5598,43 @@
           </a:prstGeom>
         </p:spPr>
       </p:pic>
+      <p:sp>
+        <p:nvSpPr>
+          <p:cNvPr id="4" name="投影片編號版面配置區 3">
+            <a:extLst>
+              <a:ext uri="{FF2B5EF4-FFF2-40B4-BE49-F238E27FC236}">
+                <a16:creationId xmlns:a16="http://schemas.microsoft.com/office/drawing/2014/main" id="{A0898C3A-92FE-ED5E-28BB-30B0598342D1}"/>
+              </a:ext>
+            </a:extLst>
+          </p:cNvPr>
+          <p:cNvSpPr>
+            <a:spLocks noGrp="1"/>
+          </p:cNvSpPr>
+          <p:nvPr>
+            <p:ph type="sldNum" sz="quarter" idx="12"/>
+          </p:nvPr>
+        </p:nvSpPr>
+        <p:spPr/>
+        <p:txBody>
+          <a:bodyPr/>
+          <a:lstStyle/>
+          <a:p>
+            <a:fld id="{9CF5A83B-F48D-49CA-94CB-9DE72BA4E651}" type="slidenum">
+              <a:rPr lang="zh-TW" altLang="en-US" smtClean="0">
+                <a:solidFill>
+                  <a:schemeClr val="tx1"/>
+                </a:solidFill>
+              </a:rPr>
+              <a:t>2</a:t>
+            </a:fld>
+            <a:endParaRPr lang="zh-TW" altLang="en-US" dirty="0">
+              <a:solidFill>
+                <a:schemeClr val="tx1"/>
+              </a:solidFill>
+            </a:endParaRPr>
+          </a:p>
+        </p:txBody>
+      </p:sp>
     </p:spTree>
     <p:extLst>
       <p:ext uri="{BB962C8B-B14F-4D97-AF65-F5344CB8AC3E}">
@@ -5643,6 +6014,43 @@
           </a:p>
         </p:txBody>
       </p:sp>
+      <p:sp>
+        <p:nvSpPr>
+          <p:cNvPr id="4" name="投影片編號版面配置區 3">
+            <a:extLst>
+              <a:ext uri="{FF2B5EF4-FFF2-40B4-BE49-F238E27FC236}">
+                <a16:creationId xmlns:a16="http://schemas.microsoft.com/office/drawing/2014/main" id="{48A4AEDC-EECD-0757-183B-F249B0F36EFF}"/>
+              </a:ext>
+            </a:extLst>
+          </p:cNvPr>
+          <p:cNvSpPr>
+            <a:spLocks noGrp="1"/>
+          </p:cNvSpPr>
+          <p:nvPr>
+            <p:ph type="sldNum" sz="quarter" idx="12"/>
+          </p:nvPr>
+        </p:nvSpPr>
+        <p:spPr/>
+        <p:txBody>
+          <a:bodyPr/>
+          <a:lstStyle/>
+          <a:p>
+            <a:fld id="{9CF5A83B-F48D-49CA-94CB-9DE72BA4E651}" type="slidenum">
+              <a:rPr lang="zh-TW" altLang="en-US" smtClean="0">
+                <a:solidFill>
+                  <a:schemeClr val="tx1"/>
+                </a:solidFill>
+              </a:rPr>
+              <a:t>3</a:t>
+            </a:fld>
+            <a:endParaRPr lang="zh-TW" altLang="en-US" dirty="0">
+              <a:solidFill>
+                <a:schemeClr val="tx1"/>
+              </a:solidFill>
+            </a:endParaRPr>
+          </a:p>
+        </p:txBody>
+      </p:sp>
     </p:spTree>
     <p:extLst>
       <p:ext uri="{BB962C8B-B14F-4D97-AF65-F5344CB8AC3E}">
@@ -5964,6 +6372,43 @@
           </a:p>
         </p:txBody>
       </p:sp>
+      <p:sp>
+        <p:nvSpPr>
+          <p:cNvPr id="4" name="投影片編號版面配置區 3">
+            <a:extLst>
+              <a:ext uri="{FF2B5EF4-FFF2-40B4-BE49-F238E27FC236}">
+                <a16:creationId xmlns:a16="http://schemas.microsoft.com/office/drawing/2014/main" id="{10203C64-CB39-8F31-6A31-936E0D1EDA58}"/>
+              </a:ext>
+            </a:extLst>
+          </p:cNvPr>
+          <p:cNvSpPr>
+            <a:spLocks noGrp="1"/>
+          </p:cNvSpPr>
+          <p:nvPr>
+            <p:ph type="sldNum" sz="quarter" idx="12"/>
+          </p:nvPr>
+        </p:nvSpPr>
+        <p:spPr/>
+        <p:txBody>
+          <a:bodyPr/>
+          <a:lstStyle/>
+          <a:p>
+            <a:fld id="{9CF5A83B-F48D-49CA-94CB-9DE72BA4E651}" type="slidenum">
+              <a:rPr lang="zh-TW" altLang="en-US" smtClean="0">
+                <a:solidFill>
+                  <a:schemeClr val="tx1"/>
+                </a:solidFill>
+              </a:rPr>
+              <a:t>4</a:t>
+            </a:fld>
+            <a:endParaRPr lang="zh-TW" altLang="en-US" dirty="0">
+              <a:solidFill>
+                <a:schemeClr val="tx1"/>
+              </a:solidFill>
+            </a:endParaRPr>
+          </a:p>
+        </p:txBody>
+      </p:sp>
     </p:spTree>
     <p:extLst>
       <p:ext uri="{BB962C8B-B14F-4D97-AF65-F5344CB8AC3E}">
@@ -6182,6 +6627,43 @@
           </a:prstGeom>
         </p:spPr>
       </p:pic>
+      <p:sp>
+        <p:nvSpPr>
+          <p:cNvPr id="5" name="投影片編號版面配置區 4">
+            <a:extLst>
+              <a:ext uri="{FF2B5EF4-FFF2-40B4-BE49-F238E27FC236}">
+                <a16:creationId xmlns:a16="http://schemas.microsoft.com/office/drawing/2014/main" id="{F34080E2-8D5B-A2B9-24E3-757D91A4EA7E}"/>
+              </a:ext>
+            </a:extLst>
+          </p:cNvPr>
+          <p:cNvSpPr>
+            <a:spLocks noGrp="1"/>
+          </p:cNvSpPr>
+          <p:nvPr>
+            <p:ph type="sldNum" sz="quarter" idx="12"/>
+          </p:nvPr>
+        </p:nvSpPr>
+        <p:spPr/>
+        <p:txBody>
+          <a:bodyPr/>
+          <a:lstStyle/>
+          <a:p>
+            <a:fld id="{9CF5A83B-F48D-49CA-94CB-9DE72BA4E651}" type="slidenum">
+              <a:rPr lang="zh-TW" altLang="en-US" smtClean="0">
+                <a:solidFill>
+                  <a:schemeClr val="tx1"/>
+                </a:solidFill>
+              </a:rPr>
+              <a:t>5</a:t>
+            </a:fld>
+            <a:endParaRPr lang="zh-TW" altLang="en-US" dirty="0">
+              <a:solidFill>
+                <a:schemeClr val="tx1"/>
+              </a:solidFill>
+            </a:endParaRPr>
+          </a:p>
+        </p:txBody>
+      </p:sp>
     </p:spTree>
     <p:extLst>
       <p:ext uri="{BB962C8B-B14F-4D97-AF65-F5344CB8AC3E}">
@@ -6343,6 +6825,43 @@
               </a:rPr>
               <a:t>, and use them as an important guidance for macro placement.</a:t>
             </a:r>
+          </a:p>
+        </p:txBody>
+      </p:sp>
+      <p:sp>
+        <p:nvSpPr>
+          <p:cNvPr id="4" name="投影片編號版面配置區 3">
+            <a:extLst>
+              <a:ext uri="{FF2B5EF4-FFF2-40B4-BE49-F238E27FC236}">
+                <a16:creationId xmlns:a16="http://schemas.microsoft.com/office/drawing/2014/main" id="{52A7EBD7-4ED5-E5B6-D4CC-C8C5B38D5987}"/>
+              </a:ext>
+            </a:extLst>
+          </p:cNvPr>
+          <p:cNvSpPr>
+            <a:spLocks noGrp="1"/>
+          </p:cNvSpPr>
+          <p:nvPr>
+            <p:ph type="sldNum" sz="quarter" idx="12"/>
+          </p:nvPr>
+        </p:nvSpPr>
+        <p:spPr/>
+        <p:txBody>
+          <a:bodyPr/>
+          <a:lstStyle/>
+          <a:p>
+            <a:fld id="{9CF5A83B-F48D-49CA-94CB-9DE72BA4E651}" type="slidenum">
+              <a:rPr lang="zh-TW" altLang="en-US" smtClean="0">
+                <a:solidFill>
+                  <a:schemeClr val="tx1"/>
+                </a:solidFill>
+              </a:rPr>
+              <a:t>6</a:t>
+            </a:fld>
+            <a:endParaRPr lang="zh-TW" altLang="en-US" dirty="0">
+              <a:solidFill>
+                <a:schemeClr val="tx1"/>
+              </a:solidFill>
+            </a:endParaRPr>
           </a:p>
         </p:txBody>
       </p:sp>
@@ -6384,6 +6903,36 @@
       </p:grpSpPr>
       <p:pic>
         <p:nvPicPr>
+          <p:cNvPr id="32" name="Picture 31">
+            <a:extLst>
+              <a:ext uri="{FF2B5EF4-FFF2-40B4-BE49-F238E27FC236}">
+                <a16:creationId xmlns:a16="http://schemas.microsoft.com/office/drawing/2014/main" id="{7F205BF3-E4DF-68ED-8A8C-E7ACC85659C2}"/>
+              </a:ext>
+            </a:extLst>
+          </p:cNvPr>
+          <p:cNvPicPr>
+            <a:picLocks noChangeAspect="1"/>
+          </p:cNvPicPr>
+          <p:nvPr/>
+        </p:nvPicPr>
+        <p:blipFill>
+          <a:blip r:embed="rId2"/>
+          <a:stretch>
+            <a:fillRect/>
+          </a:stretch>
+        </p:blipFill>
+        <p:spPr>
+          <a:xfrm rot="13657453">
+            <a:off x="7428700" y="2633275"/>
+            <a:ext cx="746396" cy="260727"/>
+          </a:xfrm>
+          <a:prstGeom prst="rect">
+            <a:avLst/>
+          </a:prstGeom>
+        </p:spPr>
+      </p:pic>
+      <p:pic>
+        <p:nvPicPr>
           <p:cNvPr id="33" name="Picture 32">
             <a:extLst>
               <a:ext uri="{FF2B5EF4-FFF2-40B4-BE49-F238E27FC236}">
@@ -6985,36 +7534,6 @@
           </a:prstGeom>
         </p:spPr>
       </p:pic>
-      <p:pic>
-        <p:nvPicPr>
-          <p:cNvPr id="32" name="Picture 31">
-            <a:extLst>
-              <a:ext uri="{FF2B5EF4-FFF2-40B4-BE49-F238E27FC236}">
-                <a16:creationId xmlns:a16="http://schemas.microsoft.com/office/drawing/2014/main" id="{7F205BF3-E4DF-68ED-8A8C-E7ACC85659C2}"/>
-              </a:ext>
-            </a:extLst>
-          </p:cNvPr>
-          <p:cNvPicPr>
-            <a:picLocks noChangeAspect="1"/>
-          </p:cNvPicPr>
-          <p:nvPr/>
-        </p:nvPicPr>
-        <p:blipFill>
-          <a:blip r:embed="rId2"/>
-          <a:stretch>
-            <a:fillRect/>
-          </a:stretch>
-        </p:blipFill>
-        <p:spPr>
-          <a:xfrm rot="13657453">
-            <a:off x="7428700" y="2633275"/>
-            <a:ext cx="746396" cy="260727"/>
-          </a:xfrm>
-          <a:prstGeom prst="rect">
-            <a:avLst/>
-          </a:prstGeom>
-        </p:spPr>
-      </p:pic>
       <p:sp>
         <p:nvSpPr>
           <p:cNvPr id="34" name="TextBox 33">
@@ -7056,6 +7575,43 @@
               <a:t> </a:t>
             </a:r>
             <a:endParaRPr lang="zh-TW" altLang="en-US" sz="2000" dirty="0"/>
+          </a:p>
+        </p:txBody>
+      </p:sp>
+      <p:sp>
+        <p:nvSpPr>
+          <p:cNvPr id="3" name="投影片編號版面配置區 2">
+            <a:extLst>
+              <a:ext uri="{FF2B5EF4-FFF2-40B4-BE49-F238E27FC236}">
+                <a16:creationId xmlns:a16="http://schemas.microsoft.com/office/drawing/2014/main" id="{9A50CD3D-0225-404D-746A-E6DFF8A2D526}"/>
+              </a:ext>
+            </a:extLst>
+          </p:cNvPr>
+          <p:cNvSpPr>
+            <a:spLocks noGrp="1"/>
+          </p:cNvSpPr>
+          <p:nvPr>
+            <p:ph type="sldNum" sz="quarter" idx="12"/>
+          </p:nvPr>
+        </p:nvSpPr>
+        <p:spPr/>
+        <p:txBody>
+          <a:bodyPr/>
+          <a:lstStyle/>
+          <a:p>
+            <a:fld id="{9CF5A83B-F48D-49CA-94CB-9DE72BA4E651}" type="slidenum">
+              <a:rPr lang="zh-TW" altLang="en-US" smtClean="0">
+                <a:solidFill>
+                  <a:schemeClr val="tx1"/>
+                </a:solidFill>
+              </a:rPr>
+              <a:t>7</a:t>
+            </a:fld>
+            <a:endParaRPr lang="zh-TW" altLang="en-US" dirty="0">
+              <a:solidFill>
+                <a:schemeClr val="tx1"/>
+              </a:solidFill>
+            </a:endParaRPr>
           </a:p>
         </p:txBody>
       </p:sp>
@@ -7275,6 +7831,43 @@
           </a:p>
         </p:txBody>
       </p:sp>
+      <p:sp>
+        <p:nvSpPr>
+          <p:cNvPr id="4" name="投影片編號版面配置區 3">
+            <a:extLst>
+              <a:ext uri="{FF2B5EF4-FFF2-40B4-BE49-F238E27FC236}">
+                <a16:creationId xmlns:a16="http://schemas.microsoft.com/office/drawing/2014/main" id="{3374B5E2-9ED7-1236-5D71-7BEBD35DA9DD}"/>
+              </a:ext>
+            </a:extLst>
+          </p:cNvPr>
+          <p:cNvSpPr>
+            <a:spLocks noGrp="1"/>
+          </p:cNvSpPr>
+          <p:nvPr>
+            <p:ph type="sldNum" sz="quarter" idx="12"/>
+          </p:nvPr>
+        </p:nvSpPr>
+        <p:spPr/>
+        <p:txBody>
+          <a:bodyPr/>
+          <a:lstStyle/>
+          <a:p>
+            <a:fld id="{9CF5A83B-F48D-49CA-94CB-9DE72BA4E651}" type="slidenum">
+              <a:rPr lang="zh-TW" altLang="en-US" smtClean="0">
+                <a:solidFill>
+                  <a:schemeClr val="tx1"/>
+                </a:solidFill>
+              </a:rPr>
+              <a:t>8</a:t>
+            </a:fld>
+            <a:endParaRPr lang="zh-TW" altLang="en-US" dirty="0">
+              <a:solidFill>
+                <a:schemeClr val="tx1"/>
+              </a:solidFill>
+            </a:endParaRPr>
+          </a:p>
+        </p:txBody>
+      </p:sp>
     </p:spTree>
     <p:extLst>
       <p:ext uri="{BB962C8B-B14F-4D97-AF65-F5344CB8AC3E}">
@@ -7486,6 +8079,43 @@
           <a:p>
             <a:pPr algn="ctr"/>
             <a:endParaRPr lang="zh-TW" altLang="en-US"/>
+          </a:p>
+        </p:txBody>
+      </p:sp>
+      <p:sp>
+        <p:nvSpPr>
+          <p:cNvPr id="3" name="投影片編號版面配置區 2">
+            <a:extLst>
+              <a:ext uri="{FF2B5EF4-FFF2-40B4-BE49-F238E27FC236}">
+                <a16:creationId xmlns:a16="http://schemas.microsoft.com/office/drawing/2014/main" id="{A1427481-4297-3545-5518-A8D0A7DFE6EE}"/>
+              </a:ext>
+            </a:extLst>
+          </p:cNvPr>
+          <p:cNvSpPr>
+            <a:spLocks noGrp="1"/>
+          </p:cNvSpPr>
+          <p:nvPr>
+            <p:ph type="sldNum" sz="quarter" idx="12"/>
+          </p:nvPr>
+        </p:nvSpPr>
+        <p:spPr/>
+        <p:txBody>
+          <a:bodyPr/>
+          <a:lstStyle/>
+          <a:p>
+            <a:fld id="{9CF5A83B-F48D-49CA-94CB-9DE72BA4E651}" type="slidenum">
+              <a:rPr lang="zh-TW" altLang="en-US" smtClean="0">
+                <a:solidFill>
+                  <a:schemeClr val="tx1"/>
+                </a:solidFill>
+              </a:rPr>
+              <a:t>9</a:t>
+            </a:fld>
+            <a:endParaRPr lang="zh-TW" altLang="en-US" dirty="0">
+              <a:solidFill>
+                <a:schemeClr val="tx1"/>
+              </a:solidFill>
+            </a:endParaRPr>
           </a:p>
         </p:txBody>
       </p:sp>

--- a/PPT/Standard Cell Do Matter.pptx
+++ b/PPT/Standard Cell Do Matter.pptx
@@ -5491,30 +5491,7 @@
                 <a:ea typeface="新細明體" panose="02020500000000000000" pitchFamily="18" charset="-120"/>
                 <a:cs typeface="Times New Roman" panose="02020603050405020304" pitchFamily="18" charset="0"/>
               </a:rPr>
-              <a:t>and </a:t>
-            </a:r>
-            <a:r>
-              <a:rPr lang="en-US" altLang="zh-TW" sz="2400" dirty="0">
-                <a:solidFill>
-                  <a:schemeClr val="accent5">
-                    <a:lumMod val="75000"/>
-                  </a:schemeClr>
-                </a:solidFill>
-                <a:effectLst/>
-                <a:latin typeface="Times New Roman" panose="02020603050405020304" pitchFamily="18" charset="0"/>
-                <a:ea typeface="新細明體" panose="02020500000000000000" pitchFamily="18" charset="-120"/>
-                <a:cs typeface="Times New Roman" panose="02020603050405020304" pitchFamily="18" charset="0"/>
-              </a:rPr>
-              <a:t>required interconnects number</a:t>
-            </a:r>
-            <a:r>
-              <a:rPr lang="en-US" altLang="zh-TW" sz="2400" dirty="0">
-                <a:effectLst/>
-                <a:latin typeface="Times New Roman" panose="02020603050405020304" pitchFamily="18" charset="0"/>
-                <a:ea typeface="新細明體" panose="02020500000000000000" pitchFamily="18" charset="-120"/>
-                <a:cs typeface="Times New Roman" panose="02020603050405020304" pitchFamily="18" charset="0"/>
-              </a:rPr>
-              <a:t> eventually.</a:t>
+              <a:t>eventually.</a:t>
             </a:r>
           </a:p>
           <a:p>
@@ -7793,8 +7770,8 @@
         </p:nvSpPr>
         <p:spPr>
           <a:xfrm>
-            <a:off x="159560" y="3148236"/>
-            <a:ext cx="2417943" cy="895990"/>
+            <a:off x="227066" y="3148236"/>
+            <a:ext cx="2350438" cy="895990"/>
           </a:xfrm>
           <a:prstGeom prst="roundRect">
             <a:avLst/>
